--- a/docs/presentaciones/equipo1.pptx
+++ b/docs/presentaciones/equipo1.pptx
@@ -1,31 +1,36 @@
 
 <file path=ppt/presentation.xml><?xml version="1.0" encoding="utf-8"?>
-<p:presentation xmlns:a="http://schemas.openxmlformats.org/drawingml/2006/main" xmlns:r="http://schemas.openxmlformats.org/officeDocument/2006/relationships" xmlns:p="http://schemas.openxmlformats.org/presentationml/2006/main" saveSubsetFonts="1" embedTrueTypeFonts="true">
+<p:presentation xmlns:a="http://schemas.openxmlformats.org/drawingml/2006/main" xmlns:r="http://schemas.openxmlformats.org/officeDocument/2006/relationships" xmlns:p="http://schemas.openxmlformats.org/presentationml/2006/main" embedTrueTypeFonts="1" saveSubsetFonts="1">
   <p:sldMasterIdLst>
-    <p:sldMasterId id="2147483648" r:id="rId1"/>
+    <p:sldMasterId id="2147483660" r:id="rId1"/>
   </p:sldMasterIdLst>
   <p:sldIdLst>
-    <p:sldId id="256" r:id="rId6"/>
-    <p:sldId id="257" r:id="rId7"/>
-    <p:sldId id="258" r:id="rId8"/>
-    <p:sldId id="259" r:id="rId9"/>
-    <p:sldId id="260" r:id="rId10"/>
-    <p:sldId id="261" r:id="rId11"/>
-    <p:sldId id="262" r:id="rId12"/>
+    <p:sldId id="256" r:id="rId2"/>
+    <p:sldId id="257" r:id="rId3"/>
+    <p:sldId id="258" r:id="rId4"/>
+    <p:sldId id="259" r:id="rId5"/>
+    <p:sldId id="260" r:id="rId6"/>
+    <p:sldId id="261" r:id="rId7"/>
+    <p:sldId id="262" r:id="rId8"/>
   </p:sldIdLst>
   <p:sldSz cx="9753600" cy="7315200"/>
   <p:notesSz cx="6858000" cy="9144000"/>
   <p:embeddedFontLst>
     <p:embeddedFont>
-      <p:font typeface="Calibri (MS)" charset="1" panose="020F0502020204030204"/>
-      <p:regular r:id="rId13"/>
+      <p:font typeface="Calibri (MS)" panose="020B0604020202020204" charset="0"/>
+      <p:regular r:id="rId9"/>
+    </p:embeddedFont>
+    <p:embeddedFont>
+      <p:font typeface="Ebrima" panose="02000000000000000000" pitchFamily="2" charset="0"/>
+      <p:regular r:id="rId10"/>
+      <p:bold r:id="rId11"/>
     </p:embeddedFont>
   </p:embeddedFontLst>
   <p:defaultTextStyle>
     <a:defPPr>
       <a:defRPr lang="en-US"/>
     </a:defPPr>
-    <a:lvl1pPr marL="0" algn="l" defTabSz="914400" rtl="0" eaLnBrk="1" latinLnBrk="0" hangingPunct="1">
+    <a:lvl1pPr marL="0" algn="l" defTabSz="457200" rtl="0" eaLnBrk="1" latinLnBrk="0" hangingPunct="1">
       <a:defRPr sz="1800" kern="1200">
         <a:solidFill>
           <a:schemeClr val="tx1"/>
@@ -35,7 +40,7 @@
         <a:cs typeface="+mn-cs"/>
       </a:defRPr>
     </a:lvl1pPr>
-    <a:lvl2pPr marL="457200" algn="l" defTabSz="914400" rtl="0" eaLnBrk="1" latinLnBrk="0" hangingPunct="1">
+    <a:lvl2pPr marL="457200" algn="l" defTabSz="457200" rtl="0" eaLnBrk="1" latinLnBrk="0" hangingPunct="1">
       <a:defRPr sz="1800" kern="1200">
         <a:solidFill>
           <a:schemeClr val="tx1"/>
@@ -45,7 +50,7 @@
         <a:cs typeface="+mn-cs"/>
       </a:defRPr>
     </a:lvl2pPr>
-    <a:lvl3pPr marL="914400" algn="l" defTabSz="914400" rtl="0" eaLnBrk="1" latinLnBrk="0" hangingPunct="1">
+    <a:lvl3pPr marL="914400" algn="l" defTabSz="457200" rtl="0" eaLnBrk="1" latinLnBrk="0" hangingPunct="1">
       <a:defRPr sz="1800" kern="1200">
         <a:solidFill>
           <a:schemeClr val="tx1"/>
@@ -55,7 +60,7 @@
         <a:cs typeface="+mn-cs"/>
       </a:defRPr>
     </a:lvl3pPr>
-    <a:lvl4pPr marL="1371600" algn="l" defTabSz="914400" rtl="0" eaLnBrk="1" latinLnBrk="0" hangingPunct="1">
+    <a:lvl4pPr marL="1371600" algn="l" defTabSz="457200" rtl="0" eaLnBrk="1" latinLnBrk="0" hangingPunct="1">
       <a:defRPr sz="1800" kern="1200">
         <a:solidFill>
           <a:schemeClr val="tx1"/>
@@ -65,7 +70,7 @@
         <a:cs typeface="+mn-cs"/>
       </a:defRPr>
     </a:lvl4pPr>
-    <a:lvl5pPr marL="1828800" algn="l" defTabSz="914400" rtl="0" eaLnBrk="1" latinLnBrk="0" hangingPunct="1">
+    <a:lvl5pPr marL="1828800" algn="l" defTabSz="457200" rtl="0" eaLnBrk="1" latinLnBrk="0" hangingPunct="1">
       <a:defRPr sz="1800" kern="1200">
         <a:solidFill>
           <a:schemeClr val="tx1"/>
@@ -75,7 +80,7 @@
         <a:cs typeface="+mn-cs"/>
       </a:defRPr>
     </a:lvl5pPr>
-    <a:lvl6pPr marL="2286000" algn="l" defTabSz="914400" rtl="0" eaLnBrk="1" latinLnBrk="0" hangingPunct="1">
+    <a:lvl6pPr marL="2286000" algn="l" defTabSz="457200" rtl="0" eaLnBrk="1" latinLnBrk="0" hangingPunct="1">
       <a:defRPr sz="1800" kern="1200">
         <a:solidFill>
           <a:schemeClr val="tx1"/>
@@ -85,7 +90,7 @@
         <a:cs typeface="+mn-cs"/>
       </a:defRPr>
     </a:lvl6pPr>
-    <a:lvl7pPr marL="2743200" algn="l" defTabSz="914400" rtl="0" eaLnBrk="1" latinLnBrk="0" hangingPunct="1">
+    <a:lvl7pPr marL="2743200" algn="l" defTabSz="457200" rtl="0" eaLnBrk="1" latinLnBrk="0" hangingPunct="1">
       <a:defRPr sz="1800" kern="1200">
         <a:solidFill>
           <a:schemeClr val="tx1"/>
@@ -95,7 +100,7 @@
         <a:cs typeface="+mn-cs"/>
       </a:defRPr>
     </a:lvl7pPr>
-    <a:lvl8pPr marL="3200400" algn="l" defTabSz="914400" rtl="0" eaLnBrk="1" latinLnBrk="0" hangingPunct="1">
+    <a:lvl8pPr marL="3200400" algn="l" defTabSz="457200" rtl="0" eaLnBrk="1" latinLnBrk="0" hangingPunct="1">
       <a:defRPr sz="1800" kern="1200">
         <a:solidFill>
           <a:schemeClr val="tx1"/>
@@ -105,7 +110,7 @@
         <a:cs typeface="+mn-cs"/>
       </a:defRPr>
     </a:lvl8pPr>
-    <a:lvl9pPr marL="3657600" algn="l" defTabSz="914400" rtl="0" eaLnBrk="1" latinLnBrk="0" hangingPunct="1">
+    <a:lvl9pPr marL="3657600" algn="l" defTabSz="457200" rtl="0" eaLnBrk="1" latinLnBrk="0" hangingPunct="1">
       <a:defRPr sz="1800" kern="1200">
         <a:solidFill>
           <a:schemeClr val="tx1"/>
@@ -116,12 +121,28 @@
       </a:defRPr>
     </a:lvl9pPr>
   </p:defaultTextStyle>
+  <p:extLst>
+    <p:ext uri="{EFAFB233-063F-42B5-8137-9DF3F51BA10A}">
+      <p15:sldGuideLst xmlns:p15="http://schemas.microsoft.com/office/powerpoint/2012/main">
+        <p15:guide id="1" orient="horz" pos="2160">
+          <p15:clr>
+            <a:srgbClr val="A4A3A4"/>
+          </p15:clr>
+        </p15:guide>
+        <p15:guide id="2" pos="2880">
+          <p15:clr>
+            <a:srgbClr val="A4A3A4"/>
+          </p15:clr>
+        </p15:guide>
+      </p15:sldGuideLst>
+    </p:ext>
+  </p:extLst>
 </p:presentation>
 </file>
 
 <file path=ppt/slideLayouts/slideLayout1.xml><?xml version="1.0" encoding="utf-8"?>
-<p:sldLayout xmlns:a="http://schemas.openxmlformats.org/drawingml/2006/main" xmlns:r="http://schemas.openxmlformats.org/officeDocument/2006/relationships" xmlns:p="http://schemas.openxmlformats.org/presentationml/2006/main" type="title" preserve="1">
-  <p:cSld name="Title Slide">
+<p:sldLayout xmlns:a="http://schemas.openxmlformats.org/drawingml/2006/main" xmlns:r="http://schemas.openxmlformats.org/officeDocument/2006/relationships" xmlns:p="http://schemas.openxmlformats.org/presentationml/2006/main" showMasterSp="0" type="title" preserve="1">
+  <p:cSld name="Diapositiva de título">
     <p:spTree>
       <p:nvGrpSpPr>
         <p:cNvPr id="1" name=""/>
@@ -138,6 +159,96 @@
       </p:grpSpPr>
       <p:sp>
         <p:nvSpPr>
+          <p:cNvPr id="7" name="Rectangle 6"/>
+          <p:cNvSpPr/>
+          <p:nvPr/>
+        </p:nvSpPr>
+        <p:spPr>
+          <a:xfrm>
+            <a:off x="2541" y="6827520"/>
+            <a:ext cx="9751060" cy="487680"/>
+          </a:xfrm>
+          <a:prstGeom prst="rect">
+            <a:avLst/>
+          </a:prstGeom>
+          <a:solidFill>
+            <a:schemeClr val="accent2"/>
+          </a:solidFill>
+          <a:ln>
+            <a:noFill/>
+          </a:ln>
+        </p:spPr>
+        <p:style>
+          <a:lnRef idx="2">
+            <a:schemeClr val="accent1">
+              <a:shade val="50000"/>
+            </a:schemeClr>
+          </a:lnRef>
+          <a:fillRef idx="1">
+            <a:schemeClr val="accent1"/>
+          </a:fillRef>
+          <a:effectRef idx="0">
+            <a:schemeClr val="accent1"/>
+          </a:effectRef>
+          <a:fontRef idx="minor">
+            <a:schemeClr val="lt1"/>
+          </a:fontRef>
+        </p:style>
+        <p:txBody>
+          <a:bodyPr/>
+          <a:lstStyle/>
+          <a:p>
+            <a:endParaRPr lang="es-CO"/>
+          </a:p>
+        </p:txBody>
+      </p:sp>
+      <p:sp>
+        <p:nvSpPr>
+          <p:cNvPr id="8" name="Rectangle 7"/>
+          <p:cNvSpPr/>
+          <p:nvPr/>
+        </p:nvSpPr>
+        <p:spPr>
+          <a:xfrm>
+            <a:off x="13" y="6756604"/>
+            <a:ext cx="9751060" cy="68275"/>
+          </a:xfrm>
+          <a:prstGeom prst="rect">
+            <a:avLst/>
+          </a:prstGeom>
+          <a:solidFill>
+            <a:schemeClr val="accent1"/>
+          </a:solidFill>
+          <a:ln>
+            <a:noFill/>
+          </a:ln>
+        </p:spPr>
+        <p:style>
+          <a:lnRef idx="2">
+            <a:schemeClr val="accent1">
+              <a:shade val="50000"/>
+            </a:schemeClr>
+          </a:lnRef>
+          <a:fillRef idx="1">
+            <a:schemeClr val="accent1"/>
+          </a:fillRef>
+          <a:effectRef idx="0">
+            <a:schemeClr val="accent1"/>
+          </a:effectRef>
+          <a:fontRef idx="minor">
+            <a:schemeClr val="lt1"/>
+          </a:fontRef>
+        </p:style>
+        <p:txBody>
+          <a:bodyPr/>
+          <a:lstStyle/>
+          <a:p>
+            <a:endParaRPr lang="es-CO"/>
+          </a:p>
+        </p:txBody>
+      </p:sp>
+      <p:sp>
+        <p:nvSpPr>
           <p:cNvPr id="2" name="Title 1"/>
           <p:cNvSpPr>
             <a:spLocks noGrp="1"/>
@@ -148,138 +259,107 @@
         </p:nvSpPr>
         <p:spPr>
           <a:xfrm>
-            <a:off x="685800" y="2130425"/>
-            <a:ext cx="7772400" cy="1470025"/>
+            <a:off x="877824" y="809549"/>
+            <a:ext cx="8046720" cy="3803904"/>
           </a:xfrm>
         </p:spPr>
         <p:txBody>
-          <a:bodyPr/>
-          <a:lstStyle/>
-          <a:p>
-            <a:r>
-              <a:rPr lang="en-US" smtClean="0"/>
-              <a:t>Click to edit Master title style</a:t>
-            </a:r>
-            <a:endParaRPr lang="en-US"/>
-          </a:p>
-        </p:txBody>
-      </p:sp>
-      <p:sp>
-        <p:nvSpPr>
-          <p:cNvPr id="3" name="Subtitle 2"/>
-          <p:cNvSpPr>
-            <a:spLocks noGrp="1"/>
-          </p:cNvSpPr>
-          <p:nvPr>
-            <p:ph type="subTitle" idx="1"/>
-          </p:nvPr>
-        </p:nvSpPr>
-        <p:spPr>
-          <a:xfrm>
-            <a:off x="1371600" y="3886200"/>
-            <a:ext cx="6400800" cy="1752600"/>
-          </a:xfrm>
-        </p:spPr>
-        <p:txBody>
-          <a:bodyPr/>
+          <a:bodyPr anchor="b">
+            <a:normAutofit/>
+          </a:bodyPr>
           <a:lstStyle>
-            <a:lvl1pPr marL="0" indent="0" algn="ctr">
-              <a:buNone/>
-              <a:defRPr>
+            <a:lvl1pPr algn="l">
+              <a:lnSpc>
+                <a:spcPct val="85000"/>
+              </a:lnSpc>
+              <a:defRPr sz="8534" spc="-53" baseline="0">
                 <a:solidFill>
                   <a:schemeClr val="tx1">
-                    <a:tint val="75000"/>
+                    <a:lumMod val="85000"/>
+                    <a:lumOff val="15000"/>
                   </a:schemeClr>
                 </a:solidFill>
               </a:defRPr>
             </a:lvl1pPr>
-            <a:lvl2pPr marL="457200" indent="0" algn="ctr">
-              <a:buNone/>
-              <a:defRPr>
+          </a:lstStyle>
+          <a:p>
+            <a:r>
+              <a:rPr lang="es-ES"/>
+              <a:t>Haga clic para modificar el estilo de título del patrón</a:t>
+            </a:r>
+            <a:endParaRPr lang="en-US" dirty="0"/>
+          </a:p>
+        </p:txBody>
+      </p:sp>
+      <p:sp>
+        <p:nvSpPr>
+          <p:cNvPr id="3" name="Subtitle 2"/>
+          <p:cNvSpPr>
+            <a:spLocks noGrp="1"/>
+          </p:cNvSpPr>
+          <p:nvPr>
+            <p:ph type="subTitle" idx="1"/>
+          </p:nvPr>
+        </p:nvSpPr>
+        <p:spPr>
+          <a:xfrm>
+            <a:off x="880041" y="4752662"/>
+            <a:ext cx="8046720" cy="1219200"/>
+          </a:xfrm>
+        </p:spPr>
+        <p:txBody>
+          <a:bodyPr lIns="91440" rIns="91440">
+            <a:normAutofit/>
+          </a:bodyPr>
+          <a:lstStyle>
+            <a:lvl1pPr marL="0" indent="0" algn="l">
+              <a:buNone/>
+              <a:defRPr sz="2560" cap="all" spc="213" baseline="0">
                 <a:solidFill>
-                  <a:schemeClr val="tx1">
-                    <a:tint val="75000"/>
-                  </a:schemeClr>
+                  <a:schemeClr val="tx2"/>
                 </a:solidFill>
+                <a:latin typeface="+mj-lt"/>
               </a:defRPr>
+            </a:lvl1pPr>
+            <a:lvl2pPr marL="487695" indent="0" algn="ctr">
+              <a:buNone/>
+              <a:defRPr sz="2560"/>
             </a:lvl2pPr>
-            <a:lvl3pPr marL="914400" indent="0" algn="ctr">
-              <a:buNone/>
-              <a:defRPr>
-                <a:solidFill>
-                  <a:schemeClr val="tx1">
-                    <a:tint val="75000"/>
-                  </a:schemeClr>
-                </a:solidFill>
-              </a:defRPr>
+            <a:lvl3pPr marL="975390" indent="0" algn="ctr">
+              <a:buNone/>
+              <a:defRPr sz="2560"/>
             </a:lvl3pPr>
-            <a:lvl4pPr marL="1371600" indent="0" algn="ctr">
-              <a:buNone/>
-              <a:defRPr>
-                <a:solidFill>
-                  <a:schemeClr val="tx1">
-                    <a:tint val="75000"/>
-                  </a:schemeClr>
-                </a:solidFill>
-              </a:defRPr>
+            <a:lvl4pPr marL="1463086" indent="0" algn="ctr">
+              <a:buNone/>
+              <a:defRPr sz="2133"/>
             </a:lvl4pPr>
-            <a:lvl5pPr marL="1828800" indent="0" algn="ctr">
-              <a:buNone/>
-              <a:defRPr>
-                <a:solidFill>
-                  <a:schemeClr val="tx1">
-                    <a:tint val="75000"/>
-                  </a:schemeClr>
-                </a:solidFill>
-              </a:defRPr>
+            <a:lvl5pPr marL="1950781" indent="0" algn="ctr">
+              <a:buNone/>
+              <a:defRPr sz="2133"/>
             </a:lvl5pPr>
-            <a:lvl6pPr marL="2286000" indent="0" algn="ctr">
-              <a:buNone/>
-              <a:defRPr>
-                <a:solidFill>
-                  <a:schemeClr val="tx1">
-                    <a:tint val="75000"/>
-                  </a:schemeClr>
-                </a:solidFill>
-              </a:defRPr>
+            <a:lvl6pPr marL="2438476" indent="0" algn="ctr">
+              <a:buNone/>
+              <a:defRPr sz="2133"/>
             </a:lvl6pPr>
-            <a:lvl7pPr marL="2743200" indent="0" algn="ctr">
-              <a:buNone/>
-              <a:defRPr>
-                <a:solidFill>
-                  <a:schemeClr val="tx1">
-                    <a:tint val="75000"/>
-                  </a:schemeClr>
-                </a:solidFill>
-              </a:defRPr>
+            <a:lvl7pPr marL="2926171" indent="0" algn="ctr">
+              <a:buNone/>
+              <a:defRPr sz="2133"/>
             </a:lvl7pPr>
-            <a:lvl8pPr marL="3200400" indent="0" algn="ctr">
-              <a:buNone/>
-              <a:defRPr>
-                <a:solidFill>
-                  <a:schemeClr val="tx1">
-                    <a:tint val="75000"/>
-                  </a:schemeClr>
-                </a:solidFill>
-              </a:defRPr>
+            <a:lvl8pPr marL="3413867" indent="0" algn="ctr">
+              <a:buNone/>
+              <a:defRPr sz="2133"/>
             </a:lvl8pPr>
-            <a:lvl9pPr marL="3657600" indent="0" algn="ctr">
-              <a:buNone/>
-              <a:defRPr>
-                <a:solidFill>
-                  <a:schemeClr val="tx1">
-                    <a:tint val="75000"/>
-                  </a:schemeClr>
-                </a:solidFill>
-              </a:defRPr>
+            <a:lvl9pPr marL="3901562" indent="0" algn="ctr">
+              <a:buNone/>
+              <a:defRPr sz="2133"/>
             </a:lvl9pPr>
           </a:lstStyle>
           <a:p>
             <a:r>
-              <a:rPr lang="en-US" smtClean="0"/>
-              <a:t>Click to edit Master subtitle style</a:t>
-            </a:r>
-            <a:endParaRPr lang="en-US"/>
+              <a:rPr lang="es-ES"/>
+              <a:t>Haga clic para modificar el estilo de subtítulo del patrón</a:t>
+            </a:r>
+            <a:endParaRPr lang="en-US" dirty="0"/>
           </a:p>
         </p:txBody>
       </p:sp>
@@ -301,7 +381,7 @@
             <a:fld id="{1D8BD707-D9CF-40AE-B4C6-C98DA3205C09}" type="datetimeFigureOut">
               <a:rPr lang="en-US" smtClean="0"/>
               <a:pPr/>
-              <a:t>8/1/2011</a:t>
+              <a:t>12/3/2025</a:t>
             </a:fld>
             <a:endParaRPr lang="en-US"/>
           </a:p>
@@ -344,13 +424,56 @@
             <a:fld id="{B6F15528-21DE-4FAA-801E-634DDDAF4B2B}" type="slidenum">
               <a:rPr lang="en-US" smtClean="0"/>
               <a:pPr/>
-              <a:t>‹#›</a:t>
+              <a:t>‹Nº›</a:t>
             </a:fld>
             <a:endParaRPr lang="en-US"/>
           </a:p>
         </p:txBody>
       </p:sp>
+      <p:cxnSp>
+        <p:nvCxnSpPr>
+          <p:cNvPr id="9" name="Straight Connector 8"/>
+          <p:cNvCxnSpPr/>
+          <p:nvPr/>
+        </p:nvCxnSpPr>
+        <p:spPr>
+          <a:xfrm>
+            <a:off x="966127" y="4632960"/>
+            <a:ext cx="7900416" cy="0"/>
+          </a:xfrm>
+          <a:prstGeom prst="line">
+            <a:avLst/>
+          </a:prstGeom>
+          <a:ln w="6350">
+            <a:solidFill>
+              <a:schemeClr val="tx1">
+                <a:lumMod val="50000"/>
+                <a:lumOff val="50000"/>
+              </a:schemeClr>
+            </a:solidFill>
+          </a:ln>
+        </p:spPr>
+        <p:style>
+          <a:lnRef idx="1">
+            <a:schemeClr val="accent1"/>
+          </a:lnRef>
+          <a:fillRef idx="0">
+            <a:schemeClr val="accent1"/>
+          </a:fillRef>
+          <a:effectRef idx="0">
+            <a:schemeClr val="accent1"/>
+          </a:effectRef>
+          <a:fontRef idx="minor">
+            <a:schemeClr val="tx1"/>
+          </a:fontRef>
+        </p:style>
+      </p:cxnSp>
     </p:spTree>
+    <p:extLst>
+      <p:ext uri="{BB962C8B-B14F-4D97-AF65-F5344CB8AC3E}">
+        <p14:creationId xmlns:p14="http://schemas.microsoft.com/office/powerpoint/2010/main" val="1395971233"/>
+      </p:ext>
+    </p:extLst>
   </p:cSld>
   <p:clrMapOvr>
     <a:masterClrMapping/>
@@ -360,7 +483,7 @@
 
 <file path=ppt/slideLayouts/slideLayout10.xml><?xml version="1.0" encoding="utf-8"?>
 <p:sldLayout xmlns:a="http://schemas.openxmlformats.org/drawingml/2006/main" xmlns:r="http://schemas.openxmlformats.org/officeDocument/2006/relationships" xmlns:p="http://schemas.openxmlformats.org/presentationml/2006/main" type="vertTx" preserve="1">
-  <p:cSld name="Title and Vertical Text">
+  <p:cSld name="Título y texto vertical">
     <p:spTree>
       <p:nvGrpSpPr>
         <p:cNvPr id="1" name=""/>
@@ -391,10 +514,10 @@
           <a:lstStyle/>
           <a:p>
             <a:r>
-              <a:rPr lang="en-US" smtClean="0"/>
-              <a:t>Click to edit Master title style</a:t>
-            </a:r>
-            <a:endParaRPr lang="en-US"/>
+              <a:rPr lang="es-ES"/>
+              <a:t>Haga clic para modificar el estilo de título del patrón</a:t>
+            </a:r>
+            <a:endParaRPr lang="en-US" dirty="0"/>
           </a:p>
         </p:txBody>
       </p:sp>
@@ -410,43 +533,43 @@
         </p:nvSpPr>
         <p:spPr/>
         <p:txBody>
-          <a:bodyPr vert="eaVert"/>
+          <a:bodyPr vert="eaVert" lIns="45720" tIns="0" rIns="45720" bIns="0"/>
           <a:lstStyle/>
           <a:p>
             <a:pPr lvl="0"/>
             <a:r>
-              <a:rPr lang="en-US" smtClean="0"/>
-              <a:t>Click to edit Master text styles</a:t>
+              <a:rPr lang="es-ES"/>
+              <a:t>Haga clic para modificar los estilos de texto del patrón</a:t>
             </a:r>
           </a:p>
           <a:p>
             <a:pPr lvl="1"/>
             <a:r>
-              <a:rPr lang="en-US" smtClean="0"/>
-              <a:t>Second level</a:t>
+              <a:rPr lang="es-ES"/>
+              <a:t>Segundo nivel</a:t>
             </a:r>
           </a:p>
           <a:p>
             <a:pPr lvl="2"/>
             <a:r>
-              <a:rPr lang="en-US" smtClean="0"/>
-              <a:t>Third level</a:t>
+              <a:rPr lang="es-ES"/>
+              <a:t>Tercer nivel</a:t>
             </a:r>
           </a:p>
           <a:p>
             <a:pPr lvl="3"/>
             <a:r>
-              <a:rPr lang="en-US" smtClean="0"/>
-              <a:t>Fourth level</a:t>
+              <a:rPr lang="es-ES"/>
+              <a:t>Cuarto nivel</a:t>
             </a:r>
           </a:p>
           <a:p>
             <a:pPr lvl="4"/>
             <a:r>
-              <a:rPr lang="en-US" smtClean="0"/>
-              <a:t>Fifth level</a:t>
-            </a:r>
-            <a:endParaRPr lang="en-US"/>
+              <a:rPr lang="es-ES"/>
+              <a:t>Quinto nivel</a:t>
+            </a:r>
+            <a:endParaRPr lang="en-US" dirty="0"/>
           </a:p>
         </p:txBody>
       </p:sp>
@@ -468,7 +591,7 @@
             <a:fld id="{1D8BD707-D9CF-40AE-B4C6-C98DA3205C09}" type="datetimeFigureOut">
               <a:rPr lang="en-US" smtClean="0"/>
               <a:pPr/>
-              <a:t>8/1/2011</a:t>
+              <a:t>12/3/2025</a:t>
             </a:fld>
             <a:endParaRPr lang="en-US"/>
           </a:p>
@@ -511,13 +634,18 @@
             <a:fld id="{B6F15528-21DE-4FAA-801E-634DDDAF4B2B}" type="slidenum">
               <a:rPr lang="en-US" smtClean="0"/>
               <a:pPr/>
-              <a:t>‹#›</a:t>
+              <a:t>‹Nº›</a:t>
             </a:fld>
             <a:endParaRPr lang="en-US"/>
           </a:p>
         </p:txBody>
       </p:sp>
     </p:spTree>
+    <p:extLst>
+      <p:ext uri="{BB962C8B-B14F-4D97-AF65-F5344CB8AC3E}">
+        <p14:creationId xmlns:p14="http://schemas.microsoft.com/office/powerpoint/2010/main" val="3525201097"/>
+      </p:ext>
+    </p:extLst>
   </p:cSld>
   <p:clrMapOvr>
     <a:masterClrMapping/>
@@ -526,8 +654,8 @@
 </file>
 
 <file path=ppt/slideLayouts/slideLayout11.xml><?xml version="1.0" encoding="utf-8"?>
-<p:sldLayout xmlns:a="http://schemas.openxmlformats.org/drawingml/2006/main" xmlns:r="http://schemas.openxmlformats.org/officeDocument/2006/relationships" xmlns:p="http://schemas.openxmlformats.org/presentationml/2006/main" type="vertTitleAndTx" preserve="1">
-  <p:cSld name="Vertical Title and Text">
+<p:sldLayout xmlns:a="http://schemas.openxmlformats.org/drawingml/2006/main" xmlns:r="http://schemas.openxmlformats.org/officeDocument/2006/relationships" xmlns:p="http://schemas.openxmlformats.org/presentationml/2006/main" showMasterSp="0" type="vertTitleAndTx" preserve="1">
+  <p:cSld name="Título vertical y texto">
     <p:spTree>
       <p:nvGrpSpPr>
         <p:cNvPr id="1" name=""/>
@@ -544,6 +672,96 @@
       </p:grpSpPr>
       <p:sp>
         <p:nvSpPr>
+          <p:cNvPr id="7" name="Rectangle 6"/>
+          <p:cNvSpPr/>
+          <p:nvPr/>
+        </p:nvSpPr>
+        <p:spPr>
+          <a:xfrm>
+            <a:off x="2541" y="6827520"/>
+            <a:ext cx="9751060" cy="487680"/>
+          </a:xfrm>
+          <a:prstGeom prst="rect">
+            <a:avLst/>
+          </a:prstGeom>
+          <a:solidFill>
+            <a:schemeClr val="accent2"/>
+          </a:solidFill>
+          <a:ln>
+            <a:noFill/>
+          </a:ln>
+        </p:spPr>
+        <p:style>
+          <a:lnRef idx="2">
+            <a:schemeClr val="accent1">
+              <a:shade val="50000"/>
+            </a:schemeClr>
+          </a:lnRef>
+          <a:fillRef idx="1">
+            <a:schemeClr val="accent1"/>
+          </a:fillRef>
+          <a:effectRef idx="0">
+            <a:schemeClr val="accent1"/>
+          </a:effectRef>
+          <a:fontRef idx="minor">
+            <a:schemeClr val="lt1"/>
+          </a:fontRef>
+        </p:style>
+        <p:txBody>
+          <a:bodyPr/>
+          <a:lstStyle/>
+          <a:p>
+            <a:endParaRPr lang="es-CO"/>
+          </a:p>
+        </p:txBody>
+      </p:sp>
+      <p:sp>
+        <p:nvSpPr>
+          <p:cNvPr id="8" name="Rectangle 7"/>
+          <p:cNvSpPr/>
+          <p:nvPr/>
+        </p:nvSpPr>
+        <p:spPr>
+          <a:xfrm>
+            <a:off x="13" y="6756604"/>
+            <a:ext cx="9751060" cy="68275"/>
+          </a:xfrm>
+          <a:prstGeom prst="rect">
+            <a:avLst/>
+          </a:prstGeom>
+          <a:solidFill>
+            <a:schemeClr val="accent1"/>
+          </a:solidFill>
+          <a:ln>
+            <a:noFill/>
+          </a:ln>
+        </p:spPr>
+        <p:style>
+          <a:lnRef idx="2">
+            <a:schemeClr val="accent1">
+              <a:shade val="50000"/>
+            </a:schemeClr>
+          </a:lnRef>
+          <a:fillRef idx="1">
+            <a:schemeClr val="accent1"/>
+          </a:fillRef>
+          <a:effectRef idx="0">
+            <a:schemeClr val="accent1"/>
+          </a:effectRef>
+          <a:fontRef idx="minor">
+            <a:schemeClr val="lt1"/>
+          </a:fontRef>
+        </p:style>
+        <p:txBody>
+          <a:bodyPr/>
+          <a:lstStyle/>
+          <a:p>
+            <a:endParaRPr lang="es-CO"/>
+          </a:p>
+        </p:txBody>
+      </p:sp>
+      <p:sp>
+        <p:nvSpPr>
           <p:cNvPr id="2" name="Vertical Title 1"/>
           <p:cNvSpPr>
             <a:spLocks noGrp="1"/>
@@ -554,8 +772,8 @@
         </p:nvSpPr>
         <p:spPr>
           <a:xfrm>
-            <a:off x="6629400" y="274638"/>
-            <a:ext cx="2057400" cy="5851525"/>
+            <a:off x="6979921" y="442432"/>
+            <a:ext cx="2103120" cy="6141249"/>
           </a:xfrm>
         </p:spPr>
         <p:txBody>
@@ -563,10 +781,10 @@
           <a:lstStyle/>
           <a:p>
             <a:r>
-              <a:rPr lang="en-US" smtClean="0"/>
-              <a:t>Click to edit Master title style</a:t>
-            </a:r>
-            <a:endParaRPr lang="en-US"/>
+              <a:rPr lang="es-ES"/>
+              <a:t>Haga clic para modificar el estilo de título del patrón</a:t>
+            </a:r>
+            <a:endParaRPr lang="en-US" dirty="0"/>
           </a:p>
         </p:txBody>
       </p:sp>
@@ -582,48 +800,48 @@
         </p:nvSpPr>
         <p:spPr>
           <a:xfrm>
-            <a:off x="457200" y="274638"/>
-            <a:ext cx="6019800" cy="5851525"/>
+            <a:off x="670561" y="442431"/>
+            <a:ext cx="6187440" cy="6141248"/>
           </a:xfrm>
         </p:spPr>
         <p:txBody>
-          <a:bodyPr vert="eaVert"/>
+          <a:bodyPr vert="eaVert" lIns="45720" tIns="0" rIns="45720" bIns="0"/>
           <a:lstStyle/>
           <a:p>
             <a:pPr lvl="0"/>
             <a:r>
-              <a:rPr lang="en-US" smtClean="0"/>
-              <a:t>Click to edit Master text styles</a:t>
+              <a:rPr lang="es-ES"/>
+              <a:t>Haga clic para modificar los estilos de texto del patrón</a:t>
             </a:r>
           </a:p>
           <a:p>
             <a:pPr lvl="1"/>
             <a:r>
-              <a:rPr lang="en-US" smtClean="0"/>
-              <a:t>Second level</a:t>
+              <a:rPr lang="es-ES"/>
+              <a:t>Segundo nivel</a:t>
             </a:r>
           </a:p>
           <a:p>
             <a:pPr lvl="2"/>
             <a:r>
-              <a:rPr lang="en-US" smtClean="0"/>
-              <a:t>Third level</a:t>
+              <a:rPr lang="es-ES"/>
+              <a:t>Tercer nivel</a:t>
             </a:r>
           </a:p>
           <a:p>
             <a:pPr lvl="3"/>
             <a:r>
-              <a:rPr lang="en-US" smtClean="0"/>
-              <a:t>Fourth level</a:t>
+              <a:rPr lang="es-ES"/>
+              <a:t>Cuarto nivel</a:t>
             </a:r>
           </a:p>
           <a:p>
             <a:pPr lvl="4"/>
             <a:r>
-              <a:rPr lang="en-US" smtClean="0"/>
-              <a:t>Fifth level</a:t>
-            </a:r>
-            <a:endParaRPr lang="en-US"/>
+              <a:rPr lang="es-ES"/>
+              <a:t>Quinto nivel</a:t>
+            </a:r>
+            <a:endParaRPr lang="en-US" dirty="0"/>
           </a:p>
         </p:txBody>
       </p:sp>
@@ -645,7 +863,7 @@
             <a:fld id="{1D8BD707-D9CF-40AE-B4C6-C98DA3205C09}" type="datetimeFigureOut">
               <a:rPr lang="en-US" smtClean="0"/>
               <a:pPr/>
-              <a:t>8/1/2011</a:t>
+              <a:t>12/3/2025</a:t>
             </a:fld>
             <a:endParaRPr lang="en-US"/>
           </a:p>
@@ -688,13 +906,18 @@
             <a:fld id="{B6F15528-21DE-4FAA-801E-634DDDAF4B2B}" type="slidenum">
               <a:rPr lang="en-US" smtClean="0"/>
               <a:pPr/>
-              <a:t>‹#›</a:t>
+              <a:t>‹Nº›</a:t>
             </a:fld>
             <a:endParaRPr lang="en-US"/>
           </a:p>
         </p:txBody>
       </p:sp>
     </p:spTree>
+    <p:extLst>
+      <p:ext uri="{BB962C8B-B14F-4D97-AF65-F5344CB8AC3E}">
+        <p14:creationId xmlns:p14="http://schemas.microsoft.com/office/powerpoint/2010/main" val="760759632"/>
+      </p:ext>
+    </p:extLst>
   </p:cSld>
   <p:clrMapOvr>
     <a:masterClrMapping/>
@@ -704,7 +927,7 @@
 
 <file path=ppt/slideLayouts/slideLayout2.xml><?xml version="1.0" encoding="utf-8"?>
 <p:sldLayout xmlns:a="http://schemas.openxmlformats.org/drawingml/2006/main" xmlns:r="http://schemas.openxmlformats.org/officeDocument/2006/relationships" xmlns:p="http://schemas.openxmlformats.org/presentationml/2006/main" type="obj" preserve="1">
-  <p:cSld name="Title and Content">
+  <p:cSld name="Título y objetos">
     <p:spTree>
       <p:nvGrpSpPr>
         <p:cNvPr id="1" name=""/>
@@ -735,10 +958,10 @@
           <a:lstStyle/>
           <a:p>
             <a:r>
-              <a:rPr lang="en-US" smtClean="0"/>
-              <a:t>Click to edit Master title style</a:t>
-            </a:r>
-            <a:endParaRPr lang="en-US"/>
+              <a:rPr lang="es-ES"/>
+              <a:t>Haga clic para modificar el estilo de título del patrón</a:t>
+            </a:r>
+            <a:endParaRPr lang="en-US" dirty="0"/>
           </a:p>
         </p:txBody>
       </p:sp>
@@ -759,38 +982,38 @@
           <a:p>
             <a:pPr lvl="0"/>
             <a:r>
-              <a:rPr lang="en-US" smtClean="0"/>
-              <a:t>Click to edit Master text styles</a:t>
+              <a:rPr lang="es-ES"/>
+              <a:t>Haga clic para modificar los estilos de texto del patrón</a:t>
             </a:r>
           </a:p>
           <a:p>
             <a:pPr lvl="1"/>
             <a:r>
-              <a:rPr lang="en-US" smtClean="0"/>
-              <a:t>Second level</a:t>
+              <a:rPr lang="es-ES"/>
+              <a:t>Segundo nivel</a:t>
             </a:r>
           </a:p>
           <a:p>
             <a:pPr lvl="2"/>
             <a:r>
-              <a:rPr lang="en-US" smtClean="0"/>
-              <a:t>Third level</a:t>
+              <a:rPr lang="es-ES"/>
+              <a:t>Tercer nivel</a:t>
             </a:r>
           </a:p>
           <a:p>
             <a:pPr lvl="3"/>
             <a:r>
-              <a:rPr lang="en-US" smtClean="0"/>
-              <a:t>Fourth level</a:t>
+              <a:rPr lang="es-ES"/>
+              <a:t>Cuarto nivel</a:t>
             </a:r>
           </a:p>
           <a:p>
             <a:pPr lvl="4"/>
             <a:r>
-              <a:rPr lang="en-US" smtClean="0"/>
-              <a:t>Fifth level</a:t>
-            </a:r>
-            <a:endParaRPr lang="en-US"/>
+              <a:rPr lang="es-ES"/>
+              <a:t>Quinto nivel</a:t>
+            </a:r>
+            <a:endParaRPr lang="en-US" dirty="0"/>
           </a:p>
         </p:txBody>
       </p:sp>
@@ -812,7 +1035,7 @@
             <a:fld id="{1D8BD707-D9CF-40AE-B4C6-C98DA3205C09}" type="datetimeFigureOut">
               <a:rPr lang="en-US" smtClean="0"/>
               <a:pPr/>
-              <a:t>8/1/2011</a:t>
+              <a:t>12/3/2025</a:t>
             </a:fld>
             <a:endParaRPr lang="en-US"/>
           </a:p>
@@ -855,13 +1078,18 @@
             <a:fld id="{B6F15528-21DE-4FAA-801E-634DDDAF4B2B}" type="slidenum">
               <a:rPr lang="en-US" smtClean="0"/>
               <a:pPr/>
-              <a:t>‹#›</a:t>
+              <a:t>‹Nº›</a:t>
             </a:fld>
             <a:endParaRPr lang="en-US"/>
           </a:p>
         </p:txBody>
       </p:sp>
     </p:spTree>
+    <p:extLst>
+      <p:ext uri="{BB962C8B-B14F-4D97-AF65-F5344CB8AC3E}">
+        <p14:creationId xmlns:p14="http://schemas.microsoft.com/office/powerpoint/2010/main" val="203084098"/>
+      </p:ext>
+    </p:extLst>
   </p:cSld>
   <p:clrMapOvr>
     <a:masterClrMapping/>
@@ -870,8 +1098,16 @@
 </file>
 
 <file path=ppt/slideLayouts/slideLayout3.xml><?xml version="1.0" encoding="utf-8"?>
-<p:sldLayout xmlns:a="http://schemas.openxmlformats.org/drawingml/2006/main" xmlns:r="http://schemas.openxmlformats.org/officeDocument/2006/relationships" xmlns:p="http://schemas.openxmlformats.org/presentationml/2006/main" type="secHead" preserve="1">
-  <p:cSld name="Section Header">
+<p:sldLayout xmlns:a="http://schemas.openxmlformats.org/drawingml/2006/main" xmlns:r="http://schemas.openxmlformats.org/officeDocument/2006/relationships" xmlns:p="http://schemas.openxmlformats.org/presentationml/2006/main" showMasterSp="0" type="secHead" preserve="1">
+  <p:cSld name="Encabezado de sección">
+    <p:bg>
+      <p:bgPr>
+        <a:solidFill>
+          <a:schemeClr val="bg1"/>
+        </a:solidFill>
+        <a:effectLst/>
+      </p:bgPr>
+    </p:bg>
     <p:spTree>
       <p:nvGrpSpPr>
         <p:cNvPr id="1" name=""/>
@@ -888,6 +1124,96 @@
       </p:grpSpPr>
       <p:sp>
         <p:nvSpPr>
+          <p:cNvPr id="7" name="Rectangle 6"/>
+          <p:cNvSpPr/>
+          <p:nvPr/>
+        </p:nvSpPr>
+        <p:spPr>
+          <a:xfrm>
+            <a:off x="2541" y="6827520"/>
+            <a:ext cx="9751060" cy="487680"/>
+          </a:xfrm>
+          <a:prstGeom prst="rect">
+            <a:avLst/>
+          </a:prstGeom>
+          <a:solidFill>
+            <a:schemeClr val="accent2"/>
+          </a:solidFill>
+          <a:ln>
+            <a:noFill/>
+          </a:ln>
+        </p:spPr>
+        <p:style>
+          <a:lnRef idx="2">
+            <a:schemeClr val="accent1">
+              <a:shade val="50000"/>
+            </a:schemeClr>
+          </a:lnRef>
+          <a:fillRef idx="1">
+            <a:schemeClr val="accent1"/>
+          </a:fillRef>
+          <a:effectRef idx="0">
+            <a:schemeClr val="accent1"/>
+          </a:effectRef>
+          <a:fontRef idx="minor">
+            <a:schemeClr val="lt1"/>
+          </a:fontRef>
+        </p:style>
+        <p:txBody>
+          <a:bodyPr/>
+          <a:lstStyle/>
+          <a:p>
+            <a:endParaRPr lang="es-CO"/>
+          </a:p>
+        </p:txBody>
+      </p:sp>
+      <p:sp>
+        <p:nvSpPr>
+          <p:cNvPr id="8" name="Rectangle 7"/>
+          <p:cNvSpPr/>
+          <p:nvPr/>
+        </p:nvSpPr>
+        <p:spPr>
+          <a:xfrm>
+            <a:off x="13" y="6756604"/>
+            <a:ext cx="9751060" cy="68275"/>
+          </a:xfrm>
+          <a:prstGeom prst="rect">
+            <a:avLst/>
+          </a:prstGeom>
+          <a:solidFill>
+            <a:schemeClr val="accent1"/>
+          </a:solidFill>
+          <a:ln>
+            <a:noFill/>
+          </a:ln>
+        </p:spPr>
+        <p:style>
+          <a:lnRef idx="2">
+            <a:schemeClr val="accent1">
+              <a:shade val="50000"/>
+            </a:schemeClr>
+          </a:lnRef>
+          <a:fillRef idx="1">
+            <a:schemeClr val="accent1"/>
+          </a:fillRef>
+          <a:effectRef idx="0">
+            <a:schemeClr val="accent1"/>
+          </a:effectRef>
+          <a:fontRef idx="minor">
+            <a:schemeClr val="lt1"/>
+          </a:fontRef>
+        </p:style>
+        <p:txBody>
+          <a:bodyPr/>
+          <a:lstStyle/>
+          <a:p>
+            <a:endParaRPr lang="es-CO"/>
+          </a:p>
+        </p:txBody>
+      </p:sp>
+      <p:sp>
+        <p:nvSpPr>
           <p:cNvPr id="2" name="Title 1"/>
           <p:cNvSpPr>
             <a:spLocks noGrp="1"/>
@@ -898,58 +1224,71 @@
         </p:nvSpPr>
         <p:spPr>
           <a:xfrm>
-            <a:off x="722313" y="4406900"/>
-            <a:ext cx="7772400" cy="1362075"/>
+            <a:off x="877824" y="809549"/>
+            <a:ext cx="8046720" cy="3803904"/>
           </a:xfrm>
         </p:spPr>
         <p:txBody>
-          <a:bodyPr anchor="t"/>
+          <a:bodyPr anchor="b" anchorCtr="0">
+            <a:normAutofit/>
+          </a:bodyPr>
           <a:lstStyle>
-            <a:lvl1pPr algn="l">
-              <a:defRPr sz="4000" b="1" cap="all"/>
-            </a:lvl1pPr>
-          </a:lstStyle>
-          <a:p>
-            <a:r>
-              <a:rPr lang="en-US" smtClean="0"/>
-              <a:t>Click to edit Master title style</a:t>
-            </a:r>
-            <a:endParaRPr lang="en-US"/>
-          </a:p>
-        </p:txBody>
-      </p:sp>
-      <p:sp>
-        <p:nvSpPr>
-          <p:cNvPr id="3" name="Text Placeholder 2"/>
-          <p:cNvSpPr>
-            <a:spLocks noGrp="1"/>
-          </p:cNvSpPr>
-          <p:nvPr>
-            <p:ph type="body" idx="1"/>
-          </p:nvPr>
-        </p:nvSpPr>
-        <p:spPr>
-          <a:xfrm>
-            <a:off x="722313" y="2906713"/>
-            <a:ext cx="7772400" cy="1500187"/>
-          </a:xfrm>
-        </p:spPr>
-        <p:txBody>
-          <a:bodyPr anchor="b"/>
-          <a:lstStyle>
-            <a:lvl1pPr marL="0" indent="0">
-              <a:buNone/>
-              <a:defRPr sz="2000">
+            <a:lvl1pPr>
+              <a:lnSpc>
+                <a:spcPct val="85000"/>
+              </a:lnSpc>
+              <a:defRPr sz="8534" b="0">
                 <a:solidFill>
                   <a:schemeClr val="tx1">
-                    <a:tint val="75000"/>
+                    <a:lumMod val="85000"/>
+                    <a:lumOff val="15000"/>
                   </a:schemeClr>
                 </a:solidFill>
               </a:defRPr>
             </a:lvl1pPr>
-            <a:lvl2pPr marL="457200" indent="0">
-              <a:buNone/>
-              <a:defRPr sz="1800">
+          </a:lstStyle>
+          <a:p>
+            <a:r>
+              <a:rPr lang="es-ES"/>
+              <a:t>Haga clic para modificar el estilo de título del patrón</a:t>
+            </a:r>
+            <a:endParaRPr lang="en-US" dirty="0"/>
+          </a:p>
+        </p:txBody>
+      </p:sp>
+      <p:sp>
+        <p:nvSpPr>
+          <p:cNvPr id="3" name="Text Placeholder 2"/>
+          <p:cNvSpPr>
+            <a:spLocks noGrp="1"/>
+          </p:cNvSpPr>
+          <p:nvPr>
+            <p:ph type="body" idx="1"/>
+          </p:nvPr>
+        </p:nvSpPr>
+        <p:spPr>
+          <a:xfrm>
+            <a:off x="877824" y="4750003"/>
+            <a:ext cx="8046720" cy="1219200"/>
+          </a:xfrm>
+        </p:spPr>
+        <p:txBody>
+          <a:bodyPr lIns="91440" rIns="91440" anchor="t" anchorCtr="0">
+            <a:normAutofit/>
+          </a:bodyPr>
+          <a:lstStyle>
+            <a:lvl1pPr marL="0" indent="0">
+              <a:buNone/>
+              <a:defRPr sz="2560" cap="all" spc="213" baseline="0">
+                <a:solidFill>
+                  <a:schemeClr val="tx2"/>
+                </a:solidFill>
+                <a:latin typeface="+mj-lt"/>
+              </a:defRPr>
+            </a:lvl1pPr>
+            <a:lvl2pPr marL="487695" indent="0">
+              <a:buNone/>
+              <a:defRPr sz="1920">
                 <a:solidFill>
                   <a:schemeClr val="tx1">
                     <a:tint val="75000"/>
@@ -957,9 +1296,9 @@
                 </a:solidFill>
               </a:defRPr>
             </a:lvl2pPr>
-            <a:lvl3pPr marL="914400" indent="0">
-              <a:buNone/>
-              <a:defRPr sz="1600">
+            <a:lvl3pPr marL="975390" indent="0">
+              <a:buNone/>
+              <a:defRPr sz="1707">
                 <a:solidFill>
                   <a:schemeClr val="tx1">
                     <a:tint val="75000"/>
@@ -967,9 +1306,9 @@
                 </a:solidFill>
               </a:defRPr>
             </a:lvl3pPr>
-            <a:lvl4pPr marL="1371600" indent="0">
-              <a:buNone/>
-              <a:defRPr sz="1400">
+            <a:lvl4pPr marL="1463086" indent="0">
+              <a:buNone/>
+              <a:defRPr sz="1493">
                 <a:solidFill>
                   <a:schemeClr val="tx1">
                     <a:tint val="75000"/>
@@ -977,9 +1316,9 @@
                 </a:solidFill>
               </a:defRPr>
             </a:lvl4pPr>
-            <a:lvl5pPr marL="1828800" indent="0">
-              <a:buNone/>
-              <a:defRPr sz="1400">
+            <a:lvl5pPr marL="1950781" indent="0">
+              <a:buNone/>
+              <a:defRPr sz="1493">
                 <a:solidFill>
                   <a:schemeClr val="tx1">
                     <a:tint val="75000"/>
@@ -987,9 +1326,9 @@
                 </a:solidFill>
               </a:defRPr>
             </a:lvl5pPr>
-            <a:lvl6pPr marL="2286000" indent="0">
-              <a:buNone/>
-              <a:defRPr sz="1400">
+            <a:lvl6pPr marL="2438476" indent="0">
+              <a:buNone/>
+              <a:defRPr sz="1493">
                 <a:solidFill>
                   <a:schemeClr val="tx1">
                     <a:tint val="75000"/>
@@ -997,9 +1336,9 @@
                 </a:solidFill>
               </a:defRPr>
             </a:lvl6pPr>
-            <a:lvl7pPr marL="2743200" indent="0">
-              <a:buNone/>
-              <a:defRPr sz="1400">
+            <a:lvl7pPr marL="2926171" indent="0">
+              <a:buNone/>
+              <a:defRPr sz="1493">
                 <a:solidFill>
                   <a:schemeClr val="tx1">
                     <a:tint val="75000"/>
@@ -1007,9 +1346,9 @@
                 </a:solidFill>
               </a:defRPr>
             </a:lvl7pPr>
-            <a:lvl8pPr marL="3200400" indent="0">
-              <a:buNone/>
-              <a:defRPr sz="1400">
+            <a:lvl8pPr marL="3413867" indent="0">
+              <a:buNone/>
+              <a:defRPr sz="1493">
                 <a:solidFill>
                   <a:schemeClr val="tx1">
                     <a:tint val="75000"/>
@@ -1017,9 +1356,9 @@
                 </a:solidFill>
               </a:defRPr>
             </a:lvl8pPr>
-            <a:lvl9pPr marL="3657600" indent="0">
-              <a:buNone/>
-              <a:defRPr sz="1400">
+            <a:lvl9pPr marL="3901562" indent="0">
+              <a:buNone/>
+              <a:defRPr sz="1493">
                 <a:solidFill>
                   <a:schemeClr val="tx1">
                     <a:tint val="75000"/>
@@ -1031,8 +1370,8 @@
           <a:p>
             <a:pPr lvl="0"/>
             <a:r>
-              <a:rPr lang="en-US" smtClean="0"/>
-              <a:t>Click to edit Master text styles</a:t>
+              <a:rPr lang="es-ES"/>
+              <a:t>Haga clic para modificar los estilos de texto del patrón</a:t>
             </a:r>
           </a:p>
         </p:txBody>
@@ -1055,7 +1394,7 @@
             <a:fld id="{1D8BD707-D9CF-40AE-B4C6-C98DA3205C09}" type="datetimeFigureOut">
               <a:rPr lang="en-US" smtClean="0"/>
               <a:pPr/>
-              <a:t>8/1/2011</a:t>
+              <a:t>12/3/2025</a:t>
             </a:fld>
             <a:endParaRPr lang="en-US"/>
           </a:p>
@@ -1098,13 +1437,56 @@
             <a:fld id="{B6F15528-21DE-4FAA-801E-634DDDAF4B2B}" type="slidenum">
               <a:rPr lang="en-US" smtClean="0"/>
               <a:pPr/>
-              <a:t>‹#›</a:t>
+              <a:t>‹Nº›</a:t>
             </a:fld>
             <a:endParaRPr lang="en-US"/>
           </a:p>
         </p:txBody>
       </p:sp>
+      <p:cxnSp>
+        <p:nvCxnSpPr>
+          <p:cNvPr id="9" name="Straight Connector 8"/>
+          <p:cNvCxnSpPr/>
+          <p:nvPr/>
+        </p:nvCxnSpPr>
+        <p:spPr>
+          <a:xfrm>
+            <a:off x="966127" y="4632960"/>
+            <a:ext cx="7900416" cy="0"/>
+          </a:xfrm>
+          <a:prstGeom prst="line">
+            <a:avLst/>
+          </a:prstGeom>
+          <a:ln w="6350">
+            <a:solidFill>
+              <a:schemeClr val="tx1">
+                <a:lumMod val="50000"/>
+                <a:lumOff val="50000"/>
+              </a:schemeClr>
+            </a:solidFill>
+          </a:ln>
+        </p:spPr>
+        <p:style>
+          <a:lnRef idx="1">
+            <a:schemeClr val="accent1"/>
+          </a:lnRef>
+          <a:fillRef idx="0">
+            <a:schemeClr val="accent1"/>
+          </a:fillRef>
+          <a:effectRef idx="0">
+            <a:schemeClr val="accent1"/>
+          </a:effectRef>
+          <a:fontRef idx="minor">
+            <a:schemeClr val="tx1"/>
+          </a:fontRef>
+        </p:style>
+      </p:cxnSp>
     </p:spTree>
+    <p:extLst>
+      <p:ext uri="{BB962C8B-B14F-4D97-AF65-F5344CB8AC3E}">
+        <p14:creationId xmlns:p14="http://schemas.microsoft.com/office/powerpoint/2010/main" val="642217489"/>
+      </p:ext>
+    </p:extLst>
   </p:cSld>
   <p:clrMapOvr>
     <a:masterClrMapping/>
@@ -1114,7 +1496,7 @@
 
 <file path=ppt/slideLayouts/slideLayout4.xml><?xml version="1.0" encoding="utf-8"?>
 <p:sldLayout xmlns:a="http://schemas.openxmlformats.org/drawingml/2006/main" xmlns:r="http://schemas.openxmlformats.org/officeDocument/2006/relationships" xmlns:p="http://schemas.openxmlformats.org/presentationml/2006/main" type="twoObj" preserve="1">
-  <p:cSld name="Two Content">
+  <p:cSld name="Dos objetos">
     <p:spTree>
       <p:nvGrpSpPr>
         <p:cNvPr id="1" name=""/>
@@ -1131,7 +1513,7 @@
       </p:grpSpPr>
       <p:sp>
         <p:nvSpPr>
-          <p:cNvPr id="2" name="Title 1"/>
+          <p:cNvPr id="8" name="Title 7"/>
           <p:cNvSpPr>
             <a:spLocks noGrp="1"/>
           </p:cNvSpPr>
@@ -1139,16 +1521,21 @@
             <p:ph type="title"/>
           </p:nvPr>
         </p:nvSpPr>
-        <p:spPr/>
-        <p:txBody>
-          <a:bodyPr/>
-          <a:lstStyle/>
-          <a:p>
-            <a:r>
-              <a:rPr lang="en-US" smtClean="0"/>
-              <a:t>Click to edit Master title style</a:t>
-            </a:r>
-            <a:endParaRPr lang="en-US"/>
+        <p:spPr>
+          <a:xfrm>
+            <a:off x="877824" y="305712"/>
+            <a:ext cx="8046720" cy="1547474"/>
+          </a:xfrm>
+        </p:spPr>
+        <p:txBody>
+          <a:bodyPr/>
+          <a:lstStyle/>
+          <a:p>
+            <a:r>
+              <a:rPr lang="es-ES"/>
+              <a:t>Haga clic para modificar el estilo de título del patrón</a:t>
+            </a:r>
+            <a:endParaRPr lang="en-US" dirty="0"/>
           </a:p>
         </p:txBody>
       </p:sp>
@@ -1164,76 +1551,48 @@
         </p:nvSpPr>
         <p:spPr>
           <a:xfrm>
-            <a:off x="457200" y="1600200"/>
-            <a:ext cx="4038600" cy="4525963"/>
+            <a:off x="877824" y="1968783"/>
+            <a:ext cx="3950208" cy="4291584"/>
           </a:xfrm>
         </p:spPr>
         <p:txBody>
           <a:bodyPr/>
-          <a:lstStyle>
-            <a:lvl1pPr>
-              <a:defRPr sz="2800"/>
-            </a:lvl1pPr>
-            <a:lvl2pPr>
-              <a:defRPr sz="2400"/>
-            </a:lvl2pPr>
-            <a:lvl3pPr>
-              <a:defRPr sz="2000"/>
-            </a:lvl3pPr>
-            <a:lvl4pPr>
-              <a:defRPr sz="1800"/>
-            </a:lvl4pPr>
-            <a:lvl5pPr>
-              <a:defRPr sz="1800"/>
-            </a:lvl5pPr>
-            <a:lvl6pPr>
-              <a:defRPr sz="1800"/>
-            </a:lvl6pPr>
-            <a:lvl7pPr>
-              <a:defRPr sz="1800"/>
-            </a:lvl7pPr>
-            <a:lvl8pPr>
-              <a:defRPr sz="1800"/>
-            </a:lvl8pPr>
-            <a:lvl9pPr>
-              <a:defRPr sz="1800"/>
-            </a:lvl9pPr>
-          </a:lstStyle>
+          <a:lstStyle/>
           <a:p>
             <a:pPr lvl="0"/>
             <a:r>
-              <a:rPr lang="en-US" smtClean="0"/>
-              <a:t>Click to edit Master text styles</a:t>
+              <a:rPr lang="es-ES"/>
+              <a:t>Haga clic para modificar los estilos de texto del patrón</a:t>
             </a:r>
           </a:p>
           <a:p>
             <a:pPr lvl="1"/>
             <a:r>
-              <a:rPr lang="en-US" smtClean="0"/>
-              <a:t>Second level</a:t>
+              <a:rPr lang="es-ES"/>
+              <a:t>Segundo nivel</a:t>
             </a:r>
           </a:p>
           <a:p>
             <a:pPr lvl="2"/>
             <a:r>
-              <a:rPr lang="en-US" smtClean="0"/>
-              <a:t>Third level</a:t>
+              <a:rPr lang="es-ES"/>
+              <a:t>Tercer nivel</a:t>
             </a:r>
           </a:p>
           <a:p>
             <a:pPr lvl="3"/>
             <a:r>
-              <a:rPr lang="en-US" smtClean="0"/>
-              <a:t>Fourth level</a:t>
+              <a:rPr lang="es-ES"/>
+              <a:t>Cuarto nivel</a:t>
             </a:r>
           </a:p>
           <a:p>
             <a:pPr lvl="4"/>
             <a:r>
-              <a:rPr lang="en-US" smtClean="0"/>
-              <a:t>Fifth level</a:t>
-            </a:r>
-            <a:endParaRPr lang="en-US"/>
+              <a:rPr lang="es-ES"/>
+              <a:t>Quinto nivel</a:t>
+            </a:r>
+            <a:endParaRPr lang="en-US" dirty="0"/>
           </a:p>
         </p:txBody>
       </p:sp>
@@ -1249,76 +1608,48 @@
         </p:nvSpPr>
         <p:spPr>
           <a:xfrm>
-            <a:off x="4648200" y="1600200"/>
-            <a:ext cx="4038600" cy="4525963"/>
+            <a:off x="4974336" y="1968786"/>
+            <a:ext cx="3950208" cy="4291583"/>
           </a:xfrm>
         </p:spPr>
         <p:txBody>
           <a:bodyPr/>
-          <a:lstStyle>
-            <a:lvl1pPr>
-              <a:defRPr sz="2800"/>
-            </a:lvl1pPr>
-            <a:lvl2pPr>
-              <a:defRPr sz="2400"/>
-            </a:lvl2pPr>
-            <a:lvl3pPr>
-              <a:defRPr sz="2000"/>
-            </a:lvl3pPr>
-            <a:lvl4pPr>
-              <a:defRPr sz="1800"/>
-            </a:lvl4pPr>
-            <a:lvl5pPr>
-              <a:defRPr sz="1800"/>
-            </a:lvl5pPr>
-            <a:lvl6pPr>
-              <a:defRPr sz="1800"/>
-            </a:lvl6pPr>
-            <a:lvl7pPr>
-              <a:defRPr sz="1800"/>
-            </a:lvl7pPr>
-            <a:lvl8pPr>
-              <a:defRPr sz="1800"/>
-            </a:lvl8pPr>
-            <a:lvl9pPr>
-              <a:defRPr sz="1800"/>
-            </a:lvl9pPr>
-          </a:lstStyle>
+          <a:lstStyle/>
           <a:p>
             <a:pPr lvl="0"/>
             <a:r>
-              <a:rPr lang="en-US" smtClean="0"/>
-              <a:t>Click to edit Master text styles</a:t>
+              <a:rPr lang="es-ES"/>
+              <a:t>Haga clic para modificar los estilos de texto del patrón</a:t>
             </a:r>
           </a:p>
           <a:p>
             <a:pPr lvl="1"/>
             <a:r>
-              <a:rPr lang="en-US" smtClean="0"/>
-              <a:t>Second level</a:t>
+              <a:rPr lang="es-ES"/>
+              <a:t>Segundo nivel</a:t>
             </a:r>
           </a:p>
           <a:p>
             <a:pPr lvl="2"/>
             <a:r>
-              <a:rPr lang="en-US" smtClean="0"/>
-              <a:t>Third level</a:t>
+              <a:rPr lang="es-ES"/>
+              <a:t>Tercer nivel</a:t>
             </a:r>
           </a:p>
           <a:p>
             <a:pPr lvl="3"/>
             <a:r>
-              <a:rPr lang="en-US" smtClean="0"/>
-              <a:t>Fourth level</a:t>
+              <a:rPr lang="es-ES"/>
+              <a:t>Cuarto nivel</a:t>
             </a:r>
           </a:p>
           <a:p>
             <a:pPr lvl="4"/>
             <a:r>
-              <a:rPr lang="en-US" smtClean="0"/>
-              <a:t>Fifth level</a:t>
-            </a:r>
-            <a:endParaRPr lang="en-US"/>
+              <a:rPr lang="es-ES"/>
+              <a:t>Quinto nivel</a:t>
+            </a:r>
+            <a:endParaRPr lang="en-US" dirty="0"/>
           </a:p>
         </p:txBody>
       </p:sp>
@@ -1340,7 +1671,7 @@
             <a:fld id="{1D8BD707-D9CF-40AE-B4C6-C98DA3205C09}" type="datetimeFigureOut">
               <a:rPr lang="en-US" smtClean="0"/>
               <a:pPr/>
-              <a:t>8/1/2011</a:t>
+              <a:t>12/3/2025</a:t>
             </a:fld>
             <a:endParaRPr lang="en-US"/>
           </a:p>
@@ -1383,13 +1714,18 @@
             <a:fld id="{B6F15528-21DE-4FAA-801E-634DDDAF4B2B}" type="slidenum">
               <a:rPr lang="en-US" smtClean="0"/>
               <a:pPr/>
-              <a:t>‹#›</a:t>
+              <a:t>‹Nº›</a:t>
             </a:fld>
             <a:endParaRPr lang="en-US"/>
           </a:p>
         </p:txBody>
       </p:sp>
     </p:spTree>
+    <p:extLst>
+      <p:ext uri="{BB962C8B-B14F-4D97-AF65-F5344CB8AC3E}">
+        <p14:creationId xmlns:p14="http://schemas.microsoft.com/office/powerpoint/2010/main" val="3274840448"/>
+      </p:ext>
+    </p:extLst>
   </p:cSld>
   <p:clrMapOvr>
     <a:masterClrMapping/>
@@ -1399,7 +1735,7 @@
 
 <file path=ppt/slideLayouts/slideLayout5.xml><?xml version="1.0" encoding="utf-8"?>
 <p:sldLayout xmlns:a="http://schemas.openxmlformats.org/drawingml/2006/main" xmlns:r="http://schemas.openxmlformats.org/officeDocument/2006/relationships" xmlns:p="http://schemas.openxmlformats.org/presentationml/2006/main" type="twoTxTwoObj" preserve="1">
-  <p:cSld name="Comparison">
+  <p:cSld name="Comparación">
     <p:spTree>
       <p:nvGrpSpPr>
         <p:cNvPr id="1" name=""/>
@@ -1416,7 +1752,7 @@
       </p:grpSpPr>
       <p:sp>
         <p:nvSpPr>
-          <p:cNvPr id="2" name="Title 1"/>
+          <p:cNvPr id="10" name="Title 9"/>
           <p:cNvSpPr>
             <a:spLocks noGrp="1"/>
           </p:cNvSpPr>
@@ -1424,20 +1760,21 @@
             <p:ph type="title"/>
           </p:nvPr>
         </p:nvSpPr>
-        <p:spPr/>
-        <p:txBody>
-          <a:bodyPr/>
-          <a:lstStyle>
-            <a:lvl1pPr>
-              <a:defRPr/>
-            </a:lvl1pPr>
-          </a:lstStyle>
-          <a:p>
-            <a:r>
-              <a:rPr lang="en-US" smtClean="0"/>
-              <a:t>Click to edit Master title style</a:t>
-            </a:r>
-            <a:endParaRPr lang="en-US"/>
+        <p:spPr>
+          <a:xfrm>
+            <a:off x="877824" y="305712"/>
+            <a:ext cx="8046720" cy="1547474"/>
+          </a:xfrm>
+        </p:spPr>
+        <p:txBody>
+          <a:bodyPr/>
+          <a:lstStyle/>
+          <a:p>
+            <a:r>
+              <a:rPr lang="es-ES"/>
+              <a:t>Haga clic para modificar el estilo de título del patrón</a:t>
+            </a:r>
+            <a:endParaRPr lang="en-US" dirty="0"/>
           </a:p>
         </p:txBody>
       </p:sp>
@@ -1453,55 +1790,61 @@
         </p:nvSpPr>
         <p:spPr>
           <a:xfrm>
-            <a:off x="457200" y="1535113"/>
-            <a:ext cx="4040188" cy="639762"/>
+            <a:off x="877824" y="1969122"/>
+            <a:ext cx="3950208" cy="785367"/>
           </a:xfrm>
         </p:spPr>
         <p:txBody>
-          <a:bodyPr anchor="b"/>
+          <a:bodyPr lIns="91440" rIns="91440" anchor="ctr">
+            <a:normAutofit/>
+          </a:bodyPr>
           <a:lstStyle>
             <a:lvl1pPr marL="0" indent="0">
               <a:buNone/>
-              <a:defRPr sz="2400" b="1"/>
+              <a:defRPr sz="2133" b="0" cap="all" baseline="0">
+                <a:solidFill>
+                  <a:schemeClr val="tx2"/>
+                </a:solidFill>
+              </a:defRPr>
             </a:lvl1pPr>
-            <a:lvl2pPr marL="457200" indent="0">
-              <a:buNone/>
-              <a:defRPr sz="2000" b="1"/>
+            <a:lvl2pPr marL="487695" indent="0">
+              <a:buNone/>
+              <a:defRPr sz="2133" b="1"/>
             </a:lvl2pPr>
-            <a:lvl3pPr marL="914400" indent="0">
-              <a:buNone/>
-              <a:defRPr sz="1800" b="1"/>
+            <a:lvl3pPr marL="975390" indent="0">
+              <a:buNone/>
+              <a:defRPr sz="1920" b="1"/>
             </a:lvl3pPr>
-            <a:lvl4pPr marL="1371600" indent="0">
-              <a:buNone/>
-              <a:defRPr sz="1600" b="1"/>
+            <a:lvl4pPr marL="1463086" indent="0">
+              <a:buNone/>
+              <a:defRPr sz="1707" b="1"/>
             </a:lvl4pPr>
-            <a:lvl5pPr marL="1828800" indent="0">
-              <a:buNone/>
-              <a:defRPr sz="1600" b="1"/>
+            <a:lvl5pPr marL="1950781" indent="0">
+              <a:buNone/>
+              <a:defRPr sz="1707" b="1"/>
             </a:lvl5pPr>
-            <a:lvl6pPr marL="2286000" indent="0">
-              <a:buNone/>
-              <a:defRPr sz="1600" b="1"/>
+            <a:lvl6pPr marL="2438476" indent="0">
+              <a:buNone/>
+              <a:defRPr sz="1707" b="1"/>
             </a:lvl6pPr>
-            <a:lvl7pPr marL="2743200" indent="0">
-              <a:buNone/>
-              <a:defRPr sz="1600" b="1"/>
+            <a:lvl7pPr marL="2926171" indent="0">
+              <a:buNone/>
+              <a:defRPr sz="1707" b="1"/>
             </a:lvl7pPr>
-            <a:lvl8pPr marL="3200400" indent="0">
-              <a:buNone/>
-              <a:defRPr sz="1600" b="1"/>
+            <a:lvl8pPr marL="3413867" indent="0">
+              <a:buNone/>
+              <a:defRPr sz="1707" b="1"/>
             </a:lvl8pPr>
-            <a:lvl9pPr marL="3657600" indent="0">
-              <a:buNone/>
-              <a:defRPr sz="1600" b="1"/>
+            <a:lvl9pPr marL="3901562" indent="0">
+              <a:buNone/>
+              <a:defRPr sz="1707" b="1"/>
             </a:lvl9pPr>
           </a:lstStyle>
           <a:p>
             <a:pPr lvl="0"/>
             <a:r>
-              <a:rPr lang="en-US" smtClean="0"/>
-              <a:t>Click to edit Master text styles</a:t>
+              <a:rPr lang="es-ES"/>
+              <a:t>Haga clic para modificar los estilos de texto del patrón</a:t>
             </a:r>
           </a:p>
         </p:txBody>
@@ -1518,226 +1861,176 @@
         </p:nvSpPr>
         <p:spPr>
           <a:xfrm>
-            <a:off x="457200" y="2174875"/>
-            <a:ext cx="4040188" cy="3951288"/>
+            <a:off x="877824" y="2754490"/>
+            <a:ext cx="3950208" cy="3505877"/>
           </a:xfrm>
         </p:spPr>
         <p:txBody>
           <a:bodyPr/>
+          <a:lstStyle/>
+          <a:p>
+            <a:pPr lvl="0"/>
+            <a:r>
+              <a:rPr lang="es-ES"/>
+              <a:t>Haga clic para modificar los estilos de texto del patrón</a:t>
+            </a:r>
+          </a:p>
+          <a:p>
+            <a:pPr lvl="1"/>
+            <a:r>
+              <a:rPr lang="es-ES"/>
+              <a:t>Segundo nivel</a:t>
+            </a:r>
+          </a:p>
+          <a:p>
+            <a:pPr lvl="2"/>
+            <a:r>
+              <a:rPr lang="es-ES"/>
+              <a:t>Tercer nivel</a:t>
+            </a:r>
+          </a:p>
+          <a:p>
+            <a:pPr lvl="3"/>
+            <a:r>
+              <a:rPr lang="es-ES"/>
+              <a:t>Cuarto nivel</a:t>
+            </a:r>
+          </a:p>
+          <a:p>
+            <a:pPr lvl="4"/>
+            <a:r>
+              <a:rPr lang="es-ES"/>
+              <a:t>Quinto nivel</a:t>
+            </a:r>
+            <a:endParaRPr lang="en-US" dirty="0"/>
+          </a:p>
+        </p:txBody>
+      </p:sp>
+      <p:sp>
+        <p:nvSpPr>
+          <p:cNvPr id="5" name="Text Placeholder 4"/>
+          <p:cNvSpPr>
+            <a:spLocks noGrp="1"/>
+          </p:cNvSpPr>
+          <p:nvPr>
+            <p:ph type="body" sz="quarter" idx="3"/>
+          </p:nvPr>
+        </p:nvSpPr>
+        <p:spPr>
+          <a:xfrm>
+            <a:off x="4974336" y="1969122"/>
+            <a:ext cx="3950208" cy="785367"/>
+          </a:xfrm>
+        </p:spPr>
+        <p:txBody>
+          <a:bodyPr lIns="91440" rIns="91440" anchor="ctr">
+            <a:normAutofit/>
+          </a:bodyPr>
           <a:lstStyle>
-            <a:lvl1pPr>
-              <a:defRPr sz="2400"/>
+            <a:lvl1pPr marL="0" indent="0">
+              <a:buNone/>
+              <a:defRPr sz="2133" b="0" cap="all" baseline="0">
+                <a:solidFill>
+                  <a:schemeClr val="tx2"/>
+                </a:solidFill>
+              </a:defRPr>
             </a:lvl1pPr>
-            <a:lvl2pPr>
-              <a:defRPr sz="2000"/>
+            <a:lvl2pPr marL="487695" indent="0">
+              <a:buNone/>
+              <a:defRPr sz="2133" b="1"/>
             </a:lvl2pPr>
-            <a:lvl3pPr>
-              <a:defRPr sz="1800"/>
+            <a:lvl3pPr marL="975390" indent="0">
+              <a:buNone/>
+              <a:defRPr sz="1920" b="1"/>
             </a:lvl3pPr>
-            <a:lvl4pPr>
-              <a:defRPr sz="1600"/>
+            <a:lvl4pPr marL="1463086" indent="0">
+              <a:buNone/>
+              <a:defRPr sz="1707" b="1"/>
             </a:lvl4pPr>
-            <a:lvl5pPr>
-              <a:defRPr sz="1600"/>
+            <a:lvl5pPr marL="1950781" indent="0">
+              <a:buNone/>
+              <a:defRPr sz="1707" b="1"/>
             </a:lvl5pPr>
-            <a:lvl6pPr>
-              <a:defRPr sz="1600"/>
+            <a:lvl6pPr marL="2438476" indent="0">
+              <a:buNone/>
+              <a:defRPr sz="1707" b="1"/>
             </a:lvl6pPr>
-            <a:lvl7pPr>
-              <a:defRPr sz="1600"/>
+            <a:lvl7pPr marL="2926171" indent="0">
+              <a:buNone/>
+              <a:defRPr sz="1707" b="1"/>
             </a:lvl7pPr>
-            <a:lvl8pPr>
-              <a:defRPr sz="1600"/>
+            <a:lvl8pPr marL="3413867" indent="0">
+              <a:buNone/>
+              <a:defRPr sz="1707" b="1"/>
             </a:lvl8pPr>
-            <a:lvl9pPr>
-              <a:defRPr sz="1600"/>
+            <a:lvl9pPr marL="3901562" indent="0">
+              <a:buNone/>
+              <a:defRPr sz="1707" b="1"/>
             </a:lvl9pPr>
           </a:lstStyle>
           <a:p>
             <a:pPr lvl="0"/>
             <a:r>
-              <a:rPr lang="en-US" smtClean="0"/>
-              <a:t>Click to edit Master text styles</a:t>
+              <a:rPr lang="es-ES"/>
+              <a:t>Haga clic para modificar los estilos de texto del patrón</a:t>
+            </a:r>
+          </a:p>
+        </p:txBody>
+      </p:sp>
+      <p:sp>
+        <p:nvSpPr>
+          <p:cNvPr id="6" name="Content Placeholder 5"/>
+          <p:cNvSpPr>
+            <a:spLocks noGrp="1"/>
+          </p:cNvSpPr>
+          <p:nvPr>
+            <p:ph sz="quarter" idx="4"/>
+          </p:nvPr>
+        </p:nvSpPr>
+        <p:spPr>
+          <a:xfrm>
+            <a:off x="4974336" y="2754490"/>
+            <a:ext cx="3950208" cy="3505877"/>
+          </a:xfrm>
+        </p:spPr>
+        <p:txBody>
+          <a:bodyPr/>
+          <a:lstStyle/>
+          <a:p>
+            <a:pPr lvl="0"/>
+            <a:r>
+              <a:rPr lang="es-ES"/>
+              <a:t>Haga clic para modificar los estilos de texto del patrón</a:t>
             </a:r>
           </a:p>
           <a:p>
             <a:pPr lvl="1"/>
             <a:r>
-              <a:rPr lang="en-US" smtClean="0"/>
-              <a:t>Second level</a:t>
+              <a:rPr lang="es-ES"/>
+              <a:t>Segundo nivel</a:t>
             </a:r>
           </a:p>
           <a:p>
             <a:pPr lvl="2"/>
             <a:r>
-              <a:rPr lang="en-US" smtClean="0"/>
-              <a:t>Third level</a:t>
+              <a:rPr lang="es-ES"/>
+              <a:t>Tercer nivel</a:t>
             </a:r>
           </a:p>
           <a:p>
             <a:pPr lvl="3"/>
             <a:r>
-              <a:rPr lang="en-US" smtClean="0"/>
-              <a:t>Fourth level</a:t>
+              <a:rPr lang="es-ES"/>
+              <a:t>Cuarto nivel</a:t>
             </a:r>
           </a:p>
           <a:p>
             <a:pPr lvl="4"/>
             <a:r>
-              <a:rPr lang="en-US" smtClean="0"/>
-              <a:t>Fifth level</a:t>
-            </a:r>
-            <a:endParaRPr lang="en-US"/>
-          </a:p>
-        </p:txBody>
-      </p:sp>
-      <p:sp>
-        <p:nvSpPr>
-          <p:cNvPr id="5" name="Text Placeholder 4"/>
-          <p:cNvSpPr>
-            <a:spLocks noGrp="1"/>
-          </p:cNvSpPr>
-          <p:nvPr>
-            <p:ph type="body" sz="quarter" idx="3"/>
-          </p:nvPr>
-        </p:nvSpPr>
-        <p:spPr>
-          <a:xfrm>
-            <a:off x="4645025" y="1535113"/>
-            <a:ext cx="4041775" cy="639762"/>
-          </a:xfrm>
-        </p:spPr>
-        <p:txBody>
-          <a:bodyPr anchor="b"/>
-          <a:lstStyle>
-            <a:lvl1pPr marL="0" indent="0">
-              <a:buNone/>
-              <a:defRPr sz="2400" b="1"/>
-            </a:lvl1pPr>
-            <a:lvl2pPr marL="457200" indent="0">
-              <a:buNone/>
-              <a:defRPr sz="2000" b="1"/>
-            </a:lvl2pPr>
-            <a:lvl3pPr marL="914400" indent="0">
-              <a:buNone/>
-              <a:defRPr sz="1800" b="1"/>
-            </a:lvl3pPr>
-            <a:lvl4pPr marL="1371600" indent="0">
-              <a:buNone/>
-              <a:defRPr sz="1600" b="1"/>
-            </a:lvl4pPr>
-            <a:lvl5pPr marL="1828800" indent="0">
-              <a:buNone/>
-              <a:defRPr sz="1600" b="1"/>
-            </a:lvl5pPr>
-            <a:lvl6pPr marL="2286000" indent="0">
-              <a:buNone/>
-              <a:defRPr sz="1600" b="1"/>
-            </a:lvl6pPr>
-            <a:lvl7pPr marL="2743200" indent="0">
-              <a:buNone/>
-              <a:defRPr sz="1600" b="1"/>
-            </a:lvl7pPr>
-            <a:lvl8pPr marL="3200400" indent="0">
-              <a:buNone/>
-              <a:defRPr sz="1600" b="1"/>
-            </a:lvl8pPr>
-            <a:lvl9pPr marL="3657600" indent="0">
-              <a:buNone/>
-              <a:defRPr sz="1600" b="1"/>
-            </a:lvl9pPr>
-          </a:lstStyle>
-          <a:p>
-            <a:pPr lvl="0"/>
-            <a:r>
-              <a:rPr lang="en-US" smtClean="0"/>
-              <a:t>Click to edit Master text styles</a:t>
-            </a:r>
-          </a:p>
-        </p:txBody>
-      </p:sp>
-      <p:sp>
-        <p:nvSpPr>
-          <p:cNvPr id="6" name="Content Placeholder 5"/>
-          <p:cNvSpPr>
-            <a:spLocks noGrp="1"/>
-          </p:cNvSpPr>
-          <p:nvPr>
-            <p:ph sz="quarter" idx="4"/>
-          </p:nvPr>
-        </p:nvSpPr>
-        <p:spPr>
-          <a:xfrm>
-            <a:off x="4645025" y="2174875"/>
-            <a:ext cx="4041775" cy="3951288"/>
-          </a:xfrm>
-        </p:spPr>
-        <p:txBody>
-          <a:bodyPr/>
-          <a:lstStyle>
-            <a:lvl1pPr>
-              <a:defRPr sz="2400"/>
-            </a:lvl1pPr>
-            <a:lvl2pPr>
-              <a:defRPr sz="2000"/>
-            </a:lvl2pPr>
-            <a:lvl3pPr>
-              <a:defRPr sz="1800"/>
-            </a:lvl3pPr>
-            <a:lvl4pPr>
-              <a:defRPr sz="1600"/>
-            </a:lvl4pPr>
-            <a:lvl5pPr>
-              <a:defRPr sz="1600"/>
-            </a:lvl5pPr>
-            <a:lvl6pPr>
-              <a:defRPr sz="1600"/>
-            </a:lvl6pPr>
-            <a:lvl7pPr>
-              <a:defRPr sz="1600"/>
-            </a:lvl7pPr>
-            <a:lvl8pPr>
-              <a:defRPr sz="1600"/>
-            </a:lvl8pPr>
-            <a:lvl9pPr>
-              <a:defRPr sz="1600"/>
-            </a:lvl9pPr>
-          </a:lstStyle>
-          <a:p>
-            <a:pPr lvl="0"/>
-            <a:r>
-              <a:rPr lang="en-US" smtClean="0"/>
-              <a:t>Click to edit Master text styles</a:t>
-            </a:r>
-          </a:p>
-          <a:p>
-            <a:pPr lvl="1"/>
-            <a:r>
-              <a:rPr lang="en-US" smtClean="0"/>
-              <a:t>Second level</a:t>
-            </a:r>
-          </a:p>
-          <a:p>
-            <a:pPr lvl="2"/>
-            <a:r>
-              <a:rPr lang="en-US" smtClean="0"/>
-              <a:t>Third level</a:t>
-            </a:r>
-          </a:p>
-          <a:p>
-            <a:pPr lvl="3"/>
-            <a:r>
-              <a:rPr lang="en-US" smtClean="0"/>
-              <a:t>Fourth level</a:t>
-            </a:r>
-          </a:p>
-          <a:p>
-            <a:pPr lvl="4"/>
-            <a:r>
-              <a:rPr lang="en-US" smtClean="0"/>
-              <a:t>Fifth level</a:t>
-            </a:r>
-            <a:endParaRPr lang="en-US"/>
+              <a:rPr lang="es-ES"/>
+              <a:t>Quinto nivel</a:t>
+            </a:r>
+            <a:endParaRPr lang="en-US" dirty="0"/>
           </a:p>
         </p:txBody>
       </p:sp>
@@ -1759,7 +2052,7 @@
             <a:fld id="{1D8BD707-D9CF-40AE-B4C6-C98DA3205C09}" type="datetimeFigureOut">
               <a:rPr lang="en-US" smtClean="0"/>
               <a:pPr/>
-              <a:t>8/1/2011</a:t>
+              <a:t>12/3/2025</a:t>
             </a:fld>
             <a:endParaRPr lang="en-US"/>
           </a:p>
@@ -1802,13 +2095,18 @@
             <a:fld id="{B6F15528-21DE-4FAA-801E-634DDDAF4B2B}" type="slidenum">
               <a:rPr lang="en-US" smtClean="0"/>
               <a:pPr/>
-              <a:t>‹#›</a:t>
+              <a:t>‹Nº›</a:t>
             </a:fld>
             <a:endParaRPr lang="en-US"/>
           </a:p>
         </p:txBody>
       </p:sp>
     </p:spTree>
+    <p:extLst>
+      <p:ext uri="{BB962C8B-B14F-4D97-AF65-F5344CB8AC3E}">
+        <p14:creationId xmlns:p14="http://schemas.microsoft.com/office/powerpoint/2010/main" val="3150210199"/>
+      </p:ext>
+    </p:extLst>
   </p:cSld>
   <p:clrMapOvr>
     <a:masterClrMapping/>
@@ -1818,7 +2116,7 @@
 
 <file path=ppt/slideLayouts/slideLayout6.xml><?xml version="1.0" encoding="utf-8"?>
 <p:sldLayout xmlns:a="http://schemas.openxmlformats.org/drawingml/2006/main" xmlns:r="http://schemas.openxmlformats.org/officeDocument/2006/relationships" xmlns:p="http://schemas.openxmlformats.org/presentationml/2006/main" type="titleOnly" preserve="1">
-  <p:cSld name="Title Only">
+  <p:cSld name="Solo el título">
     <p:spTree>
       <p:nvGrpSpPr>
         <p:cNvPr id="1" name=""/>
@@ -1849,10 +2147,10 @@
           <a:lstStyle/>
           <a:p>
             <a:r>
-              <a:rPr lang="en-US" smtClean="0"/>
-              <a:t>Click to edit Master title style</a:t>
-            </a:r>
-            <a:endParaRPr lang="en-US"/>
+              <a:rPr lang="es-ES"/>
+              <a:t>Haga clic para modificar el estilo de título del patrón</a:t>
+            </a:r>
+            <a:endParaRPr lang="en-US" dirty="0"/>
           </a:p>
         </p:txBody>
       </p:sp>
@@ -1874,7 +2172,7 @@
             <a:fld id="{1D8BD707-D9CF-40AE-B4C6-C98DA3205C09}" type="datetimeFigureOut">
               <a:rPr lang="en-US" smtClean="0"/>
               <a:pPr/>
-              <a:t>8/1/2011</a:t>
+              <a:t>12/3/2025</a:t>
             </a:fld>
             <a:endParaRPr lang="en-US"/>
           </a:p>
@@ -1917,13 +2215,18 @@
             <a:fld id="{B6F15528-21DE-4FAA-801E-634DDDAF4B2B}" type="slidenum">
               <a:rPr lang="en-US" smtClean="0"/>
               <a:pPr/>
-              <a:t>‹#›</a:t>
+              <a:t>‹Nº›</a:t>
             </a:fld>
             <a:endParaRPr lang="en-US"/>
           </a:p>
         </p:txBody>
       </p:sp>
     </p:spTree>
+    <p:extLst>
+      <p:ext uri="{BB962C8B-B14F-4D97-AF65-F5344CB8AC3E}">
+        <p14:creationId xmlns:p14="http://schemas.microsoft.com/office/powerpoint/2010/main" val="1127507329"/>
+      </p:ext>
+    </p:extLst>
   </p:cSld>
   <p:clrMapOvr>
     <a:masterClrMapping/>
@@ -1932,8 +2235,8 @@
 </file>
 
 <file path=ppt/slideLayouts/slideLayout7.xml><?xml version="1.0" encoding="utf-8"?>
-<p:sldLayout xmlns:a="http://schemas.openxmlformats.org/drawingml/2006/main" xmlns:r="http://schemas.openxmlformats.org/officeDocument/2006/relationships" xmlns:p="http://schemas.openxmlformats.org/presentationml/2006/main" type="blank" preserve="1">
-  <p:cSld name="Blank">
+<p:sldLayout xmlns:a="http://schemas.openxmlformats.org/drawingml/2006/main" xmlns:r="http://schemas.openxmlformats.org/officeDocument/2006/relationships" xmlns:p="http://schemas.openxmlformats.org/presentationml/2006/main" showMasterSp="0" type="blank" preserve="1">
+  <p:cSld name="En blanco">
     <p:spTree>
       <p:nvGrpSpPr>
         <p:cNvPr id="1" name=""/>
@@ -1950,7 +2253,97 @@
       </p:grpSpPr>
       <p:sp>
         <p:nvSpPr>
-          <p:cNvPr id="2" name="Date Placeholder 1"/>
+          <p:cNvPr id="5" name="Rectangle 4"/>
+          <p:cNvSpPr/>
+          <p:nvPr/>
+        </p:nvSpPr>
+        <p:spPr>
+          <a:xfrm>
+            <a:off x="2541" y="6827520"/>
+            <a:ext cx="9751060" cy="487680"/>
+          </a:xfrm>
+          <a:prstGeom prst="rect">
+            <a:avLst/>
+          </a:prstGeom>
+          <a:solidFill>
+            <a:schemeClr val="accent2"/>
+          </a:solidFill>
+          <a:ln>
+            <a:noFill/>
+          </a:ln>
+        </p:spPr>
+        <p:style>
+          <a:lnRef idx="2">
+            <a:schemeClr val="accent1">
+              <a:shade val="50000"/>
+            </a:schemeClr>
+          </a:lnRef>
+          <a:fillRef idx="1">
+            <a:schemeClr val="accent1"/>
+          </a:fillRef>
+          <a:effectRef idx="0">
+            <a:schemeClr val="accent1"/>
+          </a:effectRef>
+          <a:fontRef idx="minor">
+            <a:schemeClr val="lt1"/>
+          </a:fontRef>
+        </p:style>
+        <p:txBody>
+          <a:bodyPr/>
+          <a:lstStyle/>
+          <a:p>
+            <a:endParaRPr lang="es-CO"/>
+          </a:p>
+        </p:txBody>
+      </p:sp>
+      <p:sp>
+        <p:nvSpPr>
+          <p:cNvPr id="6" name="Rectangle 5"/>
+          <p:cNvSpPr/>
+          <p:nvPr/>
+        </p:nvSpPr>
+        <p:spPr>
+          <a:xfrm>
+            <a:off x="13" y="6756604"/>
+            <a:ext cx="9751060" cy="68275"/>
+          </a:xfrm>
+          <a:prstGeom prst="rect">
+            <a:avLst/>
+          </a:prstGeom>
+          <a:solidFill>
+            <a:schemeClr val="accent1"/>
+          </a:solidFill>
+          <a:ln>
+            <a:noFill/>
+          </a:ln>
+        </p:spPr>
+        <p:style>
+          <a:lnRef idx="2">
+            <a:schemeClr val="accent1">
+              <a:shade val="50000"/>
+            </a:schemeClr>
+          </a:lnRef>
+          <a:fillRef idx="1">
+            <a:schemeClr val="accent1"/>
+          </a:fillRef>
+          <a:effectRef idx="0">
+            <a:schemeClr val="accent1"/>
+          </a:effectRef>
+          <a:fontRef idx="minor">
+            <a:schemeClr val="lt1"/>
+          </a:fontRef>
+        </p:style>
+        <p:txBody>
+          <a:bodyPr/>
+          <a:lstStyle/>
+          <a:p>
+            <a:endParaRPr lang="es-CO"/>
+          </a:p>
+        </p:txBody>
+      </p:sp>
+      <p:sp>
+        <p:nvSpPr>
+          <p:cNvPr id="7" name="Date Placeholder 6"/>
           <p:cNvSpPr>
             <a:spLocks noGrp="1"/>
           </p:cNvSpPr>
@@ -1966,7 +2359,7 @@
             <a:fld id="{1D8BD707-D9CF-40AE-B4C6-C98DA3205C09}" type="datetimeFigureOut">
               <a:rPr lang="en-US" smtClean="0"/>
               <a:pPr/>
-              <a:t>8/1/2011</a:t>
+              <a:t>12/3/2025</a:t>
             </a:fld>
             <a:endParaRPr lang="en-US"/>
           </a:p>
@@ -1974,7 +2367,7 @@
       </p:sp>
       <p:sp>
         <p:nvSpPr>
-          <p:cNvPr id="3" name="Footer Placeholder 2"/>
+          <p:cNvPr id="8" name="Footer Placeholder 7"/>
           <p:cNvSpPr>
             <a:spLocks noGrp="1"/>
           </p:cNvSpPr>
@@ -1985,7 +2378,15 @@
         <p:spPr/>
         <p:txBody>
           <a:bodyPr/>
-          <a:lstStyle/>
+          <a:lstStyle>
+            <a:lvl1pPr>
+              <a:defRPr>
+                <a:solidFill>
+                  <a:srgbClr val="FFFFFF"/>
+                </a:solidFill>
+              </a:defRPr>
+            </a:lvl1pPr>
+          </a:lstStyle>
           <a:p>
             <a:endParaRPr lang="en-US"/>
           </a:p>
@@ -1993,7 +2394,7 @@
       </p:sp>
       <p:sp>
         <p:nvSpPr>
-          <p:cNvPr id="4" name="Slide Number Placeholder 3"/>
+          <p:cNvPr id="9" name="Slide Number Placeholder 8"/>
           <p:cNvSpPr>
             <a:spLocks noGrp="1"/>
           </p:cNvSpPr>
@@ -2009,13 +2410,18 @@
             <a:fld id="{B6F15528-21DE-4FAA-801E-634DDDAF4B2B}" type="slidenum">
               <a:rPr lang="en-US" smtClean="0"/>
               <a:pPr/>
-              <a:t>‹#›</a:t>
+              <a:t>‹Nº›</a:t>
             </a:fld>
             <a:endParaRPr lang="en-US"/>
           </a:p>
         </p:txBody>
       </p:sp>
     </p:spTree>
+    <p:extLst>
+      <p:ext uri="{BB962C8B-B14F-4D97-AF65-F5344CB8AC3E}">
+        <p14:creationId xmlns:p14="http://schemas.microsoft.com/office/powerpoint/2010/main" val="4023808135"/>
+      </p:ext>
+    </p:extLst>
   </p:cSld>
   <p:clrMapOvr>
     <a:masterClrMapping/>
@@ -2024,8 +2430,8 @@
 </file>
 
 <file path=ppt/slideLayouts/slideLayout8.xml><?xml version="1.0" encoding="utf-8"?>
-<p:sldLayout xmlns:a="http://schemas.openxmlformats.org/drawingml/2006/main" xmlns:r="http://schemas.openxmlformats.org/officeDocument/2006/relationships" xmlns:p="http://schemas.openxmlformats.org/presentationml/2006/main" type="objTx" preserve="1">
-  <p:cSld name="Content with Caption">
+<p:sldLayout xmlns:a="http://schemas.openxmlformats.org/drawingml/2006/main" xmlns:r="http://schemas.openxmlformats.org/officeDocument/2006/relationships" xmlns:p="http://schemas.openxmlformats.org/presentationml/2006/main" showMasterSp="0" type="objTx" preserve="1">
+  <p:cSld name="Contenido con título">
     <p:spTree>
       <p:nvGrpSpPr>
         <p:cNvPr id="1" name=""/>
@@ -2042,6 +2448,96 @@
       </p:grpSpPr>
       <p:sp>
         <p:nvSpPr>
+          <p:cNvPr id="8" name="Rectangle 7"/>
+          <p:cNvSpPr/>
+          <p:nvPr/>
+        </p:nvSpPr>
+        <p:spPr>
+          <a:xfrm>
+            <a:off x="14" y="0"/>
+            <a:ext cx="3240633" cy="7315200"/>
+          </a:xfrm>
+          <a:prstGeom prst="rect">
+            <a:avLst/>
+          </a:prstGeom>
+          <a:solidFill>
+            <a:schemeClr val="accent2"/>
+          </a:solidFill>
+          <a:ln>
+            <a:noFill/>
+          </a:ln>
+        </p:spPr>
+        <p:style>
+          <a:lnRef idx="2">
+            <a:schemeClr val="accent1">
+              <a:shade val="50000"/>
+            </a:schemeClr>
+          </a:lnRef>
+          <a:fillRef idx="1">
+            <a:schemeClr val="accent1"/>
+          </a:fillRef>
+          <a:effectRef idx="0">
+            <a:schemeClr val="accent1"/>
+          </a:effectRef>
+          <a:fontRef idx="minor">
+            <a:schemeClr val="lt1"/>
+          </a:fontRef>
+        </p:style>
+        <p:txBody>
+          <a:bodyPr/>
+          <a:lstStyle/>
+          <a:p>
+            <a:endParaRPr lang="es-CO"/>
+          </a:p>
+        </p:txBody>
+      </p:sp>
+      <p:sp>
+        <p:nvSpPr>
+          <p:cNvPr id="9" name="Rectangle 8"/>
+          <p:cNvSpPr/>
+          <p:nvPr/>
+        </p:nvSpPr>
+        <p:spPr>
+          <a:xfrm>
+            <a:off x="3232057" y="0"/>
+            <a:ext cx="51206" cy="7315200"/>
+          </a:xfrm>
+          <a:prstGeom prst="rect">
+            <a:avLst/>
+          </a:prstGeom>
+          <a:solidFill>
+            <a:schemeClr val="accent1"/>
+          </a:solidFill>
+          <a:ln>
+            <a:noFill/>
+          </a:ln>
+        </p:spPr>
+        <p:style>
+          <a:lnRef idx="2">
+            <a:schemeClr val="accent1">
+              <a:shade val="50000"/>
+            </a:schemeClr>
+          </a:lnRef>
+          <a:fillRef idx="1">
+            <a:schemeClr val="accent1"/>
+          </a:fillRef>
+          <a:effectRef idx="0">
+            <a:schemeClr val="accent1"/>
+          </a:effectRef>
+          <a:fontRef idx="minor">
+            <a:schemeClr val="lt1"/>
+          </a:fontRef>
+        </p:style>
+        <p:txBody>
+          <a:bodyPr/>
+          <a:lstStyle/>
+          <a:p>
+            <a:endParaRPr lang="es-CO"/>
+          </a:p>
+        </p:txBody>
+      </p:sp>
+      <p:sp>
+        <p:nvSpPr>
           <p:cNvPr id="2" name="Title 1"/>
           <p:cNvSpPr>
             <a:spLocks noGrp="1"/>
@@ -2052,195 +2548,188 @@
         </p:nvSpPr>
         <p:spPr>
           <a:xfrm>
-            <a:off x="457200" y="273050"/>
-            <a:ext cx="3008313" cy="1162050"/>
+            <a:off x="365760" y="633983"/>
+            <a:ext cx="2560320" cy="2438400"/>
           </a:xfrm>
         </p:spPr>
         <p:txBody>
-          <a:bodyPr anchor="b"/>
+          <a:bodyPr anchor="b">
+            <a:normAutofit/>
+          </a:bodyPr>
+          <a:lstStyle>
+            <a:lvl1pPr>
+              <a:defRPr sz="3840" b="0">
+                <a:solidFill>
+                  <a:srgbClr val="FFFFFF"/>
+                </a:solidFill>
+              </a:defRPr>
+            </a:lvl1pPr>
+          </a:lstStyle>
+          <a:p>
+            <a:r>
+              <a:rPr lang="es-ES"/>
+              <a:t>Haga clic para modificar el estilo de título del patrón</a:t>
+            </a:r>
+            <a:endParaRPr lang="en-US" dirty="0"/>
+          </a:p>
+        </p:txBody>
+      </p:sp>
+      <p:sp>
+        <p:nvSpPr>
+          <p:cNvPr id="3" name="Content Placeholder 2"/>
+          <p:cNvSpPr>
+            <a:spLocks noGrp="1"/>
+          </p:cNvSpPr>
+          <p:nvPr>
+            <p:ph idx="1"/>
+          </p:nvPr>
+        </p:nvSpPr>
+        <p:spPr>
+          <a:xfrm>
+            <a:off x="3690920" y="780288"/>
+            <a:ext cx="5343353" cy="5608320"/>
+          </a:xfrm>
+        </p:spPr>
+        <p:txBody>
+          <a:bodyPr/>
+          <a:lstStyle/>
+          <a:p>
+            <a:pPr lvl="0"/>
+            <a:r>
+              <a:rPr lang="es-ES"/>
+              <a:t>Haga clic para modificar los estilos de texto del patrón</a:t>
+            </a:r>
+          </a:p>
+          <a:p>
+            <a:pPr lvl="1"/>
+            <a:r>
+              <a:rPr lang="es-ES"/>
+              <a:t>Segundo nivel</a:t>
+            </a:r>
+          </a:p>
+          <a:p>
+            <a:pPr lvl="2"/>
+            <a:r>
+              <a:rPr lang="es-ES"/>
+              <a:t>Tercer nivel</a:t>
+            </a:r>
+          </a:p>
+          <a:p>
+            <a:pPr lvl="3"/>
+            <a:r>
+              <a:rPr lang="es-ES"/>
+              <a:t>Cuarto nivel</a:t>
+            </a:r>
+          </a:p>
+          <a:p>
+            <a:pPr lvl="4"/>
+            <a:r>
+              <a:rPr lang="es-ES"/>
+              <a:t>Quinto nivel</a:t>
+            </a:r>
+            <a:endParaRPr lang="en-US" dirty="0"/>
+          </a:p>
+        </p:txBody>
+      </p:sp>
+      <p:sp>
+        <p:nvSpPr>
+          <p:cNvPr id="4" name="Text Placeholder 3"/>
+          <p:cNvSpPr>
+            <a:spLocks noGrp="1"/>
+          </p:cNvSpPr>
+          <p:nvPr>
+            <p:ph type="body" sz="half" idx="2"/>
+          </p:nvPr>
+        </p:nvSpPr>
+        <p:spPr>
+          <a:xfrm>
+            <a:off x="365760" y="3121152"/>
+            <a:ext cx="2560320" cy="3604399"/>
+          </a:xfrm>
+        </p:spPr>
+        <p:txBody>
+          <a:bodyPr lIns="91440" rIns="91440">
+            <a:normAutofit/>
+          </a:bodyPr>
+          <a:lstStyle>
+            <a:lvl1pPr marL="0" indent="0">
+              <a:buNone/>
+              <a:defRPr sz="1600">
+                <a:solidFill>
+                  <a:srgbClr val="FFFFFF"/>
+                </a:solidFill>
+              </a:defRPr>
+            </a:lvl1pPr>
+            <a:lvl2pPr marL="487695" indent="0">
+              <a:buNone/>
+              <a:defRPr sz="1280"/>
+            </a:lvl2pPr>
+            <a:lvl3pPr marL="975390" indent="0">
+              <a:buNone/>
+              <a:defRPr sz="1067"/>
+            </a:lvl3pPr>
+            <a:lvl4pPr marL="1463086" indent="0">
+              <a:buNone/>
+              <a:defRPr sz="960"/>
+            </a:lvl4pPr>
+            <a:lvl5pPr marL="1950781" indent="0">
+              <a:buNone/>
+              <a:defRPr sz="960"/>
+            </a:lvl5pPr>
+            <a:lvl6pPr marL="2438476" indent="0">
+              <a:buNone/>
+              <a:defRPr sz="960"/>
+            </a:lvl6pPr>
+            <a:lvl7pPr marL="2926171" indent="0">
+              <a:buNone/>
+              <a:defRPr sz="960"/>
+            </a:lvl7pPr>
+            <a:lvl8pPr marL="3413867" indent="0">
+              <a:buNone/>
+              <a:defRPr sz="960"/>
+            </a:lvl8pPr>
+            <a:lvl9pPr marL="3901562" indent="0">
+              <a:buNone/>
+              <a:defRPr sz="960"/>
+            </a:lvl9pPr>
+          </a:lstStyle>
+          <a:p>
+            <a:pPr lvl="0"/>
+            <a:r>
+              <a:rPr lang="es-ES"/>
+              <a:t>Haga clic para modificar los estilos de texto del patrón</a:t>
+            </a:r>
+          </a:p>
+        </p:txBody>
+      </p:sp>
+      <p:sp>
+        <p:nvSpPr>
+          <p:cNvPr id="5" name="Date Placeholder 4"/>
+          <p:cNvSpPr>
+            <a:spLocks noGrp="1"/>
+          </p:cNvSpPr>
+          <p:nvPr>
+            <p:ph type="dt" sz="half" idx="10"/>
+          </p:nvPr>
+        </p:nvSpPr>
+        <p:spPr>
+          <a:xfrm>
+            <a:off x="372410" y="6890439"/>
+            <a:ext cx="2094809" cy="389467"/>
+          </a:xfrm>
+        </p:spPr>
+        <p:txBody>
+          <a:bodyPr/>
           <a:lstStyle>
             <a:lvl1pPr algn="l">
-              <a:defRPr sz="2000" b="1"/>
+              <a:defRPr/>
             </a:lvl1pPr>
           </a:lstStyle>
-          <a:p>
-            <a:r>
-              <a:rPr lang="en-US" smtClean="0"/>
-              <a:t>Click to edit Master title style</a:t>
-            </a:r>
-            <a:endParaRPr lang="en-US"/>
-          </a:p>
-        </p:txBody>
-      </p:sp>
-      <p:sp>
-        <p:nvSpPr>
-          <p:cNvPr id="3" name="Content Placeholder 2"/>
-          <p:cNvSpPr>
-            <a:spLocks noGrp="1"/>
-          </p:cNvSpPr>
-          <p:nvPr>
-            <p:ph idx="1"/>
-          </p:nvPr>
-        </p:nvSpPr>
-        <p:spPr>
-          <a:xfrm>
-            <a:off x="3575050" y="273050"/>
-            <a:ext cx="5111750" cy="5853113"/>
-          </a:xfrm>
-        </p:spPr>
-        <p:txBody>
-          <a:bodyPr/>
-          <a:lstStyle>
-            <a:lvl1pPr>
-              <a:defRPr sz="3200"/>
-            </a:lvl1pPr>
-            <a:lvl2pPr>
-              <a:defRPr sz="2800"/>
-            </a:lvl2pPr>
-            <a:lvl3pPr>
-              <a:defRPr sz="2400"/>
-            </a:lvl3pPr>
-            <a:lvl4pPr>
-              <a:defRPr sz="2000"/>
-            </a:lvl4pPr>
-            <a:lvl5pPr>
-              <a:defRPr sz="2000"/>
-            </a:lvl5pPr>
-            <a:lvl6pPr>
-              <a:defRPr sz="2000"/>
-            </a:lvl6pPr>
-            <a:lvl7pPr>
-              <a:defRPr sz="2000"/>
-            </a:lvl7pPr>
-            <a:lvl8pPr>
-              <a:defRPr sz="2000"/>
-            </a:lvl8pPr>
-            <a:lvl9pPr>
-              <a:defRPr sz="2000"/>
-            </a:lvl9pPr>
-          </a:lstStyle>
-          <a:p>
-            <a:pPr lvl="0"/>
-            <a:r>
-              <a:rPr lang="en-US" smtClean="0"/>
-              <a:t>Click to edit Master text styles</a:t>
-            </a:r>
-          </a:p>
-          <a:p>
-            <a:pPr lvl="1"/>
-            <a:r>
-              <a:rPr lang="en-US" smtClean="0"/>
-              <a:t>Second level</a:t>
-            </a:r>
-          </a:p>
-          <a:p>
-            <a:pPr lvl="2"/>
-            <a:r>
-              <a:rPr lang="en-US" smtClean="0"/>
-              <a:t>Third level</a:t>
-            </a:r>
-          </a:p>
-          <a:p>
-            <a:pPr lvl="3"/>
-            <a:r>
-              <a:rPr lang="en-US" smtClean="0"/>
-              <a:t>Fourth level</a:t>
-            </a:r>
-          </a:p>
-          <a:p>
-            <a:pPr lvl="4"/>
-            <a:r>
-              <a:rPr lang="en-US" smtClean="0"/>
-              <a:t>Fifth level</a:t>
-            </a:r>
-            <a:endParaRPr lang="en-US"/>
-          </a:p>
-        </p:txBody>
-      </p:sp>
-      <p:sp>
-        <p:nvSpPr>
-          <p:cNvPr id="4" name="Text Placeholder 3"/>
-          <p:cNvSpPr>
-            <a:spLocks noGrp="1"/>
-          </p:cNvSpPr>
-          <p:nvPr>
-            <p:ph type="body" sz="half" idx="2"/>
-          </p:nvPr>
-        </p:nvSpPr>
-        <p:spPr>
-          <a:xfrm>
-            <a:off x="457200" y="1435100"/>
-            <a:ext cx="3008313" cy="4691063"/>
-          </a:xfrm>
-        </p:spPr>
-        <p:txBody>
-          <a:bodyPr/>
-          <a:lstStyle>
-            <a:lvl1pPr marL="0" indent="0">
-              <a:buNone/>
-              <a:defRPr sz="1400"/>
-            </a:lvl1pPr>
-            <a:lvl2pPr marL="457200" indent="0">
-              <a:buNone/>
-              <a:defRPr sz="1200"/>
-            </a:lvl2pPr>
-            <a:lvl3pPr marL="914400" indent="0">
-              <a:buNone/>
-              <a:defRPr sz="1000"/>
-            </a:lvl3pPr>
-            <a:lvl4pPr marL="1371600" indent="0">
-              <a:buNone/>
-              <a:defRPr sz="900"/>
-            </a:lvl4pPr>
-            <a:lvl5pPr marL="1828800" indent="0">
-              <a:buNone/>
-              <a:defRPr sz="900"/>
-            </a:lvl5pPr>
-            <a:lvl6pPr marL="2286000" indent="0">
-              <a:buNone/>
-              <a:defRPr sz="900"/>
-            </a:lvl6pPr>
-            <a:lvl7pPr marL="2743200" indent="0">
-              <a:buNone/>
-              <a:defRPr sz="900"/>
-            </a:lvl7pPr>
-            <a:lvl8pPr marL="3200400" indent="0">
-              <a:buNone/>
-              <a:defRPr sz="900"/>
-            </a:lvl8pPr>
-            <a:lvl9pPr marL="3657600" indent="0">
-              <a:buNone/>
-              <a:defRPr sz="900"/>
-            </a:lvl9pPr>
-          </a:lstStyle>
-          <a:p>
-            <a:pPr lvl="0"/>
-            <a:r>
-              <a:rPr lang="en-US" smtClean="0"/>
-              <a:t>Click to edit Master text styles</a:t>
-            </a:r>
-          </a:p>
-        </p:txBody>
-      </p:sp>
-      <p:sp>
-        <p:nvSpPr>
-          <p:cNvPr id="5" name="Date Placeholder 4"/>
-          <p:cNvSpPr>
-            <a:spLocks noGrp="1"/>
-          </p:cNvSpPr>
-          <p:nvPr>
-            <p:ph type="dt" sz="half" idx="10"/>
-          </p:nvPr>
-        </p:nvSpPr>
-        <p:spPr/>
-        <p:txBody>
-          <a:bodyPr/>
-          <a:lstStyle/>
           <a:p>
             <a:fld id="{1D8BD707-D9CF-40AE-B4C6-C98DA3205C09}" type="datetimeFigureOut">
               <a:rPr lang="en-US" smtClean="0"/>
               <a:pPr/>
-              <a:t>8/1/2011</a:t>
+              <a:t>12/3/2025</a:t>
             </a:fld>
             <a:endParaRPr lang="en-US"/>
           </a:p>
@@ -2256,40 +2745,66 @@
             <p:ph type="ftr" sz="quarter" idx="11"/>
           </p:nvPr>
         </p:nvSpPr>
+        <p:spPr>
+          <a:xfrm>
+            <a:off x="3840480" y="6890439"/>
+            <a:ext cx="3718560" cy="389467"/>
+          </a:xfrm>
+        </p:spPr>
+        <p:txBody>
+          <a:bodyPr/>
+          <a:lstStyle>
+            <a:lvl1pPr algn="l">
+              <a:defRPr>
+                <a:solidFill>
+                  <a:schemeClr val="tx2"/>
+                </a:solidFill>
+              </a:defRPr>
+            </a:lvl1pPr>
+          </a:lstStyle>
+          <a:p>
+            <a:endParaRPr lang="en-US"/>
+          </a:p>
+        </p:txBody>
+      </p:sp>
+      <p:sp>
+        <p:nvSpPr>
+          <p:cNvPr id="7" name="Slide Number Placeholder 6"/>
+          <p:cNvSpPr>
+            <a:spLocks noGrp="1"/>
+          </p:cNvSpPr>
+          <p:nvPr>
+            <p:ph type="sldNum" sz="quarter" idx="12"/>
+          </p:nvPr>
+        </p:nvSpPr>
         <p:spPr/>
         <p:txBody>
           <a:bodyPr/>
-          <a:lstStyle/>
-          <a:p>
-            <a:endParaRPr lang="en-US"/>
-          </a:p>
-        </p:txBody>
-      </p:sp>
-      <p:sp>
-        <p:nvSpPr>
-          <p:cNvPr id="7" name="Slide Number Placeholder 6"/>
-          <p:cNvSpPr>
-            <a:spLocks noGrp="1"/>
-          </p:cNvSpPr>
-          <p:nvPr>
-            <p:ph type="sldNum" sz="quarter" idx="12"/>
-          </p:nvPr>
-        </p:nvSpPr>
-        <p:spPr/>
-        <p:txBody>
-          <a:bodyPr/>
-          <a:lstStyle/>
+          <a:lstStyle>
+            <a:lvl1pPr>
+              <a:defRPr>
+                <a:solidFill>
+                  <a:schemeClr val="tx2"/>
+                </a:solidFill>
+              </a:defRPr>
+            </a:lvl1pPr>
+          </a:lstStyle>
           <a:p>
             <a:fld id="{B6F15528-21DE-4FAA-801E-634DDDAF4B2B}" type="slidenum">
               <a:rPr lang="en-US" smtClean="0"/>
               <a:pPr/>
-              <a:t>‹#›</a:t>
+              <a:t>‹Nº›</a:t>
             </a:fld>
             <a:endParaRPr lang="en-US"/>
           </a:p>
         </p:txBody>
       </p:sp>
     </p:spTree>
+    <p:extLst>
+      <p:ext uri="{BB962C8B-B14F-4D97-AF65-F5344CB8AC3E}">
+        <p14:creationId xmlns:p14="http://schemas.microsoft.com/office/powerpoint/2010/main" val="1197286415"/>
+      </p:ext>
+    </p:extLst>
   </p:cSld>
   <p:clrMapOvr>
     <a:masterClrMapping/>
@@ -2298,8 +2813,8 @@
 </file>
 
 <file path=ppt/slideLayouts/slideLayout9.xml><?xml version="1.0" encoding="utf-8"?>
-<p:sldLayout xmlns:a="http://schemas.openxmlformats.org/drawingml/2006/main" xmlns:r="http://schemas.openxmlformats.org/officeDocument/2006/relationships" xmlns:p="http://schemas.openxmlformats.org/presentationml/2006/main" type="picTx" preserve="1">
-  <p:cSld name="Picture with Caption">
+<p:sldLayout xmlns:a="http://schemas.openxmlformats.org/drawingml/2006/main" xmlns:r="http://schemas.openxmlformats.org/officeDocument/2006/relationships" xmlns:p="http://schemas.openxmlformats.org/presentationml/2006/main" showMasterSp="0" type="picTx" preserve="1">
+  <p:cSld name="Imagen con título">
     <p:spTree>
       <p:nvGrpSpPr>
         <p:cNvPr id="1" name=""/>
@@ -2316,6 +2831,96 @@
       </p:grpSpPr>
       <p:sp>
         <p:nvSpPr>
+          <p:cNvPr id="8" name="Rectangle 7"/>
+          <p:cNvSpPr/>
+          <p:nvPr/>
+        </p:nvSpPr>
+        <p:spPr>
+          <a:xfrm>
+            <a:off x="1" y="5283200"/>
+            <a:ext cx="9751060" cy="2032000"/>
+          </a:xfrm>
+          <a:prstGeom prst="rect">
+            <a:avLst/>
+          </a:prstGeom>
+          <a:solidFill>
+            <a:schemeClr val="accent2"/>
+          </a:solidFill>
+          <a:ln>
+            <a:noFill/>
+          </a:ln>
+        </p:spPr>
+        <p:style>
+          <a:lnRef idx="2">
+            <a:schemeClr val="accent1">
+              <a:shade val="50000"/>
+            </a:schemeClr>
+          </a:lnRef>
+          <a:fillRef idx="1">
+            <a:schemeClr val="accent1"/>
+          </a:fillRef>
+          <a:effectRef idx="0">
+            <a:schemeClr val="accent1"/>
+          </a:effectRef>
+          <a:fontRef idx="minor">
+            <a:schemeClr val="lt1"/>
+          </a:fontRef>
+        </p:style>
+        <p:txBody>
+          <a:bodyPr/>
+          <a:lstStyle/>
+          <a:p>
+            <a:endParaRPr lang="es-CO"/>
+          </a:p>
+        </p:txBody>
+      </p:sp>
+      <p:sp>
+        <p:nvSpPr>
+          <p:cNvPr id="9" name="Rectangle 8"/>
+          <p:cNvSpPr/>
+          <p:nvPr/>
+        </p:nvSpPr>
+        <p:spPr>
+          <a:xfrm>
+            <a:off x="13" y="5242748"/>
+            <a:ext cx="9751060" cy="68275"/>
+          </a:xfrm>
+          <a:prstGeom prst="rect">
+            <a:avLst/>
+          </a:prstGeom>
+          <a:solidFill>
+            <a:schemeClr val="accent1"/>
+          </a:solidFill>
+          <a:ln>
+            <a:noFill/>
+          </a:ln>
+        </p:spPr>
+        <p:style>
+          <a:lnRef idx="2">
+            <a:schemeClr val="accent1">
+              <a:shade val="50000"/>
+            </a:schemeClr>
+          </a:lnRef>
+          <a:fillRef idx="1">
+            <a:schemeClr val="accent1"/>
+          </a:fillRef>
+          <a:effectRef idx="0">
+            <a:schemeClr val="accent1"/>
+          </a:effectRef>
+          <a:fontRef idx="minor">
+            <a:schemeClr val="lt1"/>
+          </a:fontRef>
+        </p:style>
+        <p:txBody>
+          <a:bodyPr/>
+          <a:lstStyle/>
+          <a:p>
+            <a:endParaRPr lang="es-CO"/>
+          </a:p>
+        </p:txBody>
+      </p:sp>
+      <p:sp>
+        <p:nvSpPr>
           <p:cNvPr id="2" name="Title 1"/>
           <p:cNvSpPr>
             <a:spLocks noGrp="1"/>
@@ -2326,23 +2931,29 @@
         </p:nvSpPr>
         <p:spPr>
           <a:xfrm>
-            <a:off x="1792288" y="4800600"/>
-            <a:ext cx="5486400" cy="566738"/>
+            <a:off x="877824" y="5413248"/>
+            <a:ext cx="8095488" cy="877824"/>
           </a:xfrm>
         </p:spPr>
         <p:txBody>
-          <a:bodyPr anchor="b"/>
+          <a:bodyPr tIns="0" bIns="0" anchor="b">
+            <a:noAutofit/>
+          </a:bodyPr>
           <a:lstStyle>
-            <a:lvl1pPr algn="l">
-              <a:defRPr sz="2000" b="1"/>
+            <a:lvl1pPr>
+              <a:defRPr sz="3840" b="0">
+                <a:solidFill>
+                  <a:srgbClr val="FFFFFF"/>
+                </a:solidFill>
+              </a:defRPr>
             </a:lvl1pPr>
           </a:lstStyle>
           <a:p>
             <a:r>
-              <a:rPr lang="en-US" smtClean="0"/>
-              <a:t>Click to edit Master title style</a:t>
-            </a:r>
-            <a:endParaRPr lang="en-US"/>
+              <a:rPr lang="es-ES"/>
+              <a:t>Haga clic para modificar el estilo de título del patrón</a:t>
+            </a:r>
+            <a:endParaRPr lang="en-US" dirty="0"/>
           </a:p>
         </p:txBody>
       </p:sp>
@@ -2350,7 +2961,7 @@
         <p:nvSpPr>
           <p:cNvPr id="3" name="Picture Placeholder 2"/>
           <p:cNvSpPr>
-            <a:spLocks noGrp="1"/>
+            <a:spLocks noGrp="1" noChangeAspect="1"/>
           </p:cNvSpPr>
           <p:nvPr>
             <p:ph type="pic" idx="1"/>
@@ -2358,52 +2969,66 @@
         </p:nvSpPr>
         <p:spPr>
           <a:xfrm>
-            <a:off x="1792288" y="612775"/>
-            <a:ext cx="5486400" cy="4114800"/>
-          </a:xfrm>
+            <a:off x="13" y="0"/>
+            <a:ext cx="9753588" cy="5242748"/>
+          </a:xfrm>
+          <a:blipFill>
+            <a:blip r:embed="rId2"/>
+            <a:stretch>
+              <a:fillRect/>
+            </a:stretch>
+          </a:blipFill>
         </p:spPr>
         <p:txBody>
-          <a:bodyPr/>
+          <a:bodyPr lIns="457200" tIns="457200" anchor="t"/>
           <a:lstStyle>
             <a:lvl1pPr marL="0" indent="0">
               <a:buNone/>
-              <a:defRPr sz="3200"/>
+              <a:defRPr sz="3413">
+                <a:solidFill>
+                  <a:schemeClr val="bg1"/>
+                </a:solidFill>
+              </a:defRPr>
             </a:lvl1pPr>
-            <a:lvl2pPr marL="457200" indent="0">
-              <a:buNone/>
-              <a:defRPr sz="2800"/>
+            <a:lvl2pPr marL="487695" indent="0">
+              <a:buNone/>
+              <a:defRPr sz="2987"/>
             </a:lvl2pPr>
-            <a:lvl3pPr marL="914400" indent="0">
-              <a:buNone/>
-              <a:defRPr sz="2400"/>
+            <a:lvl3pPr marL="975390" indent="0">
+              <a:buNone/>
+              <a:defRPr sz="2560"/>
             </a:lvl3pPr>
-            <a:lvl4pPr marL="1371600" indent="0">
-              <a:buNone/>
-              <a:defRPr sz="2000"/>
+            <a:lvl4pPr marL="1463086" indent="0">
+              <a:buNone/>
+              <a:defRPr sz="2133"/>
             </a:lvl4pPr>
-            <a:lvl5pPr marL="1828800" indent="0">
-              <a:buNone/>
-              <a:defRPr sz="2000"/>
+            <a:lvl5pPr marL="1950781" indent="0">
+              <a:buNone/>
+              <a:defRPr sz="2133"/>
             </a:lvl5pPr>
-            <a:lvl6pPr marL="2286000" indent="0">
-              <a:buNone/>
-              <a:defRPr sz="2000"/>
+            <a:lvl6pPr marL="2438476" indent="0">
+              <a:buNone/>
+              <a:defRPr sz="2133"/>
             </a:lvl6pPr>
-            <a:lvl7pPr marL="2743200" indent="0">
-              <a:buNone/>
-              <a:defRPr sz="2000"/>
+            <a:lvl7pPr marL="2926171" indent="0">
+              <a:buNone/>
+              <a:defRPr sz="2133"/>
             </a:lvl7pPr>
-            <a:lvl8pPr marL="3200400" indent="0">
-              <a:buNone/>
-              <a:defRPr sz="2000"/>
+            <a:lvl8pPr marL="3413867" indent="0">
+              <a:buNone/>
+              <a:defRPr sz="2133"/>
             </a:lvl8pPr>
-            <a:lvl9pPr marL="3657600" indent="0">
-              <a:buNone/>
-              <a:defRPr sz="2000"/>
+            <a:lvl9pPr marL="3901562" indent="0">
+              <a:buNone/>
+              <a:defRPr sz="2133"/>
             </a:lvl9pPr>
           </a:lstStyle>
           <a:p>
-            <a:endParaRPr lang="en-US"/>
+            <a:r>
+              <a:rPr lang="es-ES"/>
+              <a:t>Haga clic en el icono para agregar una imagen</a:t>
+            </a:r>
+            <a:endParaRPr lang="en-US" dirty="0"/>
           </a:p>
         </p:txBody>
       </p:sp>
@@ -2419,55 +3044,67 @@
         </p:nvSpPr>
         <p:spPr>
           <a:xfrm>
-            <a:off x="1792288" y="5367338"/>
-            <a:ext cx="5486400" cy="804862"/>
+            <a:off x="877823" y="6300826"/>
+            <a:ext cx="8095488" cy="633984"/>
           </a:xfrm>
         </p:spPr>
         <p:txBody>
-          <a:bodyPr/>
+          <a:bodyPr lIns="91440" tIns="0" rIns="91440" bIns="0">
+            <a:normAutofit/>
+          </a:bodyPr>
           <a:lstStyle>
             <a:lvl1pPr marL="0" indent="0">
-              <a:buNone/>
-              <a:defRPr sz="1400"/>
+              <a:spcBef>
+                <a:spcPts val="0"/>
+              </a:spcBef>
+              <a:spcAft>
+                <a:spcPts val="640"/>
+              </a:spcAft>
+              <a:buNone/>
+              <a:defRPr sz="1600">
+                <a:solidFill>
+                  <a:srgbClr val="FFFFFF"/>
+                </a:solidFill>
+              </a:defRPr>
             </a:lvl1pPr>
-            <a:lvl2pPr marL="457200" indent="0">
-              <a:buNone/>
-              <a:defRPr sz="1200"/>
+            <a:lvl2pPr marL="487695" indent="0">
+              <a:buNone/>
+              <a:defRPr sz="1280"/>
             </a:lvl2pPr>
-            <a:lvl3pPr marL="914400" indent="0">
-              <a:buNone/>
-              <a:defRPr sz="1000"/>
+            <a:lvl3pPr marL="975390" indent="0">
+              <a:buNone/>
+              <a:defRPr sz="1067"/>
             </a:lvl3pPr>
-            <a:lvl4pPr marL="1371600" indent="0">
-              <a:buNone/>
-              <a:defRPr sz="900"/>
+            <a:lvl4pPr marL="1463086" indent="0">
+              <a:buNone/>
+              <a:defRPr sz="960"/>
             </a:lvl4pPr>
-            <a:lvl5pPr marL="1828800" indent="0">
-              <a:buNone/>
-              <a:defRPr sz="900"/>
+            <a:lvl5pPr marL="1950781" indent="0">
+              <a:buNone/>
+              <a:defRPr sz="960"/>
             </a:lvl5pPr>
-            <a:lvl6pPr marL="2286000" indent="0">
-              <a:buNone/>
-              <a:defRPr sz="900"/>
+            <a:lvl6pPr marL="2438476" indent="0">
+              <a:buNone/>
+              <a:defRPr sz="960"/>
             </a:lvl6pPr>
-            <a:lvl7pPr marL="2743200" indent="0">
-              <a:buNone/>
-              <a:defRPr sz="900"/>
+            <a:lvl7pPr marL="2926171" indent="0">
+              <a:buNone/>
+              <a:defRPr sz="960"/>
             </a:lvl7pPr>
-            <a:lvl8pPr marL="3200400" indent="0">
-              <a:buNone/>
-              <a:defRPr sz="900"/>
+            <a:lvl8pPr marL="3413867" indent="0">
+              <a:buNone/>
+              <a:defRPr sz="960"/>
             </a:lvl8pPr>
-            <a:lvl9pPr marL="3657600" indent="0">
-              <a:buNone/>
-              <a:defRPr sz="900"/>
+            <a:lvl9pPr marL="3901562" indent="0">
+              <a:buNone/>
+              <a:defRPr sz="960"/>
             </a:lvl9pPr>
           </a:lstStyle>
           <a:p>
             <a:pPr lvl="0"/>
             <a:r>
-              <a:rPr lang="en-US" smtClean="0"/>
-              <a:t>Click to edit Master text styles</a:t>
+              <a:rPr lang="es-ES"/>
+              <a:t>Haga clic para modificar los estilos de texto del patrón</a:t>
             </a:r>
           </a:p>
         </p:txBody>
@@ -2490,7 +3127,7 @@
             <a:fld id="{1D8BD707-D9CF-40AE-B4C6-C98DA3205C09}" type="datetimeFigureOut">
               <a:rPr lang="en-US" smtClean="0"/>
               <a:pPr/>
-              <a:t>8/1/2011</a:t>
+              <a:t>12/3/2025</a:t>
             </a:fld>
             <a:endParaRPr lang="en-US"/>
           </a:p>
@@ -2533,13 +3170,18 @@
             <a:fld id="{B6F15528-21DE-4FAA-801E-634DDDAF4B2B}" type="slidenum">
               <a:rPr lang="en-US" smtClean="0"/>
               <a:pPr/>
-              <a:t>‹#›</a:t>
+              <a:t>‹Nº›</a:t>
             </a:fld>
             <a:endParaRPr lang="en-US"/>
           </a:p>
         </p:txBody>
       </p:sp>
     </p:spTree>
+    <p:extLst>
+      <p:ext uri="{BB962C8B-B14F-4D97-AF65-F5344CB8AC3E}">
+        <p14:creationId xmlns:p14="http://schemas.microsoft.com/office/powerpoint/2010/main" val="3008640774"/>
+      </p:ext>
+    </p:extLst>
   </p:cSld>
   <p:clrMapOvr>
     <a:masterClrMapping/>
@@ -2571,6 +3213,96 @@
       </p:grpSpPr>
       <p:sp>
         <p:nvSpPr>
+          <p:cNvPr id="7" name="Rectangle 6"/>
+          <p:cNvSpPr/>
+          <p:nvPr/>
+        </p:nvSpPr>
+        <p:spPr>
+          <a:xfrm>
+            <a:off x="1" y="6827520"/>
+            <a:ext cx="9753601" cy="487680"/>
+          </a:xfrm>
+          <a:prstGeom prst="rect">
+            <a:avLst/>
+          </a:prstGeom>
+          <a:solidFill>
+            <a:schemeClr val="accent2"/>
+          </a:solidFill>
+          <a:ln>
+            <a:noFill/>
+          </a:ln>
+        </p:spPr>
+        <p:style>
+          <a:lnRef idx="2">
+            <a:schemeClr val="accent1">
+              <a:shade val="50000"/>
+            </a:schemeClr>
+          </a:lnRef>
+          <a:fillRef idx="1">
+            <a:schemeClr val="accent1"/>
+          </a:fillRef>
+          <a:effectRef idx="0">
+            <a:schemeClr val="accent1"/>
+          </a:effectRef>
+          <a:fontRef idx="minor">
+            <a:schemeClr val="lt1"/>
+          </a:fontRef>
+        </p:style>
+        <p:txBody>
+          <a:bodyPr/>
+          <a:lstStyle/>
+          <a:p>
+            <a:endParaRPr lang="es-CO"/>
+          </a:p>
+        </p:txBody>
+      </p:sp>
+      <p:sp>
+        <p:nvSpPr>
+          <p:cNvPr id="9" name="Rectangle 8"/>
+          <p:cNvSpPr/>
+          <p:nvPr/>
+        </p:nvSpPr>
+        <p:spPr>
+          <a:xfrm>
+            <a:off x="1" y="6756603"/>
+            <a:ext cx="9753601" cy="70399"/>
+          </a:xfrm>
+          <a:prstGeom prst="rect">
+            <a:avLst/>
+          </a:prstGeom>
+          <a:solidFill>
+            <a:schemeClr val="accent1"/>
+          </a:solidFill>
+          <a:ln>
+            <a:noFill/>
+          </a:ln>
+        </p:spPr>
+        <p:style>
+          <a:lnRef idx="2">
+            <a:schemeClr val="accent1">
+              <a:shade val="50000"/>
+            </a:schemeClr>
+          </a:lnRef>
+          <a:fillRef idx="1">
+            <a:schemeClr val="accent1"/>
+          </a:fillRef>
+          <a:effectRef idx="0">
+            <a:schemeClr val="accent1"/>
+          </a:effectRef>
+          <a:fontRef idx="minor">
+            <a:schemeClr val="lt1"/>
+          </a:fontRef>
+        </p:style>
+        <p:txBody>
+          <a:bodyPr/>
+          <a:lstStyle/>
+          <a:p>
+            <a:endParaRPr lang="es-CO"/>
+          </a:p>
+        </p:txBody>
+      </p:sp>
+      <p:sp>
+        <p:nvSpPr>
           <p:cNvPr id="2" name="Title Placeholder 1"/>
           <p:cNvSpPr>
             <a:spLocks noGrp="1"/>
@@ -2581,24 +3313,24 @@
         </p:nvSpPr>
         <p:spPr>
           <a:xfrm>
-            <a:off x="457200" y="274638"/>
-            <a:ext cx="8229600" cy="1143000"/>
+            <a:off x="877824" y="305712"/>
+            <a:ext cx="8046720" cy="1547474"/>
           </a:xfrm>
           <a:prstGeom prst="rect">
             <a:avLst/>
           </a:prstGeom>
         </p:spPr>
         <p:txBody>
-          <a:bodyPr vert="horz" lIns="91440" tIns="45720" rIns="91440" bIns="45720" rtlCol="0" anchor="ctr">
+          <a:bodyPr vert="horz" lIns="91440" tIns="45720" rIns="91440" bIns="45720" rtlCol="0" anchor="b">
             <a:normAutofit/>
           </a:bodyPr>
           <a:lstStyle/>
           <a:p>
             <a:r>
-              <a:rPr lang="en-US" smtClean="0"/>
-              <a:t>Click to edit Master title style</a:t>
-            </a:r>
-            <a:endParaRPr lang="en-US"/>
+              <a:rPr lang="es-ES"/>
+              <a:t>Haga clic para modificar el estilo de título del patrón</a:t>
+            </a:r>
+            <a:endParaRPr lang="en-US" dirty="0"/>
           </a:p>
         </p:txBody>
       </p:sp>
@@ -2614,53 +3346,53 @@
         </p:nvSpPr>
         <p:spPr>
           <a:xfrm>
-            <a:off x="457200" y="1600200"/>
-            <a:ext cx="8229600" cy="4525963"/>
+            <a:off x="877823" y="1968783"/>
+            <a:ext cx="8046721" cy="4291584"/>
           </a:xfrm>
           <a:prstGeom prst="rect">
             <a:avLst/>
           </a:prstGeom>
         </p:spPr>
         <p:txBody>
-          <a:bodyPr vert="horz" lIns="91440" tIns="45720" rIns="91440" bIns="45720" rtlCol="0">
+          <a:bodyPr vert="horz" lIns="0" tIns="45720" rIns="0" bIns="45720" rtlCol="0">
             <a:normAutofit/>
           </a:bodyPr>
           <a:lstStyle/>
           <a:p>
             <a:pPr lvl="0"/>
             <a:r>
-              <a:rPr lang="en-US" smtClean="0"/>
-              <a:t>Click to edit Master text styles</a:t>
+              <a:rPr lang="es-ES"/>
+              <a:t>Haga clic para modificar los estilos de texto del patrón</a:t>
             </a:r>
           </a:p>
           <a:p>
             <a:pPr lvl="1"/>
             <a:r>
-              <a:rPr lang="en-US" smtClean="0"/>
-              <a:t>Second level</a:t>
+              <a:rPr lang="es-ES"/>
+              <a:t>Segundo nivel</a:t>
             </a:r>
           </a:p>
           <a:p>
             <a:pPr lvl="2"/>
             <a:r>
-              <a:rPr lang="en-US" smtClean="0"/>
-              <a:t>Third level</a:t>
+              <a:rPr lang="es-ES"/>
+              <a:t>Tercer nivel</a:t>
             </a:r>
           </a:p>
           <a:p>
             <a:pPr lvl="3"/>
             <a:r>
-              <a:rPr lang="en-US" smtClean="0"/>
-              <a:t>Fourth level</a:t>
+              <a:rPr lang="es-ES"/>
+              <a:t>Cuarto nivel</a:t>
             </a:r>
           </a:p>
           <a:p>
             <a:pPr lvl="4"/>
             <a:r>
-              <a:rPr lang="en-US" smtClean="0"/>
-              <a:t>Fifth level</a:t>
-            </a:r>
-            <a:endParaRPr lang="en-US"/>
+              <a:rPr lang="es-ES"/>
+              <a:t>Quinto nivel</a:t>
+            </a:r>
+            <a:endParaRPr lang="en-US" dirty="0"/>
           </a:p>
         </p:txBody>
       </p:sp>
@@ -2676,8 +3408,8 @@
         </p:nvSpPr>
         <p:spPr>
           <a:xfrm>
-            <a:off x="457200" y="6356350"/>
-            <a:ext cx="2133600" cy="365125"/>
+            <a:off x="877825" y="6890439"/>
+            <a:ext cx="1977817" cy="389467"/>
           </a:xfrm>
           <a:prstGeom prst="rect">
             <a:avLst/>
@@ -2687,11 +3419,9 @@
           <a:bodyPr vert="horz" lIns="91440" tIns="45720" rIns="91440" bIns="45720" rtlCol="0" anchor="ctr"/>
           <a:lstStyle>
             <a:lvl1pPr algn="l">
-              <a:defRPr sz="1200">
+              <a:defRPr sz="960">
                 <a:solidFill>
-                  <a:schemeClr val="tx1">
-                    <a:tint val="75000"/>
-                  </a:schemeClr>
+                  <a:srgbClr val="FFFFFF"/>
                 </a:solidFill>
               </a:defRPr>
             </a:lvl1pPr>
@@ -2700,7 +3430,7 @@
             <a:fld id="{1D8BD707-D9CF-40AE-B4C6-C98DA3205C09}" type="datetimeFigureOut">
               <a:rPr lang="en-US" smtClean="0"/>
               <a:pPr/>
-              <a:t>8/1/2011</a:t>
+              <a:t>12/3/2025</a:t>
             </a:fld>
             <a:endParaRPr lang="en-US"/>
           </a:p>
@@ -2718,8 +3448,8 @@
         </p:nvSpPr>
         <p:spPr>
           <a:xfrm>
-            <a:off x="3124200" y="6356350"/>
-            <a:ext cx="2895600" cy="365125"/>
+            <a:off x="2948949" y="6890439"/>
+            <a:ext cx="3858243" cy="389467"/>
           </a:xfrm>
           <a:prstGeom prst="rect">
             <a:avLst/>
@@ -2729,11 +3459,9 @@
           <a:bodyPr vert="horz" lIns="91440" tIns="45720" rIns="91440" bIns="45720" rtlCol="0" anchor="ctr"/>
           <a:lstStyle>
             <a:lvl1pPr algn="ctr">
-              <a:defRPr sz="1200">
+              <a:defRPr sz="960" cap="all" baseline="0">
                 <a:solidFill>
-                  <a:schemeClr val="tx1">
-                    <a:tint val="75000"/>
-                  </a:schemeClr>
+                  <a:srgbClr val="FFFFFF"/>
                 </a:solidFill>
               </a:defRPr>
             </a:lvl1pPr>
@@ -2755,8 +3483,8 @@
         </p:nvSpPr>
         <p:spPr>
           <a:xfrm>
-            <a:off x="6553200" y="6356350"/>
-            <a:ext cx="2133600" cy="365125"/>
+            <a:off x="7920368" y="6890439"/>
+            <a:ext cx="1049620" cy="389467"/>
           </a:xfrm>
           <a:prstGeom prst="rect">
             <a:avLst/>
@@ -2766,11 +3494,9 @@
           <a:bodyPr vert="horz" lIns="91440" tIns="45720" rIns="91440" bIns="45720" rtlCol="0" anchor="ctr"/>
           <a:lstStyle>
             <a:lvl1pPr algn="r">
-              <a:defRPr sz="1200">
+              <a:defRPr sz="1120">
                 <a:solidFill>
-                  <a:schemeClr val="tx1">
-                    <a:tint val="75000"/>
-                  </a:schemeClr>
+                  <a:srgbClr val="FFFFFF"/>
                 </a:solidFill>
               </a:defRPr>
             </a:lvl1pPr>
@@ -2779,38 +3505,87 @@
             <a:fld id="{B6F15528-21DE-4FAA-801E-634DDDAF4B2B}" type="slidenum">
               <a:rPr lang="en-US" smtClean="0"/>
               <a:pPr/>
-              <a:t>‹#›</a:t>
+              <a:t>‹Nº›</a:t>
             </a:fld>
             <a:endParaRPr lang="en-US"/>
           </a:p>
         </p:txBody>
       </p:sp>
+      <p:cxnSp>
+        <p:nvCxnSpPr>
+          <p:cNvPr id="10" name="Straight Connector 9"/>
+          <p:cNvCxnSpPr/>
+          <p:nvPr/>
+        </p:nvCxnSpPr>
+        <p:spPr>
+          <a:xfrm>
+            <a:off x="954826" y="1853701"/>
+            <a:ext cx="7973568" cy="0"/>
+          </a:xfrm>
+          <a:prstGeom prst="line">
+            <a:avLst/>
+          </a:prstGeom>
+          <a:ln w="6350">
+            <a:solidFill>
+              <a:schemeClr val="tx1">
+                <a:lumMod val="50000"/>
+                <a:lumOff val="50000"/>
+              </a:schemeClr>
+            </a:solidFill>
+          </a:ln>
+        </p:spPr>
+        <p:style>
+          <a:lnRef idx="1">
+            <a:schemeClr val="accent1"/>
+          </a:lnRef>
+          <a:fillRef idx="0">
+            <a:schemeClr val="accent1"/>
+          </a:fillRef>
+          <a:effectRef idx="0">
+            <a:schemeClr val="accent1"/>
+          </a:effectRef>
+          <a:fontRef idx="minor">
+            <a:schemeClr val="tx1"/>
+          </a:fontRef>
+        </p:style>
+      </p:cxnSp>
     </p:spTree>
+    <p:extLst>
+      <p:ext uri="{BB962C8B-B14F-4D97-AF65-F5344CB8AC3E}">
+        <p14:creationId xmlns:p14="http://schemas.microsoft.com/office/powerpoint/2010/main" val="2684494346"/>
+      </p:ext>
+    </p:extLst>
   </p:cSld>
   <p:clrMap bg1="lt1" tx1="dk1" bg2="lt2" tx2="dk2" accent1="accent1" accent2="accent2" accent3="accent3" accent4="accent4" accent5="accent5" accent6="accent6" hlink="hlink" folHlink="folHlink"/>
   <p:sldLayoutIdLst>
-    <p:sldLayoutId id="2147483649" r:id="rId1"/>
-    <p:sldLayoutId id="2147483650" r:id="rId2"/>
-    <p:sldLayoutId id="2147483651" r:id="rId3"/>
-    <p:sldLayoutId id="2147483652" r:id="rId4"/>
-    <p:sldLayoutId id="2147483653" r:id="rId5"/>
-    <p:sldLayoutId id="2147483654" r:id="rId6"/>
-    <p:sldLayoutId id="2147483655" r:id="rId7"/>
-    <p:sldLayoutId id="2147483656" r:id="rId8"/>
-    <p:sldLayoutId id="2147483657" r:id="rId9"/>
-    <p:sldLayoutId id="2147483658" r:id="rId10"/>
-    <p:sldLayoutId id="2147483659" r:id="rId11"/>
+    <p:sldLayoutId id="2147483661" r:id="rId1"/>
+    <p:sldLayoutId id="2147483662" r:id="rId2"/>
+    <p:sldLayoutId id="2147483663" r:id="rId3"/>
+    <p:sldLayoutId id="2147483664" r:id="rId4"/>
+    <p:sldLayoutId id="2147483665" r:id="rId5"/>
+    <p:sldLayoutId id="2147483666" r:id="rId6"/>
+    <p:sldLayoutId id="2147483667" r:id="rId7"/>
+    <p:sldLayoutId id="2147483668" r:id="rId8"/>
+    <p:sldLayoutId id="2147483669" r:id="rId9"/>
+    <p:sldLayoutId id="2147483670" r:id="rId10"/>
+    <p:sldLayoutId id="2147483671" r:id="rId11"/>
   </p:sldLayoutIdLst>
   <p:txStyles>
     <p:titleStyle>
-      <a:lvl1pPr algn="ctr" defTabSz="914400" rtl="0" eaLnBrk="1" latinLnBrk="0" hangingPunct="1">
+      <a:lvl1pPr algn="l" defTabSz="975390" rtl="0" eaLnBrk="1" latinLnBrk="0" hangingPunct="1">
+        <a:lnSpc>
+          <a:spcPct val="85000"/>
+        </a:lnSpc>
         <a:spcBef>
           <a:spcPct val="0"/>
         </a:spcBef>
         <a:buNone/>
-        <a:defRPr sz="4400" kern="1200">
+        <a:defRPr sz="5120" kern="1200" spc="-53" baseline="0">
           <a:solidFill>
-            <a:schemeClr val="tx1"/>
+            <a:schemeClr val="tx1">
+              <a:lumMod val="75000"/>
+              <a:lumOff val="25000"/>
+            </a:schemeClr>
           </a:solidFill>
           <a:latin typeface="+mj-lt"/>
           <a:ea typeface="+mj-ea"/>
@@ -2819,135 +3594,244 @@
       </a:lvl1pPr>
     </p:titleStyle>
     <p:bodyStyle>
-      <a:lvl1pPr marL="342900" indent="-342900" algn="l" defTabSz="914400" rtl="0" eaLnBrk="1" latinLnBrk="0" hangingPunct="1">
+      <a:lvl1pPr marL="97539" indent="-97539" algn="l" defTabSz="975390" rtl="0" eaLnBrk="1" latinLnBrk="0" hangingPunct="1">
+        <a:lnSpc>
+          <a:spcPct val="90000"/>
+        </a:lnSpc>
         <a:spcBef>
-          <a:spcPct val="20000"/>
+          <a:spcPts val="1280"/>
         </a:spcBef>
-        <a:buFont typeface="Arial" pitchFamily="34" charset="0"/>
-        <a:buChar char="•"/>
-        <a:defRPr sz="3200" kern="1200">
+        <a:spcAft>
+          <a:spcPts val="213"/>
+        </a:spcAft>
+        <a:buClr>
+          <a:schemeClr val="accent1"/>
+        </a:buClr>
+        <a:buSzPct val="100000"/>
+        <a:buFont typeface="Calibri" panose="020F0502020204030204" pitchFamily="34" charset="0"/>
+        <a:buChar char=" "/>
+        <a:defRPr sz="2133" kern="1200">
           <a:solidFill>
-            <a:schemeClr val="tx1"/>
+            <a:schemeClr val="tx1">
+              <a:lumMod val="75000"/>
+              <a:lumOff val="25000"/>
+            </a:schemeClr>
           </a:solidFill>
           <a:latin typeface="+mn-lt"/>
           <a:ea typeface="+mn-ea"/>
           <a:cs typeface="+mn-cs"/>
         </a:defRPr>
       </a:lvl1pPr>
-      <a:lvl2pPr marL="742950" indent="-285750" algn="l" defTabSz="914400" rtl="0" eaLnBrk="1" latinLnBrk="0" hangingPunct="1">
+      <a:lvl2pPr marL="409664" indent="-195078" algn="l" defTabSz="975390" rtl="0" eaLnBrk="1" latinLnBrk="0" hangingPunct="1">
+        <a:lnSpc>
+          <a:spcPct val="90000"/>
+        </a:lnSpc>
         <a:spcBef>
-          <a:spcPct val="20000"/>
+          <a:spcPts val="213"/>
         </a:spcBef>
-        <a:buFont typeface="Arial" pitchFamily="34" charset="0"/>
-        <a:buChar char="–"/>
-        <a:defRPr sz="2800" kern="1200">
+        <a:spcAft>
+          <a:spcPts val="427"/>
+        </a:spcAft>
+        <a:buClr>
+          <a:schemeClr val="accent1"/>
+        </a:buClr>
+        <a:buFont typeface="Calibri" pitchFamily="34" charset="0"/>
+        <a:buChar char="◦"/>
+        <a:defRPr sz="1920" kern="1200">
           <a:solidFill>
-            <a:schemeClr val="tx1"/>
+            <a:schemeClr val="tx1">
+              <a:lumMod val="75000"/>
+              <a:lumOff val="25000"/>
+            </a:schemeClr>
           </a:solidFill>
           <a:latin typeface="+mn-lt"/>
           <a:ea typeface="+mn-ea"/>
           <a:cs typeface="+mn-cs"/>
         </a:defRPr>
       </a:lvl2pPr>
-      <a:lvl3pPr marL="1143000" indent="-228600" algn="l" defTabSz="914400" rtl="0" eaLnBrk="1" latinLnBrk="0" hangingPunct="1">
+      <a:lvl3pPr marL="604742" indent="-195078" algn="l" defTabSz="975390" rtl="0" eaLnBrk="1" latinLnBrk="0" hangingPunct="1">
+        <a:lnSpc>
+          <a:spcPct val="90000"/>
+        </a:lnSpc>
         <a:spcBef>
-          <a:spcPct val="20000"/>
+          <a:spcPts val="213"/>
         </a:spcBef>
-        <a:buFont typeface="Arial" pitchFamily="34" charset="0"/>
-        <a:buChar char="•"/>
-        <a:defRPr sz="2400" kern="1200">
+        <a:spcAft>
+          <a:spcPts val="427"/>
+        </a:spcAft>
+        <a:buClr>
+          <a:schemeClr val="accent1"/>
+        </a:buClr>
+        <a:buFont typeface="Calibri" pitchFamily="34" charset="0"/>
+        <a:buChar char="◦"/>
+        <a:defRPr sz="1493" kern="1200">
           <a:solidFill>
-            <a:schemeClr val="tx1"/>
+            <a:schemeClr val="tx1">
+              <a:lumMod val="75000"/>
+              <a:lumOff val="25000"/>
+            </a:schemeClr>
           </a:solidFill>
           <a:latin typeface="+mn-lt"/>
           <a:ea typeface="+mn-ea"/>
           <a:cs typeface="+mn-cs"/>
         </a:defRPr>
       </a:lvl3pPr>
-      <a:lvl4pPr marL="1600200" indent="-228600" algn="l" defTabSz="914400" rtl="0" eaLnBrk="1" latinLnBrk="0" hangingPunct="1">
+      <a:lvl4pPr marL="799820" indent="-195078" algn="l" defTabSz="975390" rtl="0" eaLnBrk="1" latinLnBrk="0" hangingPunct="1">
+        <a:lnSpc>
+          <a:spcPct val="90000"/>
+        </a:lnSpc>
         <a:spcBef>
-          <a:spcPct val="20000"/>
+          <a:spcPts val="213"/>
         </a:spcBef>
-        <a:buFont typeface="Arial" pitchFamily="34" charset="0"/>
-        <a:buChar char="–"/>
-        <a:defRPr sz="2000" kern="1200">
+        <a:spcAft>
+          <a:spcPts val="427"/>
+        </a:spcAft>
+        <a:buClr>
+          <a:schemeClr val="accent1"/>
+        </a:buClr>
+        <a:buFont typeface="Calibri" pitchFamily="34" charset="0"/>
+        <a:buChar char="◦"/>
+        <a:defRPr sz="1493" kern="1200">
           <a:solidFill>
-            <a:schemeClr val="tx1"/>
+            <a:schemeClr val="tx1">
+              <a:lumMod val="75000"/>
+              <a:lumOff val="25000"/>
+            </a:schemeClr>
           </a:solidFill>
           <a:latin typeface="+mn-lt"/>
           <a:ea typeface="+mn-ea"/>
           <a:cs typeface="+mn-cs"/>
         </a:defRPr>
       </a:lvl4pPr>
-      <a:lvl5pPr marL="2057400" indent="-228600" algn="l" defTabSz="914400" rtl="0" eaLnBrk="1" latinLnBrk="0" hangingPunct="1">
+      <a:lvl5pPr marL="994898" indent="-195078" algn="l" defTabSz="975390" rtl="0" eaLnBrk="1" latinLnBrk="0" hangingPunct="1">
+        <a:lnSpc>
+          <a:spcPct val="90000"/>
+        </a:lnSpc>
         <a:spcBef>
-          <a:spcPct val="20000"/>
+          <a:spcPts val="213"/>
         </a:spcBef>
-        <a:buFont typeface="Arial" pitchFamily="34" charset="0"/>
-        <a:buChar char="»"/>
-        <a:defRPr sz="2000" kern="1200">
+        <a:spcAft>
+          <a:spcPts val="427"/>
+        </a:spcAft>
+        <a:buClr>
+          <a:schemeClr val="accent1"/>
+        </a:buClr>
+        <a:buFont typeface="Calibri" pitchFamily="34" charset="0"/>
+        <a:buChar char="◦"/>
+        <a:defRPr sz="1493" kern="1200">
           <a:solidFill>
-            <a:schemeClr val="tx1"/>
+            <a:schemeClr val="tx1">
+              <a:lumMod val="75000"/>
+              <a:lumOff val="25000"/>
+            </a:schemeClr>
           </a:solidFill>
           <a:latin typeface="+mn-lt"/>
           <a:ea typeface="+mn-ea"/>
           <a:cs typeface="+mn-cs"/>
         </a:defRPr>
       </a:lvl5pPr>
-      <a:lvl6pPr marL="2514600" indent="-228600" algn="l" defTabSz="914400" rtl="0" eaLnBrk="1" latinLnBrk="0" hangingPunct="1">
+      <a:lvl6pPr marL="1173370" indent="-243848" algn="l" defTabSz="975390" rtl="0" eaLnBrk="1" latinLnBrk="0" hangingPunct="1">
+        <a:lnSpc>
+          <a:spcPct val="90000"/>
+        </a:lnSpc>
         <a:spcBef>
-          <a:spcPct val="20000"/>
+          <a:spcPts val="213"/>
         </a:spcBef>
-        <a:buFont typeface="Arial" pitchFamily="34" charset="0"/>
-        <a:buChar char="•"/>
-        <a:defRPr sz="2000" kern="1200">
+        <a:spcAft>
+          <a:spcPts val="427"/>
+        </a:spcAft>
+        <a:buClr>
+          <a:schemeClr val="accent1"/>
+        </a:buClr>
+        <a:buFont typeface="Calibri" pitchFamily="34" charset="0"/>
+        <a:buChar char="◦"/>
+        <a:defRPr sz="1493" kern="1200">
           <a:solidFill>
-            <a:schemeClr val="tx1"/>
+            <a:schemeClr val="tx1">
+              <a:lumMod val="75000"/>
+              <a:lumOff val="25000"/>
+            </a:schemeClr>
           </a:solidFill>
           <a:latin typeface="+mn-lt"/>
           <a:ea typeface="+mn-ea"/>
           <a:cs typeface="+mn-cs"/>
         </a:defRPr>
       </a:lvl6pPr>
-      <a:lvl7pPr marL="2971800" indent="-228600" algn="l" defTabSz="914400" rtl="0" eaLnBrk="1" latinLnBrk="0" hangingPunct="1">
+      <a:lvl7pPr marL="1386710" indent="-243848" algn="l" defTabSz="975390" rtl="0" eaLnBrk="1" latinLnBrk="0" hangingPunct="1">
+        <a:lnSpc>
+          <a:spcPct val="90000"/>
+        </a:lnSpc>
         <a:spcBef>
-          <a:spcPct val="20000"/>
+          <a:spcPts val="213"/>
         </a:spcBef>
-        <a:buFont typeface="Arial" pitchFamily="34" charset="0"/>
-        <a:buChar char="•"/>
-        <a:defRPr sz="2000" kern="1200">
+        <a:spcAft>
+          <a:spcPts val="427"/>
+        </a:spcAft>
+        <a:buClr>
+          <a:schemeClr val="accent1"/>
+        </a:buClr>
+        <a:buFont typeface="Calibri" pitchFamily="34" charset="0"/>
+        <a:buChar char="◦"/>
+        <a:defRPr sz="1493" kern="1200">
           <a:solidFill>
-            <a:schemeClr val="tx1"/>
+            <a:schemeClr val="tx1">
+              <a:lumMod val="75000"/>
+              <a:lumOff val="25000"/>
+            </a:schemeClr>
           </a:solidFill>
           <a:latin typeface="+mn-lt"/>
           <a:ea typeface="+mn-ea"/>
           <a:cs typeface="+mn-cs"/>
         </a:defRPr>
       </a:lvl7pPr>
-      <a:lvl8pPr marL="3429000" indent="-228600" algn="l" defTabSz="914400" rtl="0" eaLnBrk="1" latinLnBrk="0" hangingPunct="1">
+      <a:lvl8pPr marL="1600050" indent="-243848" algn="l" defTabSz="975390" rtl="0" eaLnBrk="1" latinLnBrk="0" hangingPunct="1">
+        <a:lnSpc>
+          <a:spcPct val="90000"/>
+        </a:lnSpc>
         <a:spcBef>
-          <a:spcPct val="20000"/>
+          <a:spcPts val="213"/>
         </a:spcBef>
-        <a:buFont typeface="Arial" pitchFamily="34" charset="0"/>
-        <a:buChar char="•"/>
-        <a:defRPr sz="2000" kern="1200">
+        <a:spcAft>
+          <a:spcPts val="427"/>
+        </a:spcAft>
+        <a:buClr>
+          <a:schemeClr val="accent1"/>
+        </a:buClr>
+        <a:buFont typeface="Calibri" pitchFamily="34" charset="0"/>
+        <a:buChar char="◦"/>
+        <a:defRPr sz="1493" kern="1200">
           <a:solidFill>
-            <a:schemeClr val="tx1"/>
+            <a:schemeClr val="tx1">
+              <a:lumMod val="75000"/>
+              <a:lumOff val="25000"/>
+            </a:schemeClr>
           </a:solidFill>
           <a:latin typeface="+mn-lt"/>
           <a:ea typeface="+mn-ea"/>
           <a:cs typeface="+mn-cs"/>
         </a:defRPr>
       </a:lvl8pPr>
-      <a:lvl9pPr marL="3886200" indent="-228600" algn="l" defTabSz="914400" rtl="0" eaLnBrk="1" latinLnBrk="0" hangingPunct="1">
+      <a:lvl9pPr marL="1813390" indent="-243848" algn="l" defTabSz="975390" rtl="0" eaLnBrk="1" latinLnBrk="0" hangingPunct="1">
+        <a:lnSpc>
+          <a:spcPct val="90000"/>
+        </a:lnSpc>
         <a:spcBef>
-          <a:spcPct val="20000"/>
+          <a:spcPts val="213"/>
         </a:spcBef>
-        <a:buFont typeface="Arial" pitchFamily="34" charset="0"/>
-        <a:buChar char="•"/>
-        <a:defRPr sz="2000" kern="1200">
+        <a:spcAft>
+          <a:spcPts val="427"/>
+        </a:spcAft>
+        <a:buClr>
+          <a:schemeClr val="accent1"/>
+        </a:buClr>
+        <a:buFont typeface="Calibri" pitchFamily="34" charset="0"/>
+        <a:buChar char="◦"/>
+        <a:defRPr sz="1493" kern="1200">
           <a:solidFill>
-            <a:schemeClr val="tx1"/>
+            <a:schemeClr val="tx1">
+              <a:lumMod val="75000"/>
+              <a:lumOff val="25000"/>
+            </a:schemeClr>
           </a:solidFill>
           <a:latin typeface="+mn-lt"/>
           <a:ea typeface="+mn-ea"/>
@@ -2959,8 +3843,8 @@
       <a:defPPr>
         <a:defRPr lang="en-US"/>
       </a:defPPr>
-      <a:lvl1pPr marL="0" algn="l" defTabSz="914400" rtl="0" eaLnBrk="1" latinLnBrk="0" hangingPunct="1">
-        <a:defRPr sz="1800" kern="1200">
+      <a:lvl1pPr marL="0" algn="l" defTabSz="975390" rtl="0" eaLnBrk="1" latinLnBrk="0" hangingPunct="1">
+        <a:defRPr sz="1920" kern="1200">
           <a:solidFill>
             <a:schemeClr val="tx1"/>
           </a:solidFill>
@@ -2969,8 +3853,8 @@
           <a:cs typeface="+mn-cs"/>
         </a:defRPr>
       </a:lvl1pPr>
-      <a:lvl2pPr marL="457200" algn="l" defTabSz="914400" rtl="0" eaLnBrk="1" latinLnBrk="0" hangingPunct="1">
-        <a:defRPr sz="1800" kern="1200">
+      <a:lvl2pPr marL="487695" algn="l" defTabSz="975390" rtl="0" eaLnBrk="1" latinLnBrk="0" hangingPunct="1">
+        <a:defRPr sz="1920" kern="1200">
           <a:solidFill>
             <a:schemeClr val="tx1"/>
           </a:solidFill>
@@ -2979,8 +3863,8 @@
           <a:cs typeface="+mn-cs"/>
         </a:defRPr>
       </a:lvl2pPr>
-      <a:lvl3pPr marL="914400" algn="l" defTabSz="914400" rtl="0" eaLnBrk="1" latinLnBrk="0" hangingPunct="1">
-        <a:defRPr sz="1800" kern="1200">
+      <a:lvl3pPr marL="975390" algn="l" defTabSz="975390" rtl="0" eaLnBrk="1" latinLnBrk="0" hangingPunct="1">
+        <a:defRPr sz="1920" kern="1200">
           <a:solidFill>
             <a:schemeClr val="tx1"/>
           </a:solidFill>
@@ -2989,8 +3873,8 @@
           <a:cs typeface="+mn-cs"/>
         </a:defRPr>
       </a:lvl3pPr>
-      <a:lvl4pPr marL="1371600" algn="l" defTabSz="914400" rtl="0" eaLnBrk="1" latinLnBrk="0" hangingPunct="1">
-        <a:defRPr sz="1800" kern="1200">
+      <a:lvl4pPr marL="1463086" algn="l" defTabSz="975390" rtl="0" eaLnBrk="1" latinLnBrk="0" hangingPunct="1">
+        <a:defRPr sz="1920" kern="1200">
           <a:solidFill>
             <a:schemeClr val="tx1"/>
           </a:solidFill>
@@ -2999,8 +3883,8 @@
           <a:cs typeface="+mn-cs"/>
         </a:defRPr>
       </a:lvl4pPr>
-      <a:lvl5pPr marL="1828800" algn="l" defTabSz="914400" rtl="0" eaLnBrk="1" latinLnBrk="0" hangingPunct="1">
-        <a:defRPr sz="1800" kern="1200">
+      <a:lvl5pPr marL="1950781" algn="l" defTabSz="975390" rtl="0" eaLnBrk="1" latinLnBrk="0" hangingPunct="1">
+        <a:defRPr sz="1920" kern="1200">
           <a:solidFill>
             <a:schemeClr val="tx1"/>
           </a:solidFill>
@@ -3009,8 +3893,8 @@
           <a:cs typeface="+mn-cs"/>
         </a:defRPr>
       </a:lvl5pPr>
-      <a:lvl6pPr marL="2286000" algn="l" defTabSz="914400" rtl="0" eaLnBrk="1" latinLnBrk="0" hangingPunct="1">
-        <a:defRPr sz="1800" kern="1200">
+      <a:lvl6pPr marL="2438476" algn="l" defTabSz="975390" rtl="0" eaLnBrk="1" latinLnBrk="0" hangingPunct="1">
+        <a:defRPr sz="1920" kern="1200">
           <a:solidFill>
             <a:schemeClr val="tx1"/>
           </a:solidFill>
@@ -3019,8 +3903,8 @@
           <a:cs typeface="+mn-cs"/>
         </a:defRPr>
       </a:lvl6pPr>
-      <a:lvl7pPr marL="2743200" algn="l" defTabSz="914400" rtl="0" eaLnBrk="1" latinLnBrk="0" hangingPunct="1">
-        <a:defRPr sz="1800" kern="1200">
+      <a:lvl7pPr marL="2926171" algn="l" defTabSz="975390" rtl="0" eaLnBrk="1" latinLnBrk="0" hangingPunct="1">
+        <a:defRPr sz="1920" kern="1200">
           <a:solidFill>
             <a:schemeClr val="tx1"/>
           </a:solidFill>
@@ -3029,8 +3913,8 @@
           <a:cs typeface="+mn-cs"/>
         </a:defRPr>
       </a:lvl7pPr>
-      <a:lvl8pPr marL="3200400" algn="l" defTabSz="914400" rtl="0" eaLnBrk="1" latinLnBrk="0" hangingPunct="1">
-        <a:defRPr sz="1800" kern="1200">
+      <a:lvl8pPr marL="3413867" algn="l" defTabSz="975390" rtl="0" eaLnBrk="1" latinLnBrk="0" hangingPunct="1">
+        <a:defRPr sz="1920" kern="1200">
           <a:solidFill>
             <a:schemeClr val="tx1"/>
           </a:solidFill>
@@ -3039,8 +3923,8 @@
           <a:cs typeface="+mn-cs"/>
         </a:defRPr>
       </a:lvl8pPr>
-      <a:lvl9pPr marL="3657600" algn="l" defTabSz="914400" rtl="0" eaLnBrk="1" latinLnBrk="0" hangingPunct="1">
-        <a:defRPr sz="1800" kern="1200">
+      <a:lvl9pPr marL="3901562" algn="l" defTabSz="975390" rtl="0" eaLnBrk="1" latinLnBrk="0" hangingPunct="1">
+        <a:defRPr sz="1920" kern="1200">
           <a:solidFill>
             <a:schemeClr val="tx1"/>
           </a:solidFill>
@@ -3055,7 +3939,7 @@
 </file>
 
 <file path=ppt/slides/slide1.xml><?xml version="1.0" encoding="utf-8"?>
-<p:sld xmlns:p="http://schemas.openxmlformats.org/presentationml/2006/main" xmlns:a="http://schemas.openxmlformats.org/drawingml/2006/main">
+<p:sld xmlns:a="http://schemas.openxmlformats.org/drawingml/2006/main" xmlns:r="http://schemas.openxmlformats.org/officeDocument/2006/relationships" xmlns:p="http://schemas.openxmlformats.org/presentationml/2006/main">
   <p:cSld>
     <p:spTree>
       <p:nvGrpSpPr>
@@ -3073,26 +3957,26 @@
       </p:grpSpPr>
       <p:grpSp>
         <p:nvGrpSpPr>
-          <p:cNvPr name="Group 2" id="2"/>
+          <p:cNvPr id="2" name="Group 2"/>
           <p:cNvGrpSpPr/>
           <p:nvPr/>
         </p:nvGrpSpPr>
         <p:grpSpPr>
-          <a:xfrm rot="0">
-            <a:off x="731520" y="2272453"/>
-            <a:ext cx="8290560" cy="1568027"/>
-            <a:chOff x="0" y="0"/>
-            <a:chExt cx="11054080" cy="2090702"/>
+          <a:xfrm>
+            <a:off x="726656" y="381000"/>
+            <a:ext cx="8295424" cy="3459480"/>
+            <a:chOff x="-6485" y="-2521937"/>
+            <a:chExt cx="11060565" cy="4612639"/>
           </a:xfrm>
         </p:grpSpPr>
         <p:sp>
           <p:nvSpPr>
-            <p:cNvPr name="Freeform 3" id="3"/>
+            <p:cNvPr id="3" name="Freeform 3"/>
             <p:cNvSpPr/>
             <p:nvPr/>
           </p:nvSpPr>
           <p:spPr>
-            <a:xfrm flipH="false" flipV="false" rot="0">
+            <a:xfrm>
               <a:off x="0" y="0"/>
               <a:ext cx="11054080" cy="2090702"/>
             </a:xfrm>
@@ -3101,9 +3985,9 @@
               <a:gdLst/>
               <a:ahLst/>
               <a:cxnLst/>
-              <a:rect r="r" b="b" t="t" l="l"/>
+              <a:rect l="l" t="t" r="r" b="b"/>
               <a:pathLst>
-                <a:path h="2090702" w="11054080">
+                <a:path w="11054080" h="2090702">
                   <a:moveTo>
                     <a:pt x="0" y="0"/>
                   </a:moveTo>
@@ -3126,24 +4010,31 @@
               </a:srgbClr>
             </a:solidFill>
           </p:spPr>
+          <p:txBody>
+            <a:bodyPr/>
+            <a:lstStyle/>
+            <a:p>
+              <a:endParaRPr lang="es-CO"/>
+            </a:p>
+          </p:txBody>
         </p:sp>
         <p:sp>
           <p:nvSpPr>
-            <p:cNvPr name="TextBox 4" id="4"/>
-            <p:cNvSpPr txBox="true"/>
+            <p:cNvPr id="4" name="TextBox 4"/>
+            <p:cNvSpPr txBox="1"/>
             <p:nvPr/>
           </p:nvSpPr>
           <p:spPr>
             <a:xfrm>
-              <a:off x="0" y="-95250"/>
-              <a:ext cx="11054080" cy="2185952"/>
+              <a:off x="-6485" y="-2521937"/>
+              <a:ext cx="11054080" cy="2185953"/>
             </a:xfrm>
             <a:prstGeom prst="rect">
               <a:avLst/>
             </a:prstGeom>
           </p:spPr>
           <p:txBody>
-            <a:bodyPr anchor="ctr" rtlCol="false" tIns="0" lIns="0" bIns="0" rIns="0"/>
+            <a:bodyPr lIns="0" tIns="0" rIns="0" bIns="0" rtlCol="0" anchor="ctr"/>
             <a:lstStyle/>
             <a:p>
               <a:pPr algn="ctr">
@@ -3152,13 +4043,13 @@
                 </a:lnSpc>
               </a:pPr>
               <a:r>
-                <a:rPr lang="en-US" sz="4693">
+                <a:rPr lang="en-US" sz="4693" b="1" dirty="0">
                   <a:solidFill>
                     <a:srgbClr val="000000"/>
                   </a:solidFill>
-                  <a:latin typeface="Calibri (MS)"/>
-                  <a:ea typeface="Calibri (MS)"/>
-                  <a:cs typeface="Calibri (MS)"/>
+                  <a:latin typeface="Ebrima" panose="02000000000000000000" pitchFamily="2" charset="0"/>
+                  <a:ea typeface="Ebrima" panose="02000000000000000000" pitchFamily="2" charset="0"/>
+                  <a:cs typeface="Ebrima" panose="02000000000000000000" pitchFamily="2" charset="0"/>
                   <a:sym typeface="Calibri (MS)"/>
                 </a:rPr>
                 <a:t>Análisis de Dataset Sintético</a:t>
@@ -3167,6 +4058,135 @@
           </p:txBody>
         </p:sp>
       </p:grpSp>
+      <p:sp>
+        <p:nvSpPr>
+          <p:cNvPr id="6" name="CuadroTexto 5">
+            <a:extLst>
+              <a:ext uri="{FF2B5EF4-FFF2-40B4-BE49-F238E27FC236}">
+                <a16:creationId xmlns:a16="http://schemas.microsoft.com/office/drawing/2014/main" id="{35CCC638-5740-3100-9597-30EE363D1B9F}"/>
+              </a:ext>
+            </a:extLst>
+          </p:cNvPr>
+          <p:cNvSpPr txBox="1"/>
+          <p:nvPr/>
+        </p:nvSpPr>
+        <p:spPr>
+          <a:xfrm>
+            <a:off x="2432726" y="2103328"/>
+            <a:ext cx="4878420" cy="3108543"/>
+          </a:xfrm>
+          <a:prstGeom prst="rect">
+            <a:avLst/>
+          </a:prstGeom>
+          <a:noFill/>
+        </p:spPr>
+        <p:txBody>
+          <a:bodyPr wrap="square">
+            <a:spAutoFit/>
+          </a:bodyPr>
+          <a:lstStyle/>
+          <a:p>
+            <a:pPr algn="ctr">
+              <a:lnSpc>
+                <a:spcPct val="150000"/>
+              </a:lnSpc>
+            </a:pPr>
+            <a:r>
+              <a:rPr lang="en-US" sz="2800" dirty="0">
+                <a:solidFill>
+                  <a:srgbClr val="000000"/>
+                </a:solidFill>
+                <a:latin typeface="Ebrima" panose="02000000000000000000" pitchFamily="2" charset="0"/>
+                <a:ea typeface="Ebrima" panose="02000000000000000000" pitchFamily="2" charset="0"/>
+                <a:cs typeface="Ebrima" panose="02000000000000000000" pitchFamily="2" charset="0"/>
+                <a:sym typeface="Calibri (MS)"/>
+              </a:rPr>
+              <a:t>SALOMÉ CADAVID MUÑOZ</a:t>
+            </a:r>
+          </a:p>
+          <a:p>
+            <a:pPr algn="ctr">
+              <a:lnSpc>
+                <a:spcPct val="150000"/>
+              </a:lnSpc>
+            </a:pPr>
+            <a:r>
+              <a:rPr lang="en-US" sz="2800" dirty="0">
+                <a:solidFill>
+                  <a:srgbClr val="000000"/>
+                </a:solidFill>
+                <a:latin typeface="Ebrima" panose="02000000000000000000" pitchFamily="2" charset="0"/>
+                <a:ea typeface="Ebrima" panose="02000000000000000000" pitchFamily="2" charset="0"/>
+                <a:cs typeface="Ebrima" panose="02000000000000000000" pitchFamily="2" charset="0"/>
+                <a:sym typeface="Calibri (MS)"/>
+              </a:rPr>
+              <a:t>SEBASTIAN FORY OSORIO</a:t>
+            </a:r>
+          </a:p>
+          <a:p>
+            <a:pPr algn="ctr">
+              <a:lnSpc>
+                <a:spcPct val="150000"/>
+              </a:lnSpc>
+            </a:pPr>
+            <a:r>
+              <a:rPr lang="en-US" sz="2800" dirty="0">
+                <a:solidFill>
+                  <a:srgbClr val="000000"/>
+                </a:solidFill>
+                <a:latin typeface="Ebrima" panose="02000000000000000000" pitchFamily="2" charset="0"/>
+                <a:ea typeface="Ebrima" panose="02000000000000000000" pitchFamily="2" charset="0"/>
+                <a:cs typeface="Ebrima" panose="02000000000000000000" pitchFamily="2" charset="0"/>
+                <a:sym typeface="Calibri (MS)"/>
+              </a:rPr>
+              <a:t>JUAN CAMILO OVIEDO</a:t>
+            </a:r>
+          </a:p>
+          <a:p>
+            <a:pPr algn="ctr">
+              <a:lnSpc>
+                <a:spcPct val="150000"/>
+              </a:lnSpc>
+            </a:pPr>
+            <a:endParaRPr lang="en-US" sz="2800" dirty="0">
+              <a:solidFill>
+                <a:srgbClr val="000000"/>
+              </a:solidFill>
+              <a:latin typeface="Ebrima" panose="02000000000000000000" pitchFamily="2" charset="0"/>
+              <a:ea typeface="Ebrima" panose="02000000000000000000" pitchFamily="2" charset="0"/>
+              <a:cs typeface="Ebrima" panose="02000000000000000000" pitchFamily="2" charset="0"/>
+              <a:sym typeface="Calibri (MS)"/>
+            </a:endParaRPr>
+          </a:p>
+          <a:p>
+            <a:pPr algn="ctr"/>
+            <a:r>
+              <a:rPr lang="en-US" sz="2800" b="1" dirty="0">
+                <a:solidFill>
+                  <a:srgbClr val="000000"/>
+                </a:solidFill>
+                <a:latin typeface="Ebrima" panose="02000000000000000000" pitchFamily="2" charset="0"/>
+                <a:ea typeface="Ebrima" panose="02000000000000000000" pitchFamily="2" charset="0"/>
+                <a:cs typeface="Ebrima" panose="02000000000000000000" pitchFamily="2" charset="0"/>
+                <a:sym typeface="Calibri (MS)"/>
+              </a:rPr>
+              <a:t>FICHA: </a:t>
+            </a:r>
+            <a:r>
+              <a:rPr lang="en-US" sz="2800" dirty="0">
+                <a:solidFill>
+                  <a:srgbClr val="000000"/>
+                </a:solidFill>
+                <a:latin typeface="Ebrima" panose="02000000000000000000" pitchFamily="2" charset="0"/>
+                <a:ea typeface="Ebrima" panose="02000000000000000000" pitchFamily="2" charset="0"/>
+                <a:cs typeface="Ebrima" panose="02000000000000000000" pitchFamily="2" charset="0"/>
+                <a:sym typeface="Calibri (MS)"/>
+              </a:rPr>
+              <a:t>3145737</a:t>
+            </a:r>
+          </a:p>
+        </p:txBody>
+      </p:sp>
     </p:spTree>
   </p:cSld>
   <p:clrMapOvr>
@@ -3176,7 +4196,7 @@
 </file>
 
 <file path=ppt/slides/slide2.xml><?xml version="1.0" encoding="utf-8"?>
-<p:sld xmlns:p="http://schemas.openxmlformats.org/presentationml/2006/main" xmlns:a="http://schemas.openxmlformats.org/drawingml/2006/main">
+<p:sld xmlns:a="http://schemas.openxmlformats.org/drawingml/2006/main" xmlns:r="http://schemas.openxmlformats.org/officeDocument/2006/relationships" xmlns:p="http://schemas.openxmlformats.org/presentationml/2006/main">
   <p:cSld>
     <p:spTree>
       <p:nvGrpSpPr>
@@ -3194,12 +4214,12 @@
       </p:grpSpPr>
       <p:grpSp>
         <p:nvGrpSpPr>
-          <p:cNvPr name="Group 2" id="2"/>
+          <p:cNvPr id="2" name="Group 2"/>
           <p:cNvGrpSpPr/>
           <p:nvPr/>
         </p:nvGrpSpPr>
         <p:grpSpPr>
-          <a:xfrm rot="0">
+          <a:xfrm>
             <a:off x="487680" y="292947"/>
             <a:ext cx="8778240" cy="1219200"/>
             <a:chOff x="0" y="0"/>
@@ -3208,12 +4228,12 @@
         </p:grpSpPr>
         <p:sp>
           <p:nvSpPr>
-            <p:cNvPr name="Freeform 3" id="3"/>
+            <p:cNvPr id="3" name="Freeform 3"/>
             <p:cNvSpPr/>
             <p:nvPr/>
           </p:nvSpPr>
           <p:spPr>
-            <a:xfrm flipH="false" flipV="false" rot="0">
+            <a:xfrm>
               <a:off x="0" y="0"/>
               <a:ext cx="11704320" cy="1625600"/>
             </a:xfrm>
@@ -3222,9 +4242,9 @@
               <a:gdLst/>
               <a:ahLst/>
               <a:cxnLst/>
-              <a:rect r="r" b="b" t="t" l="l"/>
+              <a:rect l="l" t="t" r="r" b="b"/>
               <a:pathLst>
-                <a:path h="1625600" w="11704320">
+                <a:path w="11704320" h="1625600">
                   <a:moveTo>
                     <a:pt x="0" y="0"/>
                   </a:moveTo>
@@ -3247,11 +4267,18 @@
               </a:srgbClr>
             </a:solidFill>
           </p:spPr>
+          <p:txBody>
+            <a:bodyPr/>
+            <a:lstStyle/>
+            <a:p>
+              <a:endParaRPr lang="es-CO"/>
+            </a:p>
+          </p:txBody>
         </p:sp>
         <p:sp>
           <p:nvSpPr>
-            <p:cNvPr name="TextBox 4" id="4"/>
-            <p:cNvSpPr txBox="true"/>
+            <p:cNvPr id="4" name="TextBox 4"/>
+            <p:cNvSpPr txBox="1"/>
             <p:nvPr/>
           </p:nvSpPr>
           <p:spPr>
@@ -3264,7 +4291,7 @@
             </a:prstGeom>
           </p:spPr>
           <p:txBody>
-            <a:bodyPr anchor="ctr" rtlCol="false" tIns="0" lIns="0" bIns="0" rIns="0"/>
+            <a:bodyPr lIns="0" tIns="0" rIns="0" bIns="0" rtlCol="0" anchor="ctr"/>
             <a:lstStyle/>
             <a:p>
               <a:pPr algn="ctr">
@@ -3273,13 +4300,13 @@
                 </a:lnSpc>
               </a:pPr>
               <a:r>
-                <a:rPr lang="en-US" sz="4693">
+                <a:rPr lang="en-US" sz="4693" b="1" dirty="0">
                   <a:solidFill>
                     <a:srgbClr val="000000"/>
                   </a:solidFill>
-                  <a:latin typeface="Calibri (MS)"/>
-                  <a:ea typeface="Calibri (MS)"/>
-                  <a:cs typeface="Calibri (MS)"/>
+                  <a:latin typeface="Ebrima" panose="02000000000000000000" pitchFamily="2" charset="0"/>
+                  <a:ea typeface="Ebrima" panose="02000000000000000000" pitchFamily="2" charset="0"/>
+                  <a:cs typeface="Ebrima" panose="02000000000000000000" pitchFamily="2" charset="0"/>
                   <a:sym typeface="Calibri (MS)"/>
                 </a:rPr>
                 <a:t>Descripción del Dataset</a:t>
@@ -3290,156 +4317,153 @@
       </p:grpSp>
       <p:sp>
         <p:nvSpPr>
-          <p:cNvPr name="TextBox 5" id="5"/>
-          <p:cNvSpPr txBox="true"/>
+          <p:cNvPr id="5" name="TextBox 5"/>
+          <p:cNvSpPr txBox="1"/>
           <p:nvPr/>
         </p:nvSpPr>
         <p:spPr>
-          <a:xfrm rot="0">
-            <a:off x="579120" y="1685925"/>
-            <a:ext cx="8595360" cy="4802929"/>
+          <a:xfrm>
+            <a:off x="579120" y="1981200"/>
+            <a:ext cx="8595360" cy="3664593"/>
           </a:xfrm>
           <a:prstGeom prst="rect">
             <a:avLst/>
           </a:prstGeom>
         </p:spPr>
         <p:txBody>
-          <a:bodyPr anchor="t" rtlCol="false" tIns="0" lIns="0" bIns="0" rIns="0">
+          <a:bodyPr lIns="0" tIns="0" rIns="0" bIns="0" rtlCol="0" anchor="t">
             <a:spAutoFit/>
           </a:bodyPr>
           <a:lstStyle/>
           <a:p>
-            <a:pPr algn="l" marL="439273" indent="-219637" lvl="1">
-              <a:lnSpc>
-                <a:spcPts val="4095"/>
-              </a:lnSpc>
-              <a:buFont typeface="Arial"/>
-              <a:buChar char="•"/>
-            </a:pPr>
-            <a:r>
-              <a:rPr lang="en-US" sz="3413">
-                <a:solidFill>
-                  <a:srgbClr val="000000"/>
-                </a:solidFill>
-                <a:latin typeface="Calibri (MS)"/>
-                <a:ea typeface="Calibri (MS)"/>
-                <a:cs typeface="Calibri (MS)"/>
-                <a:sym typeface="Calibri (MS)"/>
-              </a:rPr>
-              <a:t>• 50 registros generados sintéticamente</a:t>
-            </a:r>
-          </a:p>
-          <a:p>
-            <a:pPr algn="l" marL="439273" indent="-219637" lvl="1">
-              <a:lnSpc>
-                <a:spcPts val="4095"/>
-              </a:lnSpc>
-              <a:buFont typeface="Arial"/>
-              <a:buChar char="•"/>
-            </a:pPr>
-            <a:r>
-              <a:rPr lang="en-US" sz="3413">
-                <a:solidFill>
-                  <a:srgbClr val="000000"/>
-                </a:solidFill>
-                <a:latin typeface="Calibri (MS)"/>
-                <a:ea typeface="Calibri (MS)"/>
-                <a:cs typeface="Calibri (MS)"/>
-                <a:sym typeface="Calibri (MS)"/>
-              </a:rPr>
-              <a:t>• Variables:</a:t>
-            </a:r>
-          </a:p>
-          <a:p>
-            <a:pPr algn="l" marL="439273" indent="-219637" lvl="1">
-              <a:lnSpc>
-                <a:spcPts val="4095"/>
-              </a:lnSpc>
-              <a:buFont typeface="Arial"/>
-              <a:buChar char="•"/>
-            </a:pPr>
-            <a:r>
-              <a:rPr lang="en-US" sz="3413">
-                <a:solidFill>
-                  <a:srgbClr val="000000"/>
-                </a:solidFill>
-                <a:latin typeface="Calibri (MS)"/>
-                <a:ea typeface="Calibri (MS)"/>
-                <a:cs typeface="Calibri (MS)"/>
-                <a:sym typeface="Calibri (MS)"/>
-              </a:rPr>
-              <a:t>   - Temperatura</a:t>
-            </a:r>
-          </a:p>
-          <a:p>
-            <a:pPr algn="l" marL="439273" indent="-219637" lvl="1">
-              <a:lnSpc>
-                <a:spcPts val="4095"/>
-              </a:lnSpc>
-              <a:buFont typeface="Arial"/>
-              <a:buChar char="•"/>
-            </a:pPr>
-            <a:r>
-              <a:rPr lang="en-US" sz="3413">
-                <a:solidFill>
-                  <a:srgbClr val="000000"/>
-                </a:solidFill>
-                <a:latin typeface="Calibri (MS)"/>
-                <a:ea typeface="Calibri (MS)"/>
-                <a:cs typeface="Calibri (MS)"/>
-                <a:sym typeface="Calibri (MS)"/>
-              </a:rPr>
-              <a:t>   - Promoción</a:t>
-            </a:r>
-          </a:p>
-          <a:p>
-            <a:pPr algn="l" marL="439273" indent="-219637" lvl="1">
-              <a:lnSpc>
-                <a:spcPts val="4095"/>
-              </a:lnSpc>
-              <a:buFont typeface="Arial"/>
-              <a:buChar char="•"/>
-            </a:pPr>
-            <a:r>
-              <a:rPr lang="en-US" sz="3413">
-                <a:solidFill>
-                  <a:srgbClr val="000000"/>
-                </a:solidFill>
-                <a:latin typeface="Calibri (MS)"/>
-                <a:ea typeface="Calibri (MS)"/>
-                <a:cs typeface="Calibri (MS)"/>
-                <a:sym typeface="Calibri (MS)"/>
-              </a:rPr>
-              <a:t>   - Fin de Semana</a:t>
-            </a:r>
-          </a:p>
-          <a:p>
-            <a:pPr algn="l" marL="439273" indent="-219637" lvl="1">
-              <a:lnSpc>
-                <a:spcPts val="4095"/>
-              </a:lnSpc>
-              <a:buFont typeface="Arial"/>
-              <a:buChar char="•"/>
-            </a:pPr>
-            <a:r>
-              <a:rPr lang="en-US" sz="3413">
-                <a:solidFill>
-                  <a:srgbClr val="000000"/>
-                </a:solidFill>
-                <a:latin typeface="Calibri (MS)"/>
-                <a:ea typeface="Calibri (MS)"/>
-                <a:cs typeface="Calibri (MS)"/>
-                <a:sym typeface="Calibri (MS)"/>
-              </a:rPr>
-              <a:t>   - Ventas</a:t>
-            </a:r>
-          </a:p>
-          <a:p>
-            <a:pPr algn="l" marL="439273" indent="-219637" lvl="1">
+            <a:pPr marL="219636" lvl="1" algn="l">
               <a:lnSpc>
                 <a:spcPts val="4095"/>
               </a:lnSpc>
             </a:pPr>
+            <a:r>
+              <a:rPr lang="en-US" sz="3413" dirty="0">
+                <a:solidFill>
+                  <a:srgbClr val="000000"/>
+                </a:solidFill>
+                <a:latin typeface="Ebrima" panose="02000000000000000000" pitchFamily="2" charset="0"/>
+                <a:ea typeface="Ebrima" panose="02000000000000000000" pitchFamily="2" charset="0"/>
+                <a:cs typeface="Ebrima" panose="02000000000000000000" pitchFamily="2" charset="0"/>
+                <a:sym typeface="Calibri (MS)"/>
+              </a:rPr>
+              <a:t>• 50 registros generados sintéticamente</a:t>
+            </a:r>
+          </a:p>
+          <a:p>
+            <a:pPr marL="219636" lvl="1" algn="l">
+              <a:lnSpc>
+                <a:spcPts val="4095"/>
+              </a:lnSpc>
+            </a:pPr>
+            <a:r>
+              <a:rPr lang="en-US" sz="3413" dirty="0">
+                <a:solidFill>
+                  <a:srgbClr val="000000"/>
+                </a:solidFill>
+                <a:latin typeface="Ebrima" panose="02000000000000000000" pitchFamily="2" charset="0"/>
+                <a:ea typeface="Ebrima" panose="02000000000000000000" pitchFamily="2" charset="0"/>
+                <a:cs typeface="Ebrima" panose="02000000000000000000" pitchFamily="2" charset="0"/>
+                <a:sym typeface="Calibri (MS)"/>
+              </a:rPr>
+              <a:t>• Variables:</a:t>
+            </a:r>
+          </a:p>
+          <a:p>
+            <a:pPr marL="219636" lvl="1" algn="l">
+              <a:lnSpc>
+                <a:spcPts val="4095"/>
+              </a:lnSpc>
+            </a:pPr>
+            <a:r>
+              <a:rPr lang="en-US" sz="3413" dirty="0">
+                <a:solidFill>
+                  <a:srgbClr val="000000"/>
+                </a:solidFill>
+                <a:latin typeface="Ebrima" panose="02000000000000000000" pitchFamily="2" charset="0"/>
+                <a:ea typeface="Ebrima" panose="02000000000000000000" pitchFamily="2" charset="0"/>
+                <a:cs typeface="Ebrima" panose="02000000000000000000" pitchFamily="2" charset="0"/>
+                <a:sym typeface="Calibri (MS)"/>
+              </a:rPr>
+              <a:t>   - Temperatura</a:t>
+            </a:r>
+          </a:p>
+          <a:p>
+            <a:pPr marL="219636" lvl="1" algn="l">
+              <a:lnSpc>
+                <a:spcPts val="4095"/>
+              </a:lnSpc>
+            </a:pPr>
+            <a:r>
+              <a:rPr lang="en-US" sz="3413" dirty="0">
+                <a:solidFill>
+                  <a:srgbClr val="000000"/>
+                </a:solidFill>
+                <a:latin typeface="Ebrima" panose="02000000000000000000" pitchFamily="2" charset="0"/>
+                <a:ea typeface="Ebrima" panose="02000000000000000000" pitchFamily="2" charset="0"/>
+                <a:cs typeface="Ebrima" panose="02000000000000000000" pitchFamily="2" charset="0"/>
+                <a:sym typeface="Calibri (MS)"/>
+              </a:rPr>
+              <a:t>   - Promoción</a:t>
+            </a:r>
+          </a:p>
+          <a:p>
+            <a:pPr marL="219636" lvl="1" algn="l">
+              <a:lnSpc>
+                <a:spcPts val="4095"/>
+              </a:lnSpc>
+            </a:pPr>
+            <a:r>
+              <a:rPr lang="en-US" sz="3413" dirty="0">
+                <a:solidFill>
+                  <a:srgbClr val="000000"/>
+                </a:solidFill>
+                <a:latin typeface="Ebrima" panose="02000000000000000000" pitchFamily="2" charset="0"/>
+                <a:ea typeface="Ebrima" panose="02000000000000000000" pitchFamily="2" charset="0"/>
+                <a:cs typeface="Ebrima" panose="02000000000000000000" pitchFamily="2" charset="0"/>
+                <a:sym typeface="Calibri (MS)"/>
+              </a:rPr>
+              <a:t>   - Fin de Semana</a:t>
+            </a:r>
+          </a:p>
+          <a:p>
+            <a:pPr marL="219636" lvl="1" algn="l">
+              <a:lnSpc>
+                <a:spcPts val="4095"/>
+              </a:lnSpc>
+            </a:pPr>
+            <a:r>
+              <a:rPr lang="en-US" sz="3413" dirty="0">
+                <a:solidFill>
+                  <a:srgbClr val="000000"/>
+                </a:solidFill>
+                <a:latin typeface="Ebrima" panose="02000000000000000000" pitchFamily="2" charset="0"/>
+                <a:ea typeface="Ebrima" panose="02000000000000000000" pitchFamily="2" charset="0"/>
+                <a:cs typeface="Ebrima" panose="02000000000000000000" pitchFamily="2" charset="0"/>
+                <a:sym typeface="Calibri (MS)"/>
+              </a:rPr>
+              <a:t>   - Ventas</a:t>
+            </a:r>
+          </a:p>
+          <a:p>
+            <a:pPr marL="439273" lvl="1" indent="-219637" algn="l">
+              <a:lnSpc>
+                <a:spcPts val="4095"/>
+              </a:lnSpc>
+            </a:pPr>
+            <a:endParaRPr lang="en-US" sz="3413" dirty="0">
+              <a:solidFill>
+                <a:srgbClr val="000000"/>
+              </a:solidFill>
+              <a:latin typeface="Calibri (MS)"/>
+              <a:ea typeface="Calibri (MS)"/>
+              <a:cs typeface="Calibri (MS)"/>
+              <a:sym typeface="Calibri (MS)"/>
+            </a:endParaRPr>
           </a:p>
         </p:txBody>
       </p:sp>
@@ -3452,7 +4476,7 @@
 </file>
 
 <file path=ppt/slides/slide3.xml><?xml version="1.0" encoding="utf-8"?>
-<p:sld xmlns:p="http://schemas.openxmlformats.org/presentationml/2006/main" xmlns:a="http://schemas.openxmlformats.org/drawingml/2006/main" xmlns:r="http://schemas.openxmlformats.org/officeDocument/2006/relationships">
+<p:sld xmlns:a="http://schemas.openxmlformats.org/drawingml/2006/main" xmlns:r="http://schemas.openxmlformats.org/officeDocument/2006/relationships" xmlns:p="http://schemas.openxmlformats.org/presentationml/2006/main">
   <p:cSld>
     <p:spTree>
       <p:nvGrpSpPr>
@@ -3470,12 +4494,12 @@
       </p:grpSpPr>
       <p:grpSp>
         <p:nvGrpSpPr>
-          <p:cNvPr name="Group 2" id="2"/>
+          <p:cNvPr id="2" name="Group 2"/>
           <p:cNvGrpSpPr/>
           <p:nvPr/>
         </p:nvGrpSpPr>
         <p:grpSpPr>
-          <a:xfrm rot="0">
+          <a:xfrm>
             <a:off x="487680" y="292947"/>
             <a:ext cx="8778240" cy="1219200"/>
             <a:chOff x="0" y="0"/>
@@ -3484,12 +4508,12 @@
         </p:grpSpPr>
         <p:sp>
           <p:nvSpPr>
-            <p:cNvPr name="Freeform 3" id="3"/>
+            <p:cNvPr id="3" name="Freeform 3"/>
             <p:cNvSpPr/>
             <p:nvPr/>
           </p:nvSpPr>
           <p:spPr>
-            <a:xfrm flipH="false" flipV="false" rot="0">
+            <a:xfrm>
               <a:off x="0" y="0"/>
               <a:ext cx="11704320" cy="1625600"/>
             </a:xfrm>
@@ -3498,9 +4522,9 @@
               <a:gdLst/>
               <a:ahLst/>
               <a:cxnLst/>
-              <a:rect r="r" b="b" t="t" l="l"/>
+              <a:rect l="l" t="t" r="r" b="b"/>
               <a:pathLst>
-                <a:path h="1625600" w="11704320">
+                <a:path w="11704320" h="1625600">
                   <a:moveTo>
                     <a:pt x="0" y="0"/>
                   </a:moveTo>
@@ -3523,11 +4547,18 @@
               </a:srgbClr>
             </a:solidFill>
           </p:spPr>
+          <p:txBody>
+            <a:bodyPr/>
+            <a:lstStyle/>
+            <a:p>
+              <a:endParaRPr lang="es-CO"/>
+            </a:p>
+          </p:txBody>
         </p:sp>
         <p:sp>
           <p:nvSpPr>
-            <p:cNvPr name="TextBox 4" id="4"/>
-            <p:cNvSpPr txBox="true"/>
+            <p:cNvPr id="4" name="TextBox 4"/>
+            <p:cNvSpPr txBox="1"/>
             <p:nvPr/>
           </p:nvSpPr>
           <p:spPr>
@@ -3540,7 +4571,7 @@
             </a:prstGeom>
           </p:spPr>
           <p:txBody>
-            <a:bodyPr anchor="ctr" rtlCol="false" tIns="0" lIns="0" bIns="0" rIns="0"/>
+            <a:bodyPr lIns="0" tIns="0" rIns="0" bIns="0" rtlCol="0" anchor="ctr"/>
             <a:lstStyle/>
             <a:p>
               <a:pPr algn="ctr">
@@ -3549,13 +4580,13 @@
                 </a:lnSpc>
               </a:pPr>
               <a:r>
-                <a:rPr lang="en-US" sz="4693">
+                <a:rPr lang="en-US" sz="4693" b="1" dirty="0">
                   <a:solidFill>
                     <a:srgbClr val="000000"/>
                   </a:solidFill>
-                  <a:latin typeface="Calibri (MS)"/>
-                  <a:ea typeface="Calibri (MS)"/>
-                  <a:cs typeface="Calibri (MS)"/>
+                  <a:latin typeface="Ebrima" panose="02000000000000000000" pitchFamily="2" charset="0"/>
+                  <a:ea typeface="Ebrima" panose="02000000000000000000" pitchFamily="2" charset="0"/>
+                  <a:cs typeface="Ebrima" panose="02000000000000000000" pitchFamily="2" charset="0"/>
                   <a:sym typeface="Calibri (MS)"/>
                 </a:rPr>
                 <a:t>Relación Temperatura - Ventas</a:t>
@@ -3566,23 +4597,23 @@
       </p:grpSp>
       <p:sp>
         <p:nvSpPr>
-          <p:cNvPr name="Freeform 5" id="5"/>
+          <p:cNvPr id="5" name="Freeform 5"/>
           <p:cNvSpPr/>
           <p:nvPr/>
         </p:nvSpPr>
         <p:spPr>
-          <a:xfrm flipH="false" flipV="false" rot="0">
-            <a:off x="1043249" y="1383526"/>
-            <a:ext cx="7667103" cy="5649068"/>
+          <a:xfrm>
+            <a:off x="1588424" y="1583584"/>
+            <a:ext cx="6576751" cy="4746594"/>
           </a:xfrm>
           <a:custGeom>
             <a:avLst/>
             <a:gdLst/>
             <a:ahLst/>
             <a:cxnLst/>
-            <a:rect r="r" b="b" t="t" l="l"/>
+            <a:rect l="l" t="t" r="r" b="b"/>
             <a:pathLst>
-              <a:path h="5649068" w="7667103">
+              <a:path w="7667103" h="5649068">
                 <a:moveTo>
                   <a:pt x="0" y="0"/>
                 </a:moveTo>
@@ -3605,10 +4636,17 @@
           <a:blipFill>
             <a:blip r:embed="rId2"/>
             <a:stretch>
-              <a:fillRect l="-1052" t="-2029" r="-1052" b="0"/>
+              <a:fillRect l="-1052" t="-2029" r="-1052"/>
             </a:stretch>
           </a:blipFill>
         </p:spPr>
+        <p:txBody>
+          <a:bodyPr/>
+          <a:lstStyle/>
+          <a:p>
+            <a:endParaRPr lang="es-CO"/>
+          </a:p>
+        </p:txBody>
       </p:sp>
     </p:spTree>
   </p:cSld>
@@ -3619,7 +4657,7 @@
 </file>
 
 <file path=ppt/slides/slide4.xml><?xml version="1.0" encoding="utf-8"?>
-<p:sld xmlns:p="http://schemas.openxmlformats.org/presentationml/2006/main" xmlns:a="http://schemas.openxmlformats.org/drawingml/2006/main" xmlns:r="http://schemas.openxmlformats.org/officeDocument/2006/relationships">
+<p:sld xmlns:a="http://schemas.openxmlformats.org/drawingml/2006/main" xmlns:r="http://schemas.openxmlformats.org/officeDocument/2006/relationships" xmlns:p="http://schemas.openxmlformats.org/presentationml/2006/main">
   <p:cSld>
     <p:spTree>
       <p:nvGrpSpPr>
@@ -3637,12 +4675,12 @@
       </p:grpSpPr>
       <p:grpSp>
         <p:nvGrpSpPr>
-          <p:cNvPr name="Group 2" id="2"/>
+          <p:cNvPr id="2" name="Group 2"/>
           <p:cNvGrpSpPr/>
           <p:nvPr/>
         </p:nvGrpSpPr>
         <p:grpSpPr>
-          <a:xfrm rot="0">
+          <a:xfrm>
             <a:off x="487680" y="292947"/>
             <a:ext cx="8778240" cy="1219200"/>
             <a:chOff x="0" y="0"/>
@@ -3651,12 +4689,12 @@
         </p:grpSpPr>
         <p:sp>
           <p:nvSpPr>
-            <p:cNvPr name="Freeform 3" id="3"/>
+            <p:cNvPr id="3" name="Freeform 3"/>
             <p:cNvSpPr/>
             <p:nvPr/>
           </p:nvSpPr>
           <p:spPr>
-            <a:xfrm flipH="false" flipV="false" rot="0">
+            <a:xfrm>
               <a:off x="0" y="0"/>
               <a:ext cx="11704320" cy="1625600"/>
             </a:xfrm>
@@ -3665,9 +4703,9 @@
               <a:gdLst/>
               <a:ahLst/>
               <a:cxnLst/>
-              <a:rect r="r" b="b" t="t" l="l"/>
+              <a:rect l="l" t="t" r="r" b="b"/>
               <a:pathLst>
-                <a:path h="1625600" w="11704320">
+                <a:path w="11704320" h="1625600">
                   <a:moveTo>
                     <a:pt x="0" y="0"/>
                   </a:moveTo>
@@ -3690,11 +4728,18 @@
               </a:srgbClr>
             </a:solidFill>
           </p:spPr>
+          <p:txBody>
+            <a:bodyPr/>
+            <a:lstStyle/>
+            <a:p>
+              <a:endParaRPr lang="es-CO"/>
+            </a:p>
+          </p:txBody>
         </p:sp>
         <p:sp>
           <p:nvSpPr>
-            <p:cNvPr name="TextBox 4" id="4"/>
-            <p:cNvSpPr txBox="true"/>
+            <p:cNvPr id="4" name="TextBox 4"/>
+            <p:cNvSpPr txBox="1"/>
             <p:nvPr/>
           </p:nvSpPr>
           <p:spPr>
@@ -3707,7 +4752,7 @@
             </a:prstGeom>
           </p:spPr>
           <p:txBody>
-            <a:bodyPr anchor="ctr" rtlCol="false" tIns="0" lIns="0" bIns="0" rIns="0"/>
+            <a:bodyPr lIns="0" tIns="0" rIns="0" bIns="0" rtlCol="0" anchor="ctr"/>
             <a:lstStyle/>
             <a:p>
               <a:pPr algn="ctr">
@@ -3716,13 +4761,13 @@
                 </a:lnSpc>
               </a:pPr>
               <a:r>
-                <a:rPr lang="en-US" sz="4693">
+                <a:rPr lang="en-US" sz="4693" b="1" dirty="0">
                   <a:solidFill>
                     <a:srgbClr val="000000"/>
                   </a:solidFill>
-                  <a:latin typeface="Calibri (MS)"/>
-                  <a:ea typeface="Calibri (MS)"/>
-                  <a:cs typeface="Calibri (MS)"/>
+                  <a:latin typeface="Ebrima" panose="02000000000000000000" pitchFamily="2" charset="0"/>
+                  <a:ea typeface="Ebrima" panose="02000000000000000000" pitchFamily="2" charset="0"/>
+                  <a:cs typeface="Ebrima" panose="02000000000000000000" pitchFamily="2" charset="0"/>
                   <a:sym typeface="Calibri (MS)"/>
                 </a:rPr>
                 <a:t>Relación Promoción - Ventas</a:t>
@@ -3733,14 +4778,14 @@
       </p:grpSp>
       <p:grpSp>
         <p:nvGrpSpPr>
-          <p:cNvPr name="Group 5" id="5"/>
+          <p:cNvPr id="5" name="Group 5"/>
           <p:cNvGrpSpPr>
-            <a:grpSpLocks noChangeAspect="true"/>
+            <a:grpSpLocks noChangeAspect="1"/>
           </p:cNvGrpSpPr>
           <p:nvPr/>
         </p:nvGrpSpPr>
         <p:grpSpPr>
-          <a:xfrm rot="0">
+          <a:xfrm>
             <a:off x="975360" y="1683283"/>
             <a:ext cx="7802880" cy="4681728"/>
             <a:chOff x="0" y="0"/>
@@ -3749,12 +4794,12 @@
         </p:grpSpPr>
         <p:sp>
           <p:nvSpPr>
-            <p:cNvPr name="Freeform 6" id="6" descr="scatter_prom_ventas.png"/>
+            <p:cNvPr id="6" name="Freeform 6" descr="scatter_prom_ventas.png"/>
             <p:cNvSpPr/>
             <p:nvPr/>
           </p:nvSpPr>
           <p:spPr>
-            <a:xfrm flipH="false" flipV="false" rot="0">
+            <a:xfrm>
               <a:off x="0" y="0"/>
               <a:ext cx="10403840" cy="6242304"/>
             </a:xfrm>
@@ -3763,9 +4808,9 @@
               <a:gdLst/>
               <a:ahLst/>
               <a:cxnLst/>
-              <a:rect r="r" b="b" t="t" l="l"/>
+              <a:rect l="l" t="t" r="r" b="b"/>
               <a:pathLst>
-                <a:path h="6242304" w="10403840">
+                <a:path w="10403840" h="6242304">
                   <a:moveTo>
                     <a:pt x="0" y="0"/>
                   </a:moveTo>
@@ -3788,10 +4833,17 @@
             <a:blipFill>
               <a:blip r:embed="rId2"/>
               <a:stretch>
-                <a:fillRect l="0" t="0" r="0" b="0"/>
+                <a:fillRect/>
               </a:stretch>
             </a:blipFill>
           </p:spPr>
+          <p:txBody>
+            <a:bodyPr/>
+            <a:lstStyle/>
+            <a:p>
+              <a:endParaRPr lang="es-CO"/>
+            </a:p>
+          </p:txBody>
         </p:sp>
       </p:grpSp>
     </p:spTree>
@@ -3803,7 +4855,7 @@
 </file>
 
 <file path=ppt/slides/slide5.xml><?xml version="1.0" encoding="utf-8"?>
-<p:sld xmlns:p="http://schemas.openxmlformats.org/presentationml/2006/main" xmlns:a="http://schemas.openxmlformats.org/drawingml/2006/main" xmlns:r="http://schemas.openxmlformats.org/officeDocument/2006/relationships">
+<p:sld xmlns:a="http://schemas.openxmlformats.org/drawingml/2006/main" xmlns:r="http://schemas.openxmlformats.org/officeDocument/2006/relationships" xmlns:p="http://schemas.openxmlformats.org/presentationml/2006/main">
   <p:cSld>
     <p:spTree>
       <p:nvGrpSpPr>
@@ -3821,12 +4873,12 @@
       </p:grpSpPr>
       <p:grpSp>
         <p:nvGrpSpPr>
-          <p:cNvPr name="Group 2" id="2"/>
+          <p:cNvPr id="2" name="Group 2"/>
           <p:cNvGrpSpPr/>
           <p:nvPr/>
         </p:nvGrpSpPr>
         <p:grpSpPr>
-          <a:xfrm rot="0">
+          <a:xfrm>
             <a:off x="487680" y="292947"/>
             <a:ext cx="8778240" cy="1219200"/>
             <a:chOff x="0" y="0"/>
@@ -3835,12 +4887,12 @@
         </p:grpSpPr>
         <p:sp>
           <p:nvSpPr>
-            <p:cNvPr name="Freeform 3" id="3"/>
+            <p:cNvPr id="3" name="Freeform 3"/>
             <p:cNvSpPr/>
             <p:nvPr/>
           </p:nvSpPr>
           <p:spPr>
-            <a:xfrm flipH="false" flipV="false" rot="0">
+            <a:xfrm>
               <a:off x="0" y="0"/>
               <a:ext cx="11704320" cy="1625600"/>
             </a:xfrm>
@@ -3849,9 +4901,9 @@
               <a:gdLst/>
               <a:ahLst/>
               <a:cxnLst/>
-              <a:rect r="r" b="b" t="t" l="l"/>
+              <a:rect l="l" t="t" r="r" b="b"/>
               <a:pathLst>
-                <a:path h="1625600" w="11704320">
+                <a:path w="11704320" h="1625600">
                   <a:moveTo>
                     <a:pt x="0" y="0"/>
                   </a:moveTo>
@@ -3874,11 +4926,18 @@
               </a:srgbClr>
             </a:solidFill>
           </p:spPr>
+          <p:txBody>
+            <a:bodyPr/>
+            <a:lstStyle/>
+            <a:p>
+              <a:endParaRPr lang="es-CO"/>
+            </a:p>
+          </p:txBody>
         </p:sp>
         <p:sp>
           <p:nvSpPr>
-            <p:cNvPr name="TextBox 4" id="4"/>
-            <p:cNvSpPr txBox="true"/>
+            <p:cNvPr id="4" name="TextBox 4"/>
+            <p:cNvSpPr txBox="1"/>
             <p:nvPr/>
           </p:nvSpPr>
           <p:spPr>
@@ -3891,7 +4950,7 @@
             </a:prstGeom>
           </p:spPr>
           <p:txBody>
-            <a:bodyPr anchor="ctr" rtlCol="false" tIns="0" lIns="0" bIns="0" rIns="0"/>
+            <a:bodyPr lIns="0" tIns="0" rIns="0" bIns="0" rtlCol="0" anchor="ctr"/>
             <a:lstStyle/>
             <a:p>
               <a:pPr algn="ctr">
@@ -3900,13 +4959,13 @@
                 </a:lnSpc>
               </a:pPr>
               <a:r>
-                <a:rPr lang="en-US" sz="4693">
+                <a:rPr lang="en-US" sz="4693" b="1" dirty="0">
                   <a:solidFill>
                     <a:srgbClr val="000000"/>
                   </a:solidFill>
-                  <a:latin typeface="Calibri (MS)"/>
-                  <a:ea typeface="Calibri (MS)"/>
-                  <a:cs typeface="Calibri (MS)"/>
+                  <a:latin typeface="Ebrima" panose="02000000000000000000" pitchFamily="2" charset="0"/>
+                  <a:ea typeface="Ebrima" panose="02000000000000000000" pitchFamily="2" charset="0"/>
+                  <a:cs typeface="Ebrima" panose="02000000000000000000" pitchFamily="2" charset="0"/>
                   <a:sym typeface="Calibri (MS)"/>
                 </a:rPr>
                 <a:t>Relación Fin de Semana - Ventas</a:t>
@@ -3917,14 +4976,14 @@
       </p:grpSp>
       <p:grpSp>
         <p:nvGrpSpPr>
-          <p:cNvPr name="Group 5" id="5"/>
+          <p:cNvPr id="5" name="Group 5"/>
           <p:cNvGrpSpPr>
-            <a:grpSpLocks noChangeAspect="true"/>
+            <a:grpSpLocks noChangeAspect="1"/>
           </p:cNvGrpSpPr>
           <p:nvPr/>
         </p:nvGrpSpPr>
         <p:grpSpPr>
-          <a:xfrm rot="0">
+          <a:xfrm>
             <a:off x="975360" y="1722612"/>
             <a:ext cx="7802880" cy="4681728"/>
             <a:chOff x="0" y="0"/>
@@ -3933,12 +4992,12 @@
         </p:grpSpPr>
         <p:sp>
           <p:nvSpPr>
-            <p:cNvPr name="Freeform 6" id="6" descr="scatter_weekend_ventas.png"/>
+            <p:cNvPr id="6" name="Freeform 6" descr="scatter_weekend_ventas.png"/>
             <p:cNvSpPr/>
             <p:nvPr/>
           </p:nvSpPr>
           <p:spPr>
-            <a:xfrm flipH="false" flipV="false" rot="0">
+            <a:xfrm>
               <a:off x="0" y="0"/>
               <a:ext cx="10403840" cy="6242304"/>
             </a:xfrm>
@@ -3947,9 +5006,9 @@
               <a:gdLst/>
               <a:ahLst/>
               <a:cxnLst/>
-              <a:rect r="r" b="b" t="t" l="l"/>
+              <a:rect l="l" t="t" r="r" b="b"/>
               <a:pathLst>
-                <a:path h="6242304" w="10403840">
+                <a:path w="10403840" h="6242304">
                   <a:moveTo>
                     <a:pt x="0" y="0"/>
                   </a:moveTo>
@@ -3972,10 +5031,17 @@
             <a:blipFill>
               <a:blip r:embed="rId2"/>
               <a:stretch>
-                <a:fillRect l="0" t="0" r="0" b="0"/>
+                <a:fillRect/>
               </a:stretch>
             </a:blipFill>
           </p:spPr>
+          <p:txBody>
+            <a:bodyPr/>
+            <a:lstStyle/>
+            <a:p>
+              <a:endParaRPr lang="es-CO"/>
+            </a:p>
+          </p:txBody>
         </p:sp>
       </p:grpSp>
     </p:spTree>
@@ -3987,7 +5053,124 @@
 </file>
 
 <file path=ppt/slides/slide6.xml><?xml version="1.0" encoding="utf-8"?>
-<p:sld xmlns:p="http://schemas.openxmlformats.org/presentationml/2006/main" xmlns:a="http://schemas.openxmlformats.org/drawingml/2006/main" xmlns:r="http://schemas.openxmlformats.org/officeDocument/2006/relationships">
+<p:sld xmlns:a="http://schemas.openxmlformats.org/drawingml/2006/main" xmlns:r="http://schemas.openxmlformats.org/officeDocument/2006/relationships" xmlns:p="http://schemas.openxmlformats.org/presentationml/2006/main">
+  <p:cSld>
+    <p:spTree>
+      <p:nvGrpSpPr>
+        <p:cNvPr id="1" name=""/>
+        <p:cNvGrpSpPr/>
+        <p:nvPr/>
+      </p:nvGrpSpPr>
+      <p:grpSpPr>
+        <a:xfrm>
+          <a:off x="0" y="0"/>
+          <a:ext cx="0" cy="0"/>
+          <a:chOff x="0" y="0"/>
+          <a:chExt cx="0" cy="0"/>
+        </a:xfrm>
+      </p:grpSpPr>
+      <p:sp>
+        <p:nvSpPr>
+          <p:cNvPr id="4" name="TextBox 4"/>
+          <p:cNvSpPr txBox="1"/>
+          <p:nvPr/>
+        </p:nvSpPr>
+        <p:spPr>
+          <a:xfrm>
+            <a:off x="487680" y="-76200"/>
+            <a:ext cx="8778240" cy="1290638"/>
+          </a:xfrm>
+          <a:prstGeom prst="rect">
+            <a:avLst/>
+          </a:prstGeom>
+        </p:spPr>
+        <p:txBody>
+          <a:bodyPr lIns="0" tIns="0" rIns="0" bIns="0" rtlCol="0" anchor="ctr"/>
+          <a:lstStyle/>
+          <a:p>
+            <a:pPr algn="ctr">
+              <a:lnSpc>
+                <a:spcPts val="5631"/>
+              </a:lnSpc>
+            </a:pPr>
+            <a:r>
+              <a:rPr lang="en-US" sz="4693" b="1" dirty="0">
+                <a:solidFill>
+                  <a:srgbClr val="000000"/>
+                </a:solidFill>
+                <a:latin typeface="Ebrima" panose="02000000000000000000" pitchFamily="2" charset="0"/>
+                <a:ea typeface="Ebrima" panose="02000000000000000000" pitchFamily="2" charset="0"/>
+                <a:cs typeface="Ebrima" panose="02000000000000000000" pitchFamily="2" charset="0"/>
+                <a:sym typeface="Calibri (MS)"/>
+              </a:rPr>
+              <a:t>Mapa de Correlaciones</a:t>
+            </a:r>
+          </a:p>
+        </p:txBody>
+      </p:sp>
+      <p:sp>
+        <p:nvSpPr>
+          <p:cNvPr id="5" name="Freeform 5"/>
+          <p:cNvSpPr/>
+          <p:nvPr/>
+        </p:nvSpPr>
+        <p:spPr>
+          <a:xfrm>
+            <a:off x="1423869" y="1143000"/>
+            <a:ext cx="6905861" cy="5452876"/>
+          </a:xfrm>
+          <a:custGeom>
+            <a:avLst/>
+            <a:gdLst/>
+            <a:ahLst/>
+            <a:cxnLst/>
+            <a:rect l="l" t="t" r="r" b="b"/>
+            <a:pathLst>
+              <a:path w="7410922" h="5821913">
+                <a:moveTo>
+                  <a:pt x="0" y="0"/>
+                </a:moveTo>
+                <a:lnTo>
+                  <a:pt x="7410922" y="0"/>
+                </a:lnTo>
+                <a:lnTo>
+                  <a:pt x="7410922" y="5821913"/>
+                </a:lnTo>
+                <a:lnTo>
+                  <a:pt x="0" y="5821913"/>
+                </a:lnTo>
+                <a:lnTo>
+                  <a:pt x="0" y="0"/>
+                </a:lnTo>
+                <a:close/>
+              </a:path>
+            </a:pathLst>
+          </a:custGeom>
+          <a:blipFill>
+            <a:blip r:embed="rId2"/>
+            <a:stretch>
+              <a:fillRect/>
+            </a:stretch>
+          </a:blipFill>
+        </p:spPr>
+        <p:txBody>
+          <a:bodyPr/>
+          <a:lstStyle/>
+          <a:p>
+            <a:endParaRPr lang="es-CO"/>
+          </a:p>
+        </p:txBody>
+      </p:sp>
+    </p:spTree>
+  </p:cSld>
+  <p:clrMapOvr>
+    <a:masterClrMapping/>
+  </p:clrMapOvr>
+</p:sld>
+</file>
+
+<file path=ppt/slides/slide7.xml><?xml version="1.0" encoding="utf-8"?>
+<p:sld xmlns:a="http://schemas.openxmlformats.org/drawingml/2006/main" xmlns:r="http://schemas.openxmlformats.org/officeDocument/2006/relationships" xmlns:p="http://schemas.openxmlformats.org/presentationml/2006/main">
   <p:cSld>
     <p:spTree>
       <p:nvGrpSpPr>
@@ -4005,12 +5188,12 @@
       </p:grpSpPr>
       <p:grpSp>
         <p:nvGrpSpPr>
-          <p:cNvPr name="Group 2" id="2"/>
+          <p:cNvPr id="2" name="Group 2"/>
           <p:cNvGrpSpPr/>
           <p:nvPr/>
         </p:nvGrpSpPr>
         <p:grpSpPr>
-          <a:xfrm rot="0">
+          <a:xfrm>
             <a:off x="487680" y="292947"/>
             <a:ext cx="8778240" cy="1219200"/>
             <a:chOff x="0" y="0"/>
@@ -4019,12 +5202,12 @@
         </p:grpSpPr>
         <p:sp>
           <p:nvSpPr>
-            <p:cNvPr name="Freeform 3" id="3"/>
+            <p:cNvPr id="3" name="Freeform 3"/>
             <p:cNvSpPr/>
             <p:nvPr/>
           </p:nvSpPr>
           <p:spPr>
-            <a:xfrm flipH="false" flipV="false" rot="0">
+            <a:xfrm>
               <a:off x="0" y="0"/>
               <a:ext cx="11704320" cy="1625600"/>
             </a:xfrm>
@@ -4033,9 +5216,9 @@
               <a:gdLst/>
               <a:ahLst/>
               <a:cxnLst/>
-              <a:rect r="r" b="b" t="t" l="l"/>
+              <a:rect l="l" t="t" r="r" b="b"/>
               <a:pathLst>
-                <a:path h="1625600" w="11704320">
+                <a:path w="11704320" h="1625600">
                   <a:moveTo>
                     <a:pt x="0" y="0"/>
                   </a:moveTo>
@@ -4058,11 +5241,18 @@
               </a:srgbClr>
             </a:solidFill>
           </p:spPr>
+          <p:txBody>
+            <a:bodyPr/>
+            <a:lstStyle/>
+            <a:p>
+              <a:endParaRPr lang="es-CO"/>
+            </a:p>
+          </p:txBody>
         </p:sp>
         <p:sp>
           <p:nvSpPr>
-            <p:cNvPr name="TextBox 4" id="4"/>
-            <p:cNvSpPr txBox="true"/>
+            <p:cNvPr id="4" name="TextBox 4"/>
+            <p:cNvSpPr txBox="1"/>
             <p:nvPr/>
           </p:nvSpPr>
           <p:spPr>
@@ -4075,7 +5265,7 @@
             </a:prstGeom>
           </p:spPr>
           <p:txBody>
-            <a:bodyPr anchor="ctr" rtlCol="false" tIns="0" lIns="0" bIns="0" rIns="0"/>
+            <a:bodyPr lIns="0" tIns="0" rIns="0" bIns="0" rtlCol="0" anchor="ctr"/>
             <a:lstStyle/>
             <a:p>
               <a:pPr algn="ctr">
@@ -4084,180 +5274,13 @@
                 </a:lnSpc>
               </a:pPr>
               <a:r>
-                <a:rPr lang="en-US" sz="4693">
+                <a:rPr lang="en-US" sz="4693" b="1" dirty="0">
                   <a:solidFill>
                     <a:srgbClr val="000000"/>
                   </a:solidFill>
-                  <a:latin typeface="Calibri (MS)"/>
-                  <a:ea typeface="Calibri (MS)"/>
-                  <a:cs typeface="Calibri (MS)"/>
-                  <a:sym typeface="Calibri (MS)"/>
-                </a:rPr>
-                <a:t>Mapa de Correlaciones</a:t>
-              </a:r>
-            </a:p>
-          </p:txBody>
-        </p:sp>
-      </p:grpSp>
-      <p:sp>
-        <p:nvSpPr>
-          <p:cNvPr name="Freeform 5" id="5"/>
-          <p:cNvSpPr/>
-          <p:nvPr/>
-        </p:nvSpPr>
-        <p:spPr>
-          <a:xfrm flipH="false" flipV="false" rot="0">
-            <a:off x="1171339" y="1214547"/>
-            <a:ext cx="7410922" cy="5821913"/>
-          </a:xfrm>
-          <a:custGeom>
-            <a:avLst/>
-            <a:gdLst/>
-            <a:ahLst/>
-            <a:cxnLst/>
-            <a:rect r="r" b="b" t="t" l="l"/>
-            <a:pathLst>
-              <a:path h="5821913" w="7410922">
-                <a:moveTo>
-                  <a:pt x="0" y="0"/>
-                </a:moveTo>
-                <a:lnTo>
-                  <a:pt x="7410922" y="0"/>
-                </a:lnTo>
-                <a:lnTo>
-                  <a:pt x="7410922" y="5821913"/>
-                </a:lnTo>
-                <a:lnTo>
-                  <a:pt x="0" y="5821913"/>
-                </a:lnTo>
-                <a:lnTo>
-                  <a:pt x="0" y="0"/>
-                </a:lnTo>
-                <a:close/>
-              </a:path>
-            </a:pathLst>
-          </a:custGeom>
-          <a:blipFill>
-            <a:blip r:embed="rId2"/>
-            <a:stretch>
-              <a:fillRect l="0" t="0" r="0" b="0"/>
-            </a:stretch>
-          </a:blipFill>
-        </p:spPr>
-      </p:sp>
-    </p:spTree>
-  </p:cSld>
-  <p:clrMapOvr>
-    <a:masterClrMapping/>
-  </p:clrMapOvr>
-</p:sld>
-</file>
-
-<file path=ppt/slides/slide7.xml><?xml version="1.0" encoding="utf-8"?>
-<p:sld xmlns:p="http://schemas.openxmlformats.org/presentationml/2006/main" xmlns:a="http://schemas.openxmlformats.org/drawingml/2006/main">
-  <p:cSld>
-    <p:spTree>
-      <p:nvGrpSpPr>
-        <p:cNvPr id="1" name=""/>
-        <p:cNvGrpSpPr/>
-        <p:nvPr/>
-      </p:nvGrpSpPr>
-      <p:grpSpPr>
-        <a:xfrm>
-          <a:off x="0" y="0"/>
-          <a:ext cx="0" cy="0"/>
-          <a:chOff x="0" y="0"/>
-          <a:chExt cx="0" cy="0"/>
-        </a:xfrm>
-      </p:grpSpPr>
-      <p:grpSp>
-        <p:nvGrpSpPr>
-          <p:cNvPr name="Group 2" id="2"/>
-          <p:cNvGrpSpPr/>
-          <p:nvPr/>
-        </p:nvGrpSpPr>
-        <p:grpSpPr>
-          <a:xfrm rot="0">
-            <a:off x="487680" y="292947"/>
-            <a:ext cx="8778240" cy="1219200"/>
-            <a:chOff x="0" y="0"/>
-            <a:chExt cx="11704320" cy="1625600"/>
-          </a:xfrm>
-        </p:grpSpPr>
-        <p:sp>
-          <p:nvSpPr>
-            <p:cNvPr name="Freeform 3" id="3"/>
-            <p:cNvSpPr/>
-            <p:nvPr/>
-          </p:nvSpPr>
-          <p:spPr>
-            <a:xfrm flipH="false" flipV="false" rot="0">
-              <a:off x="0" y="0"/>
-              <a:ext cx="11704320" cy="1625600"/>
-            </a:xfrm>
-            <a:custGeom>
-              <a:avLst/>
-              <a:gdLst/>
-              <a:ahLst/>
-              <a:cxnLst/>
-              <a:rect r="r" b="b" t="t" l="l"/>
-              <a:pathLst>
-                <a:path h="1625600" w="11704320">
-                  <a:moveTo>
-                    <a:pt x="0" y="0"/>
-                  </a:moveTo>
-                  <a:lnTo>
-                    <a:pt x="11704320" y="0"/>
-                  </a:lnTo>
-                  <a:lnTo>
-                    <a:pt x="11704320" y="1625600"/>
-                  </a:lnTo>
-                  <a:lnTo>
-                    <a:pt x="0" y="1625600"/>
-                  </a:lnTo>
-                  <a:close/>
-                </a:path>
-              </a:pathLst>
-            </a:custGeom>
-            <a:solidFill>
-              <a:srgbClr val="000000">
-                <a:alpha val="0"/>
-              </a:srgbClr>
-            </a:solidFill>
-          </p:spPr>
-        </p:sp>
-        <p:sp>
-          <p:nvSpPr>
-            <p:cNvPr name="TextBox 4" id="4"/>
-            <p:cNvSpPr txBox="true"/>
-            <p:nvPr/>
-          </p:nvSpPr>
-          <p:spPr>
-            <a:xfrm>
-              <a:off x="0" y="-95250"/>
-              <a:ext cx="11704320" cy="1720850"/>
-            </a:xfrm>
-            <a:prstGeom prst="rect">
-              <a:avLst/>
-            </a:prstGeom>
-          </p:spPr>
-          <p:txBody>
-            <a:bodyPr anchor="ctr" rtlCol="false" tIns="0" lIns="0" bIns="0" rIns="0"/>
-            <a:lstStyle/>
-            <a:p>
-              <a:pPr algn="ctr">
-                <a:lnSpc>
-                  <a:spcPts val="5631"/>
-                </a:lnSpc>
-              </a:pPr>
-              <a:r>
-                <a:rPr lang="en-US" sz="4693">
-                  <a:solidFill>
-                    <a:srgbClr val="000000"/>
-                  </a:solidFill>
-                  <a:latin typeface="Calibri (MS)"/>
-                  <a:ea typeface="Calibri (MS)"/>
-                  <a:cs typeface="Calibri (MS)"/>
+                  <a:latin typeface="Ebrima" panose="02000000000000000000" pitchFamily="2" charset="0"/>
+                  <a:ea typeface="Ebrima" panose="02000000000000000000" pitchFamily="2" charset="0"/>
+                  <a:cs typeface="Ebrima" panose="02000000000000000000" pitchFamily="2" charset="0"/>
                   <a:sym typeface="Calibri (MS)"/>
                 </a:rPr>
                 <a:t>Conclusiones</a:t>
@@ -4268,103 +5291,95 @@
       </p:grpSp>
       <p:sp>
         <p:nvSpPr>
-          <p:cNvPr name="TextBox 5" id="5"/>
-          <p:cNvSpPr txBox="true"/>
+          <p:cNvPr id="5" name="TextBox 5"/>
+          <p:cNvSpPr txBox="1"/>
           <p:nvPr/>
         </p:nvSpPr>
         <p:spPr>
-          <a:xfrm rot="0">
+          <a:xfrm>
             <a:off x="579120" y="1685925"/>
-            <a:ext cx="8595360" cy="4802929"/>
+            <a:ext cx="8595360" cy="4173900"/>
           </a:xfrm>
           <a:prstGeom prst="rect">
             <a:avLst/>
           </a:prstGeom>
         </p:spPr>
         <p:txBody>
-          <a:bodyPr anchor="t" rtlCol="false" tIns="0" lIns="0" bIns="0" rIns="0">
+          <a:bodyPr lIns="0" tIns="0" rIns="0" bIns="0" rtlCol="0" anchor="t">
             <a:spAutoFit/>
           </a:bodyPr>
           <a:lstStyle/>
           <a:p>
-            <a:pPr algn="l" marL="439273" indent="-219637" lvl="1">
+            <a:pPr marL="219636" lvl="1" algn="l">
               <a:lnSpc>
                 <a:spcPts val="4095"/>
               </a:lnSpc>
-              <a:buFont typeface="Arial"/>
-              <a:buChar char="•"/>
             </a:pPr>
             <a:r>
-              <a:rPr lang="en-US" sz="3413">
+              <a:rPr lang="en-US" sz="3413" dirty="0">
                 <a:solidFill>
                   <a:srgbClr val="000000"/>
                 </a:solidFill>
-                <a:latin typeface="Calibri (MS)"/>
-                <a:ea typeface="Calibri (MS)"/>
-                <a:cs typeface="Calibri (MS)"/>
+                <a:latin typeface="Ebrima" panose="02000000000000000000" pitchFamily="2" charset="0"/>
+                <a:ea typeface="Ebrima" panose="02000000000000000000" pitchFamily="2" charset="0"/>
+                <a:cs typeface="Ebrima" panose="02000000000000000000" pitchFamily="2" charset="0"/>
                 <a:sym typeface="Calibri (MS)"/>
               </a:rPr>
               <a:t>• La temperatura es la variable con mayor influencia en las ventas.</a:t>
             </a:r>
           </a:p>
           <a:p>
-            <a:pPr algn="l" marL="439273" indent="-219637" lvl="1">
+            <a:pPr marL="219636" lvl="1" algn="l">
               <a:lnSpc>
                 <a:spcPts val="4095"/>
               </a:lnSpc>
-              <a:buFont typeface="Arial"/>
-              <a:buChar char="•"/>
             </a:pPr>
             <a:r>
-              <a:rPr lang="en-US" sz="3413">
+              <a:rPr lang="en-US" sz="3413" dirty="0">
                 <a:solidFill>
                   <a:srgbClr val="000000"/>
                 </a:solidFill>
-                <a:latin typeface="Calibri (MS)"/>
-                <a:ea typeface="Calibri (MS)"/>
-                <a:cs typeface="Calibri (MS)"/>
+                <a:latin typeface="Ebrima" panose="02000000000000000000" pitchFamily="2" charset="0"/>
+                <a:ea typeface="Ebrima" panose="02000000000000000000" pitchFamily="2" charset="0"/>
+                <a:cs typeface="Ebrima" panose="02000000000000000000" pitchFamily="2" charset="0"/>
                 <a:sym typeface="Calibri (MS)"/>
               </a:rPr>
               <a:t>• Promoción y fin de semana también muestran impacto positivo.</a:t>
             </a:r>
           </a:p>
           <a:p>
-            <a:pPr algn="l" marL="439273" indent="-219637" lvl="1">
+            <a:pPr marL="219636" lvl="1" algn="l">
               <a:lnSpc>
                 <a:spcPts val="4095"/>
               </a:lnSpc>
-              <a:buFont typeface="Arial"/>
-              <a:buChar char="•"/>
             </a:pPr>
             <a:r>
-              <a:rPr lang="en-US" sz="3413">
+              <a:rPr lang="en-US" sz="3413" dirty="0">
                 <a:solidFill>
                   <a:srgbClr val="000000"/>
                 </a:solidFill>
-                <a:latin typeface="Calibri (MS)"/>
-                <a:ea typeface="Calibri (MS)"/>
-                <a:cs typeface="Calibri (MS)"/>
+                <a:latin typeface="Ebrima" panose="02000000000000000000" pitchFamily="2" charset="0"/>
+                <a:ea typeface="Ebrima" panose="02000000000000000000" pitchFamily="2" charset="0"/>
+                <a:cs typeface="Ebrima" panose="02000000000000000000" pitchFamily="2" charset="0"/>
                 <a:sym typeface="Calibri (MS)"/>
               </a:rPr>
               <a:t>• El heatmap confirma correlaciones positivas fuertes.</a:t>
             </a:r>
           </a:p>
           <a:p>
-            <a:pPr algn="l" marL="439273" indent="-219637" lvl="1">
+            <a:pPr marL="219636" lvl="1" algn="l">
               <a:lnSpc>
                 <a:spcPts val="4095"/>
               </a:lnSpc>
-              <a:buFont typeface="Arial"/>
-              <a:buChar char="•"/>
             </a:pPr>
             <a:r>
-              <a:rPr lang="en-US" sz="3413">
+              <a:rPr lang="en-US" sz="3413" dirty="0">
                 <a:solidFill>
                   <a:srgbClr val="000000"/>
                 </a:solidFill>
-                <a:latin typeface="Calibri (MS)"/>
-                <a:ea typeface="Calibri (MS)"/>
-                <a:cs typeface="Calibri (MS)"/>
+                <a:latin typeface="Ebrima" panose="02000000000000000000" pitchFamily="2" charset="0"/>
+                <a:ea typeface="Ebrima" panose="02000000000000000000" pitchFamily="2" charset="0"/>
+                <a:cs typeface="Ebrima" panose="02000000000000000000" pitchFamily="2" charset="0"/>
                 <a:sym typeface="Calibri (MS)"/>
               </a:rPr>
               <a:t>• No se observan valores atípicos significativos.</a:t>
@@ -4381,49 +5396,49 @@
 </file>
 
 <file path=ppt/theme/theme1.xml><?xml version="1.0" encoding="utf-8"?>
-<a:theme xmlns:a="http://schemas.openxmlformats.org/drawingml/2006/main" name="Office Theme">
+<a:theme xmlns:a="http://schemas.openxmlformats.org/drawingml/2006/main" name="Retrospección">
   <a:themeElements>
-    <a:clrScheme name="Office">
+    <a:clrScheme name="Retrospección">
       <a:dk1>
-        <a:sysClr val="windowText" lastClr="000000"/>
+        <a:srgbClr val="000000"/>
       </a:dk1>
       <a:lt1>
         <a:sysClr val="window" lastClr="FFFFFF"/>
       </a:lt1>
       <a:dk2>
-        <a:srgbClr val="1F497D"/>
+        <a:srgbClr val="637052"/>
       </a:dk2>
       <a:lt2>
-        <a:srgbClr val="EEECE1"/>
+        <a:srgbClr val="CCDDEA"/>
       </a:lt2>
       <a:accent1>
-        <a:srgbClr val="4F81BD"/>
+        <a:srgbClr val="E48312"/>
       </a:accent1>
       <a:accent2>
-        <a:srgbClr val="C0504D"/>
+        <a:srgbClr val="BD582C"/>
       </a:accent2>
       <a:accent3>
-        <a:srgbClr val="9BBB59"/>
+        <a:srgbClr val="865640"/>
       </a:accent3>
       <a:accent4>
-        <a:srgbClr val="8064A2"/>
+        <a:srgbClr val="9B8357"/>
       </a:accent4>
       <a:accent5>
-        <a:srgbClr val="4BACC6"/>
+        <a:srgbClr val="C2BC80"/>
       </a:accent5>
       <a:accent6>
-        <a:srgbClr val="F79646"/>
+        <a:srgbClr val="94A088"/>
       </a:accent6>
       <a:hlink>
-        <a:srgbClr val="0000FF"/>
+        <a:srgbClr val="2998E3"/>
       </a:hlink>
       <a:folHlink>
-        <a:srgbClr val="800080"/>
+        <a:srgbClr val="8C8C8C"/>
       </a:folHlink>
     </a:clrScheme>
-    <a:fontScheme name="Office">
+    <a:fontScheme name="Retrospección">
       <a:majorFont>
-        <a:latin typeface="Calibri"/>
+        <a:latin typeface="Calibri Light" panose="020F0302020204030204"/>
         <a:ea typeface=""/>
         <a:cs typeface=""/>
         <a:font script="Jpan" typeface="ＭＳ Ｐゴシック"/>
@@ -4455,9 +5470,10 @@
         <a:font script="Mong" typeface="Mongolian Baiti"/>
         <a:font script="Viet" typeface="Times New Roman"/>
         <a:font script="Uigh" typeface="Microsoft Uighur"/>
+        <a:font script="Geor" typeface="Sylfaen"/>
       </a:majorFont>
       <a:minorFont>
-        <a:latin typeface="Calibri"/>
+        <a:latin typeface="Calibri" panose="020F0502020204030204"/>
         <a:ea typeface=""/>
         <a:cs typeface=""/>
         <a:font script="Jpan" typeface="ＭＳ Ｐゴシック"/>
@@ -4489,9 +5505,10 @@
         <a:font script="Mong" typeface="Mongolian Baiti"/>
         <a:font script="Viet" typeface="Arial"/>
         <a:font script="Uigh" typeface="Microsoft Uighur"/>
+        <a:font script="Geor" typeface="Sylfaen"/>
       </a:minorFont>
     </a:fontScheme>
-    <a:fmtScheme name="Office">
+    <a:fmtScheme name="Retrospección">
       <a:fillStyleLst>
         <a:solidFill>
           <a:schemeClr val="phClr"/>
@@ -4500,56 +5517,73 @@
           <a:gsLst>
             <a:gs pos="0">
               <a:schemeClr val="phClr">
-                <a:tint val="50000"/>
-                <a:satMod val="300000"/>
+                <a:tint val="65000"/>
+                <a:shade val="92000"/>
+                <a:satMod val="130000"/>
               </a:schemeClr>
             </a:gs>
-            <a:gs pos="35000">
+            <a:gs pos="45000">
               <a:schemeClr val="phClr">
-                <a:tint val="37000"/>
-                <a:satMod val="300000"/>
+                <a:tint val="60000"/>
+                <a:shade val="99000"/>
+                <a:satMod val="120000"/>
               </a:schemeClr>
             </a:gs>
             <a:gs pos="100000">
               <a:schemeClr val="phClr">
-                <a:tint val="15000"/>
-                <a:satMod val="350000"/>
+                <a:tint val="55000"/>
+                <a:satMod val="140000"/>
               </a:schemeClr>
             </a:gs>
           </a:gsLst>
-          <a:lin ang="16200000" scaled="1"/>
+          <a:path path="circle">
+            <a:fillToRect l="100000" t="100000" r="100000" b="100000"/>
+          </a:path>
         </a:gradFill>
         <a:gradFill rotWithShape="1">
           <a:gsLst>
             <a:gs pos="0">
               <a:schemeClr val="phClr">
-                <a:shade val="51000"/>
+                <a:shade val="85000"/>
                 <a:satMod val="130000"/>
               </a:schemeClr>
             </a:gs>
-            <a:gs pos="80000">
+            <a:gs pos="34000">
               <a:schemeClr val="phClr">
-                <a:shade val="93000"/>
+                <a:shade val="87000"/>
+                <a:satMod val="125000"/>
+              </a:schemeClr>
+            </a:gs>
+            <a:gs pos="70000">
+              <a:schemeClr val="phClr">
+                <a:tint val="100000"/>
+                <a:shade val="90000"/>
                 <a:satMod val="130000"/>
               </a:schemeClr>
             </a:gs>
             <a:gs pos="100000">
               <a:schemeClr val="phClr">
-                <a:shade val="94000"/>
-                <a:satMod val="135000"/>
+                <a:tint val="100000"/>
+                <a:shade val="100000"/>
+                <a:satMod val="110000"/>
               </a:schemeClr>
             </a:gs>
           </a:gsLst>
-          <a:lin ang="16200000" scaled="0"/>
+          <a:path path="circle">
+            <a:fillToRect l="100000" t="100000" r="100000" b="100000"/>
+          </a:path>
         </a:gradFill>
       </a:fillStyleLst>
       <a:lnStyleLst>
-        <a:ln w="9525" cap="flat" cmpd="sng" algn="ctr">
+        <a:ln w="12700" cap="flat" cmpd="sng" algn="ctr">
           <a:solidFill>
-            <a:schemeClr val="phClr">
-              <a:shade val="95000"/>
-              <a:satMod val="105000"/>
-            </a:schemeClr>
+            <a:schemeClr val="phClr"/>
+          </a:solidFill>
+          <a:prstDash val="solid"/>
+        </a:ln>
+        <a:ln w="15875" cap="flat" cmpd="sng" algn="ctr">
+          <a:solidFill>
+            <a:schemeClr val="phClr"/>
           </a:solidFill>
           <a:prstDash val="solid"/>
         </a:ln>
@@ -4559,37 +5593,25 @@
           </a:solidFill>
           <a:prstDash val="solid"/>
         </a:ln>
-        <a:ln w="38100" cap="flat" cmpd="sng" algn="ctr">
-          <a:solidFill>
-            <a:schemeClr val="phClr"/>
-          </a:solidFill>
-          <a:prstDash val="solid"/>
-        </a:ln>
       </a:lnStyleLst>
       <a:effectStyleLst>
         <a:effectStyle>
+          <a:effectLst/>
+        </a:effectStyle>
+        <a:effectStyle>
           <a:effectLst>
-            <a:outerShdw blurRad="40000" dist="20000" dir="5400000" rotWithShape="0">
+            <a:outerShdw blurRad="38100" dist="25400" dir="2700000" algn="br" rotWithShape="0">
               <a:srgbClr val="000000">
-                <a:alpha val="38000"/>
+                <a:alpha val="60000"/>
               </a:srgbClr>
             </a:outerShdw>
           </a:effectLst>
         </a:effectStyle>
         <a:effectStyle>
           <a:effectLst>
-            <a:outerShdw blurRad="40000" dist="23000" dir="5400000" rotWithShape="0">
+            <a:outerShdw blurRad="44450" dist="25400" dir="2700000" algn="br" rotWithShape="0">
               <a:srgbClr val="000000">
-                <a:alpha val="35000"/>
-              </a:srgbClr>
-            </a:outerShdw>
-          </a:effectLst>
-        </a:effectStyle>
-        <a:effectStyle>
-          <a:effectLst>
-            <a:outerShdw blurRad="40000" dist="23000" dir="5400000" rotWithShape="0">
-              <a:srgbClr val="000000">
-                <a:alpha val="35000"/>
+                <a:alpha val="60000"/>
               </a:srgbClr>
             </a:outerShdw>
           </a:effectLst>
@@ -4598,11 +5620,11 @@
               <a:rot lat="0" lon="0" rev="0"/>
             </a:camera>
             <a:lightRig rig="threePt" dir="t">
-              <a:rot lat="0" lon="0" rev="1200000"/>
+              <a:rot lat="0" lon="0" rev="19800000"/>
             </a:lightRig>
           </a:scene3d>
-          <a:sp3d>
-            <a:bevelT w="63500" h="25400"/>
+          <a:sp3d prstMaterial="flat">
+            <a:bevelT w="25400" h="31750"/>
           </a:sp3d>
         </a:effectStyle>
       </a:effectStyleLst>
@@ -4610,55 +5632,48 @@
         <a:solidFill>
           <a:schemeClr val="phClr"/>
         </a:solidFill>
+        <a:solidFill>
+          <a:schemeClr val="phClr">
+            <a:tint val="90000"/>
+            <a:shade val="97000"/>
+            <a:satMod val="130000"/>
+          </a:schemeClr>
+        </a:solidFill>
         <a:gradFill rotWithShape="1">
           <a:gsLst>
             <a:gs pos="0">
               <a:schemeClr val="phClr">
-                <a:tint val="40000"/>
-                <a:satMod val="350000"/>
+                <a:tint val="96000"/>
+                <a:shade val="99000"/>
+                <a:satMod val="140000"/>
               </a:schemeClr>
             </a:gs>
-            <a:gs pos="40000">
+            <a:gs pos="65000">
               <a:schemeClr val="phClr">
-                <a:tint val="45000"/>
-                <a:shade val="99000"/>
-                <a:satMod val="350000"/>
+                <a:tint val="100000"/>
+                <a:shade val="80000"/>
+                <a:satMod val="130000"/>
               </a:schemeClr>
             </a:gs>
             <a:gs pos="100000">
               <a:schemeClr val="phClr">
-                <a:shade val="20000"/>
-                <a:satMod val="255000"/>
+                <a:tint val="100000"/>
+                <a:shade val="48000"/>
+                <a:satMod val="120000"/>
               </a:schemeClr>
             </a:gs>
           </a:gsLst>
-          <a:path path="circle">
-            <a:fillToRect l="50000" t="-80000" r="50000" b="180000"/>
-          </a:path>
-        </a:gradFill>
-        <a:gradFill rotWithShape="1">
-          <a:gsLst>
-            <a:gs pos="0">
-              <a:schemeClr val="phClr">
-                <a:tint val="80000"/>
-                <a:satMod val="300000"/>
-              </a:schemeClr>
-            </a:gs>
-            <a:gs pos="100000">
-              <a:schemeClr val="phClr">
-                <a:shade val="30000"/>
-                <a:satMod val="200000"/>
-              </a:schemeClr>
-            </a:gs>
-          </a:gsLst>
-          <a:path path="circle">
-            <a:fillToRect l="50000" t="50000" r="50000" b="50000"/>
-          </a:path>
+          <a:lin ang="16200000" scaled="0"/>
         </a:gradFill>
       </a:bgFillStyleLst>
     </a:fmtScheme>
   </a:themeElements>
   <a:objectDefaults/>
   <a:extraClrSchemeLst/>
+  <a:extLst>
+    <a:ext uri="{05A4C25C-085E-4340-85A3-A5531E510DB2}">
+      <thm15:themeFamily xmlns:thm15="http://schemas.microsoft.com/office/thememl/2012/main" name="Retrospect" id="{5F128B03-DCCA-4EEB-AB3B-CF2899314A46}" vid="{3F1AAB62-24C6-49D2-8E01-B56FAC9A3DCD}"/>
+    </a:ext>
+  </a:extLst>
 </a:theme>
 </file>